--- a/LLVM Notes.pptx
+++ b/LLVM Notes.pptx
@@ -5,7 +5,7 @@
     <p:sldMasterId id="2147483648" r:id="rId1"/>
   </p:sldMasterIdLst>
   <p:notesMasterIdLst>
-    <p:notesMasterId r:id="rId23"/>
+    <p:notesMasterId r:id="rId44"/>
   </p:notesMasterIdLst>
   <p:sldIdLst>
     <p:sldId id="256" r:id="rId2"/>
@@ -27,8 +27,29 @@
     <p:sldId id="267" r:id="rId18"/>
     <p:sldId id="269" r:id="rId19"/>
     <p:sldId id="278" r:id="rId20"/>
-    <p:sldId id="270" r:id="rId21"/>
-    <p:sldId id="273" r:id="rId22"/>
+    <p:sldId id="279" r:id="rId21"/>
+    <p:sldId id="280" r:id="rId22"/>
+    <p:sldId id="270" r:id="rId23"/>
+    <p:sldId id="281" r:id="rId24"/>
+    <p:sldId id="282" r:id="rId25"/>
+    <p:sldId id="283" r:id="rId26"/>
+    <p:sldId id="286" r:id="rId27"/>
+    <p:sldId id="287" r:id="rId28"/>
+    <p:sldId id="288" r:id="rId29"/>
+    <p:sldId id="289" r:id="rId30"/>
+    <p:sldId id="291" r:id="rId31"/>
+    <p:sldId id="292" r:id="rId32"/>
+    <p:sldId id="293" r:id="rId33"/>
+    <p:sldId id="290" r:id="rId34"/>
+    <p:sldId id="284" r:id="rId35"/>
+    <p:sldId id="285" r:id="rId36"/>
+    <p:sldId id="294" r:id="rId37"/>
+    <p:sldId id="295" r:id="rId38"/>
+    <p:sldId id="296" r:id="rId39"/>
+    <p:sldId id="297" r:id="rId40"/>
+    <p:sldId id="298" r:id="rId41"/>
+    <p:sldId id="299" r:id="rId42"/>
+    <p:sldId id="273" r:id="rId43"/>
   </p:sldIdLst>
   <p:sldSz cx="12192000" cy="6858000"/>
   <p:notesSz cx="6858000" cy="9144000"/>
@@ -135,7 +156,7 @@
             <p14:sldId id="256"/>
           </p14:sldIdLst>
         </p14:section>
-        <p14:section name="Advanced LLVM IR" id="{75ABB0CD-0FD8-4879-A84B-F99C80FE0799}">
+        <p14:section name="Chapter 3. Advanced LLVM IR" id="{75ABB0CD-0FD8-4879-A84B-F99C80FE0799}">
           <p14:sldIdLst>
             <p14:sldId id="258"/>
             <p14:sldId id="257"/>
@@ -146,7 +167,7 @@
             <p14:sldId id="264"/>
           </p14:sldIdLst>
         </p14:section>
-        <p14:section name="Basic IR Transformations" id="{B21D21C3-8B79-4AC5-A55E-214F204FCAA3}">
+        <p14:section name="Chapter 4. Basic IR Transformations" id="{B21D21C3-8B79-4AC5-A55E-214F204FCAA3}">
           <p14:sldIdLst>
             <p14:sldId id="265"/>
             <p14:sldId id="266"/>
@@ -158,12 +179,41 @@
             <p14:sldId id="277"/>
           </p14:sldIdLst>
         </p14:section>
-        <p14:section name="Advanced IR Block" id="{91B12FA1-B40E-4E59-9343-A99315AC6215}">
+        <p14:section name="Chapter 5. Advanced IR Block Transformations" id="{91B12FA1-B40E-4E59-9343-A99315AC6215}">
           <p14:sldIdLst>
             <p14:sldId id="267"/>
             <p14:sldId id="269"/>
             <p14:sldId id="278"/>
+            <p14:sldId id="279"/>
+            <p14:sldId id="280"/>
             <p14:sldId id="270"/>
+            <p14:sldId id="281"/>
+          </p14:sldIdLst>
+        </p14:section>
+        <p14:section name="Chapter 6. IR to Selection DAG phase" id="{4C3CE2F0-C920-46A4-8C58-77FEB73A141C}">
+          <p14:sldIdLst>
+            <p14:sldId id="282"/>
+            <p14:sldId id="283"/>
+            <p14:sldId id="286"/>
+            <p14:sldId id="287"/>
+            <p14:sldId id="288"/>
+            <p14:sldId id="289"/>
+            <p14:sldId id="291"/>
+            <p14:sldId id="292"/>
+            <p14:sldId id="293"/>
+            <p14:sldId id="290"/>
+          </p14:sldIdLst>
+        </p14:section>
+        <p14:section name="Chapter 7. Generating Code for Target" id="{CB8A2131-67B7-4A9F-93A7-DD7755DD8A5E}">
+          <p14:sldIdLst>
+            <p14:sldId id="284"/>
+            <p14:sldId id="285"/>
+            <p14:sldId id="294"/>
+            <p14:sldId id="295"/>
+            <p14:sldId id="296"/>
+            <p14:sldId id="297"/>
+            <p14:sldId id="298"/>
+            <p14:sldId id="299"/>
           </p14:sldIdLst>
         </p14:section>
         <p14:section name="My Flag" id="{FB34FCD1-111F-4F4D-8D1B-BB7A23983F26}">
@@ -172,6 +222,9 @@
           </p14:sldIdLst>
         </p14:section>
       </p14:sectionLst>
+    </p:ext>
+    <p:ext uri="{EFAFB233-063F-42B5-8137-9DF3F51BA10A}">
+      <p15:sldGuideLst xmlns:p15="http://schemas.microsoft.com/office/powerpoint/2012/main"/>
     </p:ext>
   </p:extLst>
 </p:presentation>
@@ -259,7 +312,7 @@
           <a:p>
             <a:fld id="{378B8E3B-2B2C-4E88-8C79-FA5FEAC2CC0F}" type="datetimeFigureOut">
               <a:rPr lang="zh-CN" altLang="en-US" smtClean="0"/>
-              <a:t>2019/9/25</a:t>
+              <a:t>2019/9/26</a:t>
             </a:fld>
             <a:endParaRPr lang="zh-CN" altLang="en-US"/>
           </a:p>
@@ -773,6 +826,732 @@
 </p:notes>
 </file>
 
+<file path=ppt/notesSlides/notesSlide10.xml><?xml version="1.0" encoding="utf-8"?>
+<p:notes xmlns:a="http://schemas.openxmlformats.org/drawingml/2006/main" xmlns:r="http://schemas.openxmlformats.org/officeDocument/2006/relationships" xmlns:p="http://schemas.openxmlformats.org/presentationml/2006/main">
+  <p:cSld>
+    <p:spTree>
+      <p:nvGrpSpPr>
+        <p:cNvPr id="1" name=""/>
+        <p:cNvGrpSpPr/>
+        <p:nvPr/>
+      </p:nvGrpSpPr>
+      <p:grpSpPr>
+        <a:xfrm>
+          <a:off x="0" y="0"/>
+          <a:ext cx="0" cy="0"/>
+          <a:chOff x="0" y="0"/>
+          <a:chExt cx="0" cy="0"/>
+        </a:xfrm>
+      </p:grpSpPr>
+      <p:sp>
+        <p:nvSpPr>
+          <p:cNvPr id="2" name="幻灯片图像占位符 1"/>
+          <p:cNvSpPr>
+            <a:spLocks noGrp="1" noRot="1" noChangeAspect="1"/>
+          </p:cNvSpPr>
+          <p:nvPr>
+            <p:ph type="sldImg"/>
+          </p:nvPr>
+        </p:nvSpPr>
+        <p:spPr/>
+      </p:sp>
+      <p:sp>
+        <p:nvSpPr>
+          <p:cNvPr id="3" name="备注占位符 2"/>
+          <p:cNvSpPr>
+            <a:spLocks noGrp="1"/>
+          </p:cNvSpPr>
+          <p:nvPr>
+            <p:ph type="body" idx="1"/>
+          </p:nvPr>
+        </p:nvSpPr>
+        <p:spPr/>
+        <p:txBody>
+          <a:bodyPr/>
+          <a:lstStyle/>
+          <a:p>
+            <a:pPr marL="171450" indent="-171450">
+              <a:buFont typeface="Arial" panose="020B0604020202020204" pitchFamily="34" charset="0"/>
+              <a:buChar char="•"/>
+            </a:pPr>
+            <a:r>
+              <a:rPr lang="en-US" altLang="zh-CN" dirty="0"/>
+              <a:t>Identify the pattern and determine if it is a valid Vectorization pattern</a:t>
+            </a:r>
+          </a:p>
+          <a:p>
+            <a:pPr marL="171450" indent="-171450">
+              <a:buFont typeface="Arial" panose="020B0604020202020204" pitchFamily="34" charset="0"/>
+              <a:buChar char="•"/>
+            </a:pPr>
+            <a:r>
+              <a:rPr lang="en-US" altLang="zh-CN" dirty="0"/>
+              <a:t>Determine if it is profitable to vectorize the code</a:t>
+            </a:r>
+          </a:p>
+          <a:p>
+            <a:pPr marL="171450" indent="-171450">
+              <a:buFont typeface="Arial" panose="020B0604020202020204" pitchFamily="34" charset="0"/>
+              <a:buChar char="•"/>
+            </a:pPr>
+            <a:r>
+              <a:rPr lang="en-US" altLang="zh-CN" dirty="0"/>
+              <a:t>If step 1 and 2 are true, then vectorize the code</a:t>
+            </a:r>
+          </a:p>
+          <a:p>
+            <a:endParaRPr lang="zh-CN" altLang="en-US" dirty="0"/>
+          </a:p>
+        </p:txBody>
+      </p:sp>
+      <p:sp>
+        <p:nvSpPr>
+          <p:cNvPr id="4" name="灯片编号占位符 3"/>
+          <p:cNvSpPr>
+            <a:spLocks noGrp="1"/>
+          </p:cNvSpPr>
+          <p:nvPr>
+            <p:ph type="sldNum" sz="quarter" idx="5"/>
+          </p:nvPr>
+        </p:nvSpPr>
+        <p:spPr/>
+        <p:txBody>
+          <a:bodyPr/>
+          <a:lstStyle/>
+          <a:p>
+            <a:fld id="{E4FB6B50-F208-4AEA-B3D6-12E13AF03D34}" type="slidenum">
+              <a:rPr lang="zh-CN" altLang="en-US" smtClean="0"/>
+              <a:t>23</a:t>
+            </a:fld>
+            <a:endParaRPr lang="zh-CN" altLang="en-US"/>
+          </a:p>
+        </p:txBody>
+      </p:sp>
+    </p:spTree>
+    <p:extLst>
+      <p:ext uri="{BB962C8B-B14F-4D97-AF65-F5344CB8AC3E}">
+        <p14:creationId xmlns:p14="http://schemas.microsoft.com/office/powerpoint/2010/main" val="825113022"/>
+      </p:ext>
+    </p:extLst>
+  </p:cSld>
+  <p:clrMapOvr>
+    <a:masterClrMapping/>
+  </p:clrMapOvr>
+</p:notes>
+</file>
+
+<file path=ppt/notesSlides/notesSlide11.xml><?xml version="1.0" encoding="utf-8"?>
+<p:notes xmlns:a="http://schemas.openxmlformats.org/drawingml/2006/main" xmlns:r="http://schemas.openxmlformats.org/officeDocument/2006/relationships" xmlns:p="http://schemas.openxmlformats.org/presentationml/2006/main">
+  <p:cSld>
+    <p:spTree>
+      <p:nvGrpSpPr>
+        <p:cNvPr id="1" name=""/>
+        <p:cNvGrpSpPr/>
+        <p:nvPr/>
+      </p:nvGrpSpPr>
+      <p:grpSpPr>
+        <a:xfrm>
+          <a:off x="0" y="0"/>
+          <a:ext cx="0" cy="0"/>
+          <a:chOff x="0" y="0"/>
+          <a:chExt cx="0" cy="0"/>
+        </a:xfrm>
+      </p:grpSpPr>
+      <p:sp>
+        <p:nvSpPr>
+          <p:cNvPr id="2" name="幻灯片图像占位符 1"/>
+          <p:cNvSpPr>
+            <a:spLocks noGrp="1" noRot="1" noChangeAspect="1"/>
+          </p:cNvSpPr>
+          <p:nvPr>
+            <p:ph type="sldImg"/>
+          </p:nvPr>
+        </p:nvSpPr>
+        <p:spPr/>
+      </p:sp>
+      <p:sp>
+        <p:nvSpPr>
+          <p:cNvPr id="3" name="备注占位符 2"/>
+          <p:cNvSpPr>
+            <a:spLocks noGrp="1"/>
+          </p:cNvSpPr>
+          <p:nvPr>
+            <p:ph type="body" idx="1"/>
+          </p:nvPr>
+        </p:nvSpPr>
+        <p:spPr/>
+        <p:txBody>
+          <a:bodyPr/>
+          <a:lstStyle/>
+          <a:p>
+            <a:r>
+              <a:rPr lang="en-US" altLang="zh-CN" dirty="0"/>
+              <a:t>Basic Register Allocator: The most basic register allocation technique of all the</a:t>
+            </a:r>
+          </a:p>
+          <a:p>
+            <a:r>
+              <a:rPr lang="en-US" altLang="zh-CN" dirty="0"/>
+              <a:t>techniques. It can serve as a starter for implementing other register allocation</a:t>
+            </a:r>
+          </a:p>
+          <a:p>
+            <a:r>
+              <a:rPr lang="en-US" altLang="zh-CN" dirty="0"/>
+              <a:t>techniques. The algorithm makes use of spill weight for prioritizing the virtual</a:t>
+            </a:r>
+          </a:p>
+          <a:p>
+            <a:r>
+              <a:rPr lang="en-US" altLang="zh-CN" dirty="0"/>
+              <a:t>registers. The virtual register with the least weight gets the register allocated to it.</a:t>
+            </a:r>
+          </a:p>
+          <a:p>
+            <a:r>
+              <a:rPr lang="en-US" altLang="zh-CN" dirty="0"/>
+              <a:t>When no physical register is available, the virtual register is spilled to memory.</a:t>
+            </a:r>
+          </a:p>
+          <a:p>
+            <a:r>
+              <a:rPr lang="en-US" altLang="zh-CN" dirty="0"/>
+              <a:t>Fast Register Allocator: This allocation is done at basic block level at a time and</a:t>
+            </a:r>
+          </a:p>
+          <a:p>
+            <a:r>
+              <a:rPr lang="en-US" altLang="zh-CN" dirty="0"/>
+              <a:t>attempts to reuse values in registers by keeping them in registers for longer period </a:t>
+            </a:r>
+            <a:r>
+              <a:rPr lang="en-US" altLang="zh-CN" dirty="0" err="1"/>
+              <a:t>oftime</a:t>
+            </a:r>
+            <a:r>
+              <a:rPr lang="en-US" altLang="zh-CN" dirty="0"/>
+              <a:t>.</a:t>
+            </a:r>
+          </a:p>
+          <a:p>
+            <a:r>
+              <a:rPr lang="en-US" altLang="zh-CN" dirty="0"/>
+              <a:t>PBQP Register Allocator: As mentioned in the source code file for this register</a:t>
+            </a:r>
+          </a:p>
+          <a:p>
+            <a:r>
+              <a:rPr lang="en-US" altLang="zh-CN" dirty="0"/>
+              <a:t>allocation(</a:t>
+            </a:r>
+            <a:r>
+              <a:rPr lang="en-US" altLang="zh-CN" dirty="0" err="1"/>
+              <a:t>llvm</a:t>
+            </a:r>
+            <a:r>
+              <a:rPr lang="en-US" altLang="zh-CN" dirty="0"/>
+              <a:t>/lib/</a:t>
+            </a:r>
+            <a:r>
+              <a:rPr lang="en-US" altLang="zh-CN" dirty="0" err="1"/>
+              <a:t>CodeGen</a:t>
+            </a:r>
+            <a:r>
+              <a:rPr lang="en-US" altLang="zh-CN" dirty="0"/>
+              <a:t>/RegAllocPBQP.cpp), this allocator works by</a:t>
+            </a:r>
+          </a:p>
+          <a:p>
+            <a:r>
+              <a:rPr lang="en-US" altLang="zh-CN" dirty="0"/>
+              <a:t>representing the register allocator as a PBQP problem and then solving it using PBQP</a:t>
+            </a:r>
+          </a:p>
+          <a:p>
+            <a:r>
+              <a:rPr lang="en-US" altLang="zh-CN" dirty="0"/>
+              <a:t>solver.</a:t>
+            </a:r>
+          </a:p>
+          <a:p>
+            <a:r>
+              <a:rPr lang="en-US" altLang="zh-CN" dirty="0"/>
+              <a:t>Greedy Register Allocator: This is one of the efficient allocator of LLVM and</a:t>
+            </a:r>
+          </a:p>
+          <a:p>
+            <a:r>
+              <a:rPr lang="en-US" altLang="zh-CN" dirty="0"/>
+              <a:t>works across the functions. Its allocation is done using live range splitting and</a:t>
+            </a:r>
+          </a:p>
+          <a:p>
+            <a:r>
+              <a:rPr lang="en-US" altLang="zh-CN" dirty="0"/>
+              <a:t>minimizing spill costs</a:t>
+            </a:r>
+            <a:endParaRPr lang="zh-CN" altLang="en-US" dirty="0"/>
+          </a:p>
+        </p:txBody>
+      </p:sp>
+      <p:sp>
+        <p:nvSpPr>
+          <p:cNvPr id="4" name="灯片编号占位符 3"/>
+          <p:cNvSpPr>
+            <a:spLocks noGrp="1"/>
+          </p:cNvSpPr>
+          <p:nvPr>
+            <p:ph type="sldNum" sz="quarter" idx="5"/>
+          </p:nvPr>
+        </p:nvSpPr>
+        <p:spPr/>
+        <p:txBody>
+          <a:bodyPr/>
+          <a:lstStyle/>
+          <a:p>
+            <a:fld id="{E4FB6B50-F208-4AEA-B3D6-12E13AF03D34}" type="slidenum">
+              <a:rPr lang="zh-CN" altLang="en-US" smtClean="0"/>
+              <a:t>32</a:t>
+            </a:fld>
+            <a:endParaRPr lang="zh-CN" altLang="en-US"/>
+          </a:p>
+        </p:txBody>
+      </p:sp>
+    </p:spTree>
+    <p:extLst>
+      <p:ext uri="{BB962C8B-B14F-4D97-AF65-F5344CB8AC3E}">
+        <p14:creationId xmlns:p14="http://schemas.microsoft.com/office/powerpoint/2010/main" val="3834985621"/>
+      </p:ext>
+    </p:extLst>
+  </p:cSld>
+  <p:clrMapOvr>
+    <a:masterClrMapping/>
+  </p:clrMapOvr>
+</p:notes>
+</file>
+
+<file path=ppt/notesSlides/notesSlide12.xml><?xml version="1.0" encoding="utf-8"?>
+<p:notes xmlns:a="http://schemas.openxmlformats.org/drawingml/2006/main" xmlns:r="http://schemas.openxmlformats.org/officeDocument/2006/relationships" xmlns:p="http://schemas.openxmlformats.org/presentationml/2006/main">
+  <p:cSld>
+    <p:spTree>
+      <p:nvGrpSpPr>
+        <p:cNvPr id="1" name=""/>
+        <p:cNvGrpSpPr/>
+        <p:nvPr/>
+      </p:nvGrpSpPr>
+      <p:grpSpPr>
+        <a:xfrm>
+          <a:off x="0" y="0"/>
+          <a:ext cx="0" cy="0"/>
+          <a:chOff x="0" y="0"/>
+          <a:chExt cx="0" cy="0"/>
+        </a:xfrm>
+      </p:grpSpPr>
+      <p:sp>
+        <p:nvSpPr>
+          <p:cNvPr id="2" name="幻灯片图像占位符 1"/>
+          <p:cNvSpPr>
+            <a:spLocks noGrp="1" noRot="1" noChangeAspect="1"/>
+          </p:cNvSpPr>
+          <p:nvPr>
+            <p:ph type="sldImg"/>
+          </p:nvPr>
+        </p:nvSpPr>
+        <p:spPr/>
+      </p:sp>
+      <p:sp>
+        <p:nvSpPr>
+          <p:cNvPr id="3" name="备注占位符 2"/>
+          <p:cNvSpPr>
+            <a:spLocks noGrp="1"/>
+          </p:cNvSpPr>
+          <p:nvPr>
+            <p:ph type="body" idx="1"/>
+          </p:nvPr>
+        </p:nvSpPr>
+        <p:spPr/>
+        <p:txBody>
+          <a:bodyPr/>
+          <a:lstStyle/>
+          <a:p>
+            <a:r>
+              <a:rPr lang="en-US" altLang="zh-CN" dirty="0"/>
+              <a:t> LLVM IR to </a:t>
+            </a:r>
+            <a:r>
+              <a:rPr lang="en-US" altLang="zh-CN" dirty="0" err="1"/>
+              <a:t>SelectionDAG</a:t>
+            </a:r>
+            <a:r>
+              <a:rPr lang="en-US" altLang="zh-CN" dirty="0"/>
+              <a:t>, then to </a:t>
+            </a:r>
+            <a:r>
+              <a:rPr lang="en-US" altLang="zh-CN" dirty="0" err="1"/>
+              <a:t>MachineDAG</a:t>
+            </a:r>
+            <a:r>
+              <a:rPr lang="en-US" altLang="zh-CN" dirty="0"/>
+              <a:t>, then to </a:t>
+            </a:r>
+            <a:r>
+              <a:rPr lang="en-US" altLang="zh-CN" dirty="0" err="1"/>
+              <a:t>MachineInstr</a:t>
+            </a:r>
+            <a:r>
+              <a:rPr lang="en-US" altLang="zh-CN" dirty="0"/>
+              <a:t>, and finally to </a:t>
+            </a:r>
+            <a:r>
+              <a:rPr lang="en-US" altLang="zh-CN" dirty="0" err="1"/>
+              <a:t>MCInst</a:t>
+            </a:r>
+            <a:r>
+              <a:rPr lang="en-US" altLang="zh-CN" dirty="0"/>
+              <a:t>. </a:t>
+            </a:r>
+            <a:endParaRPr lang="zh-CN" altLang="en-US" dirty="0"/>
+          </a:p>
+        </p:txBody>
+      </p:sp>
+      <p:sp>
+        <p:nvSpPr>
+          <p:cNvPr id="4" name="灯片编号占位符 3"/>
+          <p:cNvSpPr>
+            <a:spLocks noGrp="1"/>
+          </p:cNvSpPr>
+          <p:nvPr>
+            <p:ph type="sldNum" sz="quarter" idx="5"/>
+          </p:nvPr>
+        </p:nvSpPr>
+        <p:spPr/>
+        <p:txBody>
+          <a:bodyPr/>
+          <a:lstStyle/>
+          <a:p>
+            <a:fld id="{E4FB6B50-F208-4AEA-B3D6-12E13AF03D34}" type="slidenum">
+              <a:rPr lang="zh-CN" altLang="en-US" smtClean="0"/>
+              <a:t>33</a:t>
+            </a:fld>
+            <a:endParaRPr lang="zh-CN" altLang="en-US"/>
+          </a:p>
+        </p:txBody>
+      </p:sp>
+    </p:spTree>
+    <p:extLst>
+      <p:ext uri="{BB962C8B-B14F-4D97-AF65-F5344CB8AC3E}">
+        <p14:creationId xmlns:p14="http://schemas.microsoft.com/office/powerpoint/2010/main" val="2483212227"/>
+      </p:ext>
+    </p:extLst>
+  </p:cSld>
+  <p:clrMapOvr>
+    <a:masterClrMapping/>
+  </p:clrMapOvr>
+</p:notes>
+</file>
+
+<file path=ppt/notesSlides/notesSlide13.xml><?xml version="1.0" encoding="utf-8"?>
+<p:notes xmlns:a="http://schemas.openxmlformats.org/drawingml/2006/main" xmlns:r="http://schemas.openxmlformats.org/officeDocument/2006/relationships" xmlns:p="http://schemas.openxmlformats.org/presentationml/2006/main">
+  <p:cSld>
+    <p:spTree>
+      <p:nvGrpSpPr>
+        <p:cNvPr id="1" name=""/>
+        <p:cNvGrpSpPr/>
+        <p:nvPr/>
+      </p:nvGrpSpPr>
+      <p:grpSpPr>
+        <a:xfrm>
+          <a:off x="0" y="0"/>
+          <a:ext cx="0" cy="0"/>
+          <a:chOff x="0" y="0"/>
+          <a:chExt cx="0" cy="0"/>
+        </a:xfrm>
+      </p:grpSpPr>
+      <p:sp>
+        <p:nvSpPr>
+          <p:cNvPr id="2" name="幻灯片图像占位符 1"/>
+          <p:cNvSpPr>
+            <a:spLocks noGrp="1" noRot="1" noChangeAspect="1"/>
+          </p:cNvSpPr>
+          <p:nvPr>
+            <p:ph type="sldImg"/>
+          </p:nvPr>
+        </p:nvSpPr>
+        <p:spPr/>
+      </p:sp>
+      <p:sp>
+        <p:nvSpPr>
+          <p:cNvPr id="3" name="备注占位符 2"/>
+          <p:cNvSpPr>
+            <a:spLocks noGrp="1"/>
+          </p:cNvSpPr>
+          <p:nvPr>
+            <p:ph type="body" idx="1"/>
+          </p:nvPr>
+        </p:nvSpPr>
+        <p:spPr/>
+        <p:txBody>
+          <a:bodyPr/>
+          <a:lstStyle/>
+          <a:p>
+            <a:r>
+              <a:rPr lang="en-US" altLang="zh-CN" dirty="0"/>
+              <a:t>The </a:t>
+            </a:r>
+            <a:r>
+              <a:rPr lang="en-US" altLang="zh-CN" dirty="0" err="1"/>
+              <a:t>llvm-tablegen</a:t>
+            </a:r>
+            <a:r>
+              <a:rPr lang="en-US" altLang="zh-CN" dirty="0"/>
+              <a:t> tool generates a TOYCallingConv.inc file after building the project,</a:t>
+            </a:r>
+          </a:p>
+          <a:p>
+            <a:r>
+              <a:rPr lang="en-US" altLang="zh-CN" dirty="0"/>
+              <a:t>which will be included in the Instruction Selection phase in the TOYISelLowering.cpp</a:t>
+            </a:r>
+          </a:p>
+          <a:p>
+            <a:r>
+              <a:rPr lang="en-US" altLang="zh-CN" dirty="0"/>
+              <a:t>file.</a:t>
+            </a:r>
+            <a:endParaRPr lang="zh-CN" altLang="en-US" dirty="0"/>
+          </a:p>
+        </p:txBody>
+      </p:sp>
+      <p:sp>
+        <p:nvSpPr>
+          <p:cNvPr id="4" name="灯片编号占位符 3"/>
+          <p:cNvSpPr>
+            <a:spLocks noGrp="1"/>
+          </p:cNvSpPr>
+          <p:nvPr>
+            <p:ph type="sldNum" sz="quarter" idx="5"/>
+          </p:nvPr>
+        </p:nvSpPr>
+        <p:spPr/>
+        <p:txBody>
+          <a:bodyPr/>
+          <a:lstStyle/>
+          <a:p>
+            <a:fld id="{E4FB6B50-F208-4AEA-B3D6-12E13AF03D34}" type="slidenum">
+              <a:rPr lang="zh-CN" altLang="en-US" smtClean="0"/>
+              <a:t>37</a:t>
+            </a:fld>
+            <a:endParaRPr lang="zh-CN" altLang="en-US"/>
+          </a:p>
+        </p:txBody>
+      </p:sp>
+    </p:spTree>
+    <p:extLst>
+      <p:ext uri="{BB962C8B-B14F-4D97-AF65-F5344CB8AC3E}">
+        <p14:creationId xmlns:p14="http://schemas.microsoft.com/office/powerpoint/2010/main" val="3679343891"/>
+      </p:ext>
+    </p:extLst>
+  </p:cSld>
+  <p:clrMapOvr>
+    <a:masterClrMapping/>
+  </p:clrMapOvr>
+</p:notes>
+</file>
+
+<file path=ppt/notesSlides/notesSlide14.xml><?xml version="1.0" encoding="utf-8"?>
+<p:notes xmlns:a="http://schemas.openxmlformats.org/drawingml/2006/main" xmlns:r="http://schemas.openxmlformats.org/officeDocument/2006/relationships" xmlns:p="http://schemas.openxmlformats.org/presentationml/2006/main">
+  <p:cSld>
+    <p:spTree>
+      <p:nvGrpSpPr>
+        <p:cNvPr id="1" name=""/>
+        <p:cNvGrpSpPr/>
+        <p:nvPr/>
+      </p:nvGrpSpPr>
+      <p:grpSpPr>
+        <a:xfrm>
+          <a:off x="0" y="0"/>
+          <a:ext cx="0" cy="0"/>
+          <a:chOff x="0" y="0"/>
+          <a:chExt cx="0" cy="0"/>
+        </a:xfrm>
+      </p:grpSpPr>
+      <p:sp>
+        <p:nvSpPr>
+          <p:cNvPr id="2" name="幻灯片图像占位符 1"/>
+          <p:cNvSpPr>
+            <a:spLocks noGrp="1" noRot="1" noChangeAspect="1"/>
+          </p:cNvSpPr>
+          <p:nvPr>
+            <p:ph type="sldImg"/>
+          </p:nvPr>
+        </p:nvSpPr>
+        <p:spPr/>
+      </p:sp>
+      <p:sp>
+        <p:nvSpPr>
+          <p:cNvPr id="3" name="备注占位符 2"/>
+          <p:cNvSpPr>
+            <a:spLocks noGrp="1"/>
+          </p:cNvSpPr>
+          <p:nvPr>
+            <p:ph type="body" idx="1"/>
+          </p:nvPr>
+        </p:nvSpPr>
+        <p:spPr/>
+        <p:txBody>
+          <a:bodyPr/>
+          <a:lstStyle/>
+          <a:p>
+            <a:r>
+              <a:rPr lang="en-US" altLang="zh-CN" dirty="0"/>
+              <a:t>Frame lowering involves emitting function prologue and epilogue. The prologue happens</a:t>
+            </a:r>
+          </a:p>
+          <a:p>
+            <a:r>
+              <a:rPr lang="en-US" altLang="zh-CN" dirty="0"/>
+              <a:t>at the beginning of a function. It sets up the stack frame of the called function. The</a:t>
+            </a:r>
+          </a:p>
+          <a:p>
+            <a:r>
+              <a:rPr lang="en-US" altLang="zh-CN" dirty="0"/>
+              <a:t>epilogue happens last in a function, it restores the stack frame of the calling (parent)</a:t>
+            </a:r>
+          </a:p>
+          <a:p>
+            <a:r>
+              <a:rPr lang="en-US" altLang="zh-CN" dirty="0"/>
+              <a:t>function</a:t>
+            </a:r>
+            <a:endParaRPr lang="zh-CN" altLang="en-US" dirty="0"/>
+          </a:p>
+        </p:txBody>
+      </p:sp>
+      <p:sp>
+        <p:nvSpPr>
+          <p:cNvPr id="4" name="灯片编号占位符 3"/>
+          <p:cNvSpPr>
+            <a:spLocks noGrp="1"/>
+          </p:cNvSpPr>
+          <p:nvPr>
+            <p:ph type="sldNum" sz="quarter" idx="5"/>
+          </p:nvPr>
+        </p:nvSpPr>
+        <p:spPr/>
+        <p:txBody>
+          <a:bodyPr/>
+          <a:lstStyle/>
+          <a:p>
+            <a:fld id="{E4FB6B50-F208-4AEA-B3D6-12E13AF03D34}" type="slidenum">
+              <a:rPr lang="zh-CN" altLang="en-US" smtClean="0"/>
+              <a:t>39</a:t>
+            </a:fld>
+            <a:endParaRPr lang="zh-CN" altLang="en-US"/>
+          </a:p>
+        </p:txBody>
+      </p:sp>
+    </p:spTree>
+    <p:extLst>
+      <p:ext uri="{BB962C8B-B14F-4D97-AF65-F5344CB8AC3E}">
+        <p14:creationId xmlns:p14="http://schemas.microsoft.com/office/powerpoint/2010/main" val="1234174848"/>
+      </p:ext>
+    </p:extLst>
+  </p:cSld>
+  <p:clrMapOvr>
+    <a:masterClrMapping/>
+  </p:clrMapOvr>
+</p:notes>
+</file>
+
+<file path=ppt/notesSlides/notesSlide15.xml><?xml version="1.0" encoding="utf-8"?>
+<p:notes xmlns:a="http://schemas.openxmlformats.org/drawingml/2006/main" xmlns:r="http://schemas.openxmlformats.org/officeDocument/2006/relationships" xmlns:p="http://schemas.openxmlformats.org/presentationml/2006/main">
+  <p:cSld>
+    <p:spTree>
+      <p:nvGrpSpPr>
+        <p:cNvPr id="1" name=""/>
+        <p:cNvGrpSpPr/>
+        <p:nvPr/>
+      </p:nvGrpSpPr>
+      <p:grpSpPr>
+        <a:xfrm>
+          <a:off x="0" y="0"/>
+          <a:ext cx="0" cy="0"/>
+          <a:chOff x="0" y="0"/>
+          <a:chExt cx="0" cy="0"/>
+        </a:xfrm>
+      </p:grpSpPr>
+      <p:sp>
+        <p:nvSpPr>
+          <p:cNvPr id="2" name="幻灯片图像占位符 1"/>
+          <p:cNvSpPr>
+            <a:spLocks noGrp="1" noRot="1" noChangeAspect="1"/>
+          </p:cNvSpPr>
+          <p:nvPr>
+            <p:ph type="sldImg"/>
+          </p:nvPr>
+        </p:nvSpPr>
+        <p:spPr/>
+      </p:sp>
+      <p:sp>
+        <p:nvSpPr>
+          <p:cNvPr id="3" name="备注占位符 2"/>
+          <p:cNvSpPr>
+            <a:spLocks noGrp="1"/>
+          </p:cNvSpPr>
+          <p:nvPr>
+            <p:ph type="body" idx="1"/>
+          </p:nvPr>
+        </p:nvSpPr>
+        <p:spPr/>
+        <p:txBody>
+          <a:bodyPr/>
+          <a:lstStyle/>
+          <a:p>
+            <a:r>
+              <a:rPr lang="en-US" altLang="zh-CN" dirty="0"/>
+              <a:t>Printing an assembly instruction is an important step in generating target code. </a:t>
+            </a:r>
+            <a:endParaRPr lang="zh-CN" altLang="en-US" dirty="0"/>
+          </a:p>
+        </p:txBody>
+      </p:sp>
+      <p:sp>
+        <p:nvSpPr>
+          <p:cNvPr id="4" name="灯片编号占位符 3"/>
+          <p:cNvSpPr>
+            <a:spLocks noGrp="1"/>
+          </p:cNvSpPr>
+          <p:nvPr>
+            <p:ph type="sldNum" sz="quarter" idx="5"/>
+          </p:nvPr>
+        </p:nvSpPr>
+        <p:spPr/>
+        <p:txBody>
+          <a:bodyPr/>
+          <a:lstStyle/>
+          <a:p>
+            <a:fld id="{E4FB6B50-F208-4AEA-B3D6-12E13AF03D34}" type="slidenum">
+              <a:rPr lang="zh-CN" altLang="en-US" smtClean="0"/>
+              <a:t>41</a:t>
+            </a:fld>
+            <a:endParaRPr lang="zh-CN" altLang="en-US"/>
+          </a:p>
+        </p:txBody>
+      </p:sp>
+    </p:spTree>
+    <p:extLst>
+      <p:ext uri="{BB962C8B-B14F-4D97-AF65-F5344CB8AC3E}">
+        <p14:creationId xmlns:p14="http://schemas.microsoft.com/office/powerpoint/2010/main" val="3845245821"/>
+      </p:ext>
+    </p:extLst>
+  </p:cSld>
+  <p:clrMapOvr>
+    <a:masterClrMapping/>
+  </p:clrMapOvr>
+</p:notes>
+</file>
+
 <file path=ppt/notesSlides/notesSlide2.xml><?xml version="1.0" encoding="utf-8"?>
 <p:notes xmlns:a="http://schemas.openxmlformats.org/drawingml/2006/main" xmlns:r="http://schemas.openxmlformats.org/officeDocument/2006/relationships" xmlns:p="http://schemas.openxmlformats.org/presentationml/2006/main">
   <p:cSld>
@@ -1335,6 +2114,209 @@
           <a:bodyPr/>
           <a:lstStyle/>
           <a:p>
+            <a:r>
+              <a:rPr lang="zh-CN" altLang="en-US" dirty="0"/>
+              <a:t>（</a:t>
+            </a:r>
+            <a:r>
+              <a:rPr lang="en-US" altLang="zh-CN" dirty="0"/>
+              <a:t>1</a:t>
+            </a:r>
+            <a:r>
+              <a:rPr lang="zh-CN" altLang="en-US" dirty="0"/>
+              <a:t>） 前向支配：</a:t>
+            </a:r>
+            <a:r>
+              <a:rPr lang="en-US" altLang="zh-CN" dirty="0"/>
+              <a:t>a </a:t>
+            </a:r>
+            <a:r>
+              <a:rPr lang="en-US" altLang="zh-CN" dirty="0" err="1"/>
+              <a:t>dom</a:t>
+            </a:r>
+            <a:r>
+              <a:rPr lang="en-US" altLang="zh-CN" dirty="0"/>
+              <a:t> b. </a:t>
+            </a:r>
+            <a:r>
+              <a:rPr lang="zh-CN" altLang="en-US" dirty="0"/>
+              <a:t>从输入进入的每一条到达</a:t>
+            </a:r>
+            <a:r>
+              <a:rPr lang="en-US" altLang="zh-CN" dirty="0"/>
+              <a:t>b</a:t>
+            </a:r>
+            <a:r>
+              <a:rPr lang="zh-CN" altLang="en-US" dirty="0"/>
+              <a:t>的路上都有</a:t>
+            </a:r>
+            <a:r>
+              <a:rPr lang="en-US" altLang="zh-CN" dirty="0"/>
+              <a:t>a</a:t>
+            </a:r>
+          </a:p>
+          <a:p>
+            <a:r>
+              <a:rPr lang="en-US" altLang="zh-CN" dirty="0"/>
+              <a:t>  (2)    </a:t>
+            </a:r>
+            <a:r>
+              <a:rPr lang="zh-CN" altLang="en-US" dirty="0"/>
+              <a:t>支配树：有边才有支配关系</a:t>
+            </a:r>
+            <a:endParaRPr lang="en-US" altLang="zh-CN" dirty="0"/>
+          </a:p>
+          <a:p>
+            <a:r>
+              <a:rPr lang="en-US" altLang="zh-CN" dirty="0"/>
+              <a:t>  (3)    </a:t>
+            </a:r>
+            <a:r>
+              <a:rPr lang="zh-CN" altLang="en-US" dirty="0"/>
+              <a:t>自然循环定义：回边</a:t>
+            </a:r>
+            <a:r>
+              <a:rPr lang="en-US" altLang="zh-CN" dirty="0"/>
+              <a:t>a-&gt;d</a:t>
+            </a:r>
+            <a:r>
+              <a:rPr lang="zh-CN" altLang="en-US" dirty="0"/>
+              <a:t> </a:t>
+            </a:r>
+            <a:r>
+              <a:rPr lang="en-US" altLang="zh-CN" dirty="0"/>
+              <a:t>+ </a:t>
+            </a:r>
+            <a:r>
+              <a:rPr lang="zh-CN" altLang="en-US" dirty="0"/>
+              <a:t>子图的所有节点，其他的点都可以到达</a:t>
+            </a:r>
+            <a:r>
+              <a:rPr lang="en-US" altLang="zh-CN" dirty="0"/>
+              <a:t>a,</a:t>
+            </a:r>
+            <a:r>
+              <a:rPr lang="zh-CN" altLang="en-US" dirty="0"/>
+              <a:t>而不能到达</a:t>
+            </a:r>
+            <a:r>
+              <a:rPr lang="en-US" altLang="zh-CN" dirty="0"/>
+              <a:t>d, d</a:t>
+            </a:r>
+            <a:r>
+              <a:rPr lang="zh-CN" altLang="en-US" dirty="0"/>
+              <a:t>就是头节点</a:t>
+            </a:r>
+            <a:r>
+              <a:rPr lang="en-US" altLang="zh-CN" dirty="0"/>
+              <a:t> </a:t>
+            </a:r>
+          </a:p>
+          <a:p>
+            <a:r>
+              <a:rPr lang="en-US" altLang="zh-CN" dirty="0"/>
+              <a:t>  (4)    </a:t>
+            </a:r>
+            <a:r>
+              <a:rPr lang="en-US" altLang="zh-CN" dirty="0" err="1"/>
+              <a:t>SLoop</a:t>
+            </a:r>
+            <a:r>
+              <a:rPr lang="en-US" altLang="zh-CN" dirty="0"/>
+              <a:t> Simplification also ensures that the loop will have only one </a:t>
+            </a:r>
+            <a:r>
+              <a:rPr lang="en-US" altLang="zh-CN" dirty="0" err="1"/>
+              <a:t>backedge</a:t>
+            </a:r>
+            <a:r>
+              <a:rPr lang="en-US" altLang="zh-CN" dirty="0"/>
+              <a:t>,</a:t>
+            </a:r>
+            <a:endParaRPr lang="zh-CN" altLang="en-US" dirty="0"/>
+          </a:p>
+        </p:txBody>
+      </p:sp>
+      <p:sp>
+        <p:nvSpPr>
+          <p:cNvPr id="4" name="灯片编号占位符 3"/>
+          <p:cNvSpPr>
+            <a:spLocks noGrp="1"/>
+          </p:cNvSpPr>
+          <p:nvPr>
+            <p:ph type="sldNum" sz="quarter" idx="5"/>
+          </p:nvPr>
+        </p:nvSpPr>
+        <p:spPr/>
+        <p:txBody>
+          <a:bodyPr/>
+          <a:lstStyle/>
+          <a:p>
+            <a:fld id="{E4FB6B50-F208-4AEA-B3D6-12E13AF03D34}" type="slidenum">
+              <a:rPr lang="zh-CN" altLang="en-US" smtClean="0"/>
+              <a:t>19</a:t>
+            </a:fld>
+            <a:endParaRPr lang="zh-CN" altLang="en-US"/>
+          </a:p>
+        </p:txBody>
+      </p:sp>
+    </p:spTree>
+    <p:extLst>
+      <p:ext uri="{BB962C8B-B14F-4D97-AF65-F5344CB8AC3E}">
+        <p14:creationId xmlns:p14="http://schemas.microsoft.com/office/powerpoint/2010/main" val="548798590"/>
+      </p:ext>
+    </p:extLst>
+  </p:cSld>
+  <p:clrMapOvr>
+    <a:masterClrMapping/>
+  </p:clrMapOvr>
+</p:notes>
+</file>
+
+<file path=ppt/notesSlides/notesSlide8.xml><?xml version="1.0" encoding="utf-8"?>
+<p:notes xmlns:a="http://schemas.openxmlformats.org/drawingml/2006/main" xmlns:r="http://schemas.openxmlformats.org/officeDocument/2006/relationships" xmlns:p="http://schemas.openxmlformats.org/presentationml/2006/main">
+  <p:cSld>
+    <p:spTree>
+      <p:nvGrpSpPr>
+        <p:cNvPr id="1" name=""/>
+        <p:cNvGrpSpPr/>
+        <p:nvPr/>
+      </p:nvGrpSpPr>
+      <p:grpSpPr>
+        <a:xfrm>
+          <a:off x="0" y="0"/>
+          <a:ext cx="0" cy="0"/>
+          <a:chOff x="0" y="0"/>
+          <a:chExt cx="0" cy="0"/>
+        </a:xfrm>
+      </p:grpSpPr>
+      <p:sp>
+        <p:nvSpPr>
+          <p:cNvPr id="2" name="幻灯片图像占位符 1"/>
+          <p:cNvSpPr>
+            <a:spLocks noGrp="1" noRot="1" noChangeAspect="1"/>
+          </p:cNvSpPr>
+          <p:nvPr>
+            <p:ph type="sldImg"/>
+          </p:nvPr>
+        </p:nvSpPr>
+        <p:spPr/>
+      </p:sp>
+      <p:sp>
+        <p:nvSpPr>
+          <p:cNvPr id="3" name="备注占位符 2"/>
+          <p:cNvSpPr>
+            <a:spLocks noGrp="1"/>
+          </p:cNvSpPr>
+          <p:nvPr>
+            <p:ph type="body" idx="1"/>
+          </p:nvPr>
+        </p:nvSpPr>
+        <p:spPr/>
+        <p:txBody>
+          <a:bodyPr/>
+          <a:lstStyle/>
+          <a:p>
             <a:pPr marL="228600" indent="-228600">
               <a:buAutoNum type="arabicParenBoth"/>
             </a:pPr>
@@ -1377,6 +2359,110 @@
             <a:fld id="{E4FB6B50-F208-4AEA-B3D6-12E13AF03D34}" type="slidenum">
               <a:rPr lang="zh-CN" altLang="en-US" smtClean="0"/>
               <a:t>20</a:t>
+            </a:fld>
+            <a:endParaRPr lang="zh-CN" altLang="en-US"/>
+          </a:p>
+        </p:txBody>
+      </p:sp>
+    </p:spTree>
+    <p:extLst>
+      <p:ext uri="{BB962C8B-B14F-4D97-AF65-F5344CB8AC3E}">
+        <p14:creationId xmlns:p14="http://schemas.microsoft.com/office/powerpoint/2010/main" val="3245053806"/>
+      </p:ext>
+    </p:extLst>
+  </p:cSld>
+  <p:clrMapOvr>
+    <a:masterClrMapping/>
+  </p:clrMapOvr>
+</p:notes>
+</file>
+
+<file path=ppt/notesSlides/notesSlide9.xml><?xml version="1.0" encoding="utf-8"?>
+<p:notes xmlns:a="http://schemas.openxmlformats.org/drawingml/2006/main" xmlns:r="http://schemas.openxmlformats.org/officeDocument/2006/relationships" xmlns:p="http://schemas.openxmlformats.org/presentationml/2006/main">
+  <p:cSld>
+    <p:spTree>
+      <p:nvGrpSpPr>
+        <p:cNvPr id="1" name=""/>
+        <p:cNvGrpSpPr/>
+        <p:nvPr/>
+      </p:nvGrpSpPr>
+      <p:grpSpPr>
+        <a:xfrm>
+          <a:off x="0" y="0"/>
+          <a:ext cx="0" cy="0"/>
+          <a:chOff x="0" y="0"/>
+          <a:chExt cx="0" cy="0"/>
+        </a:xfrm>
+      </p:grpSpPr>
+      <p:sp>
+        <p:nvSpPr>
+          <p:cNvPr id="2" name="幻灯片图像占位符 1"/>
+          <p:cNvSpPr>
+            <a:spLocks noGrp="1" noRot="1" noChangeAspect="1"/>
+          </p:cNvSpPr>
+          <p:nvPr>
+            <p:ph type="sldImg"/>
+          </p:nvPr>
+        </p:nvSpPr>
+        <p:spPr/>
+      </p:sp>
+      <p:sp>
+        <p:nvSpPr>
+          <p:cNvPr id="3" name="备注占位符 2"/>
+          <p:cNvSpPr>
+            <a:spLocks noGrp="1"/>
+          </p:cNvSpPr>
+          <p:nvPr>
+            <p:ph type="body" idx="1"/>
+          </p:nvPr>
+        </p:nvSpPr>
+        <p:spPr/>
+        <p:txBody>
+          <a:bodyPr/>
+          <a:lstStyle/>
+          <a:p>
+            <a:pPr marL="228600" indent="-228600">
+              <a:buAutoNum type="arabicParenBoth"/>
+            </a:pPr>
+            <a:r>
+              <a:rPr lang="en-US" altLang="zh-CN" dirty="0" err="1"/>
+              <a:t>Intrinsics</a:t>
+            </a:r>
+            <a:r>
+              <a:rPr lang="en-US" altLang="zh-CN" dirty="0"/>
+              <a:t> written in program code can be emitted through frontend directly</a:t>
+            </a:r>
+          </a:p>
+          <a:p>
+            <a:pPr marL="228600" indent="-228600">
+              <a:buAutoNum type="arabicParenBoth"/>
+            </a:pPr>
+            <a:r>
+              <a:rPr lang="en-US" altLang="zh-CN" dirty="0"/>
+              <a:t>The intrinsic functions may be used to implement vectorization and parallelization in the code, leading to better code generation. </a:t>
+            </a:r>
+            <a:endParaRPr lang="zh-CN" altLang="en-US" dirty="0"/>
+          </a:p>
+        </p:txBody>
+      </p:sp>
+      <p:sp>
+        <p:nvSpPr>
+          <p:cNvPr id="4" name="灯片编号占位符 3"/>
+          <p:cNvSpPr>
+            <a:spLocks noGrp="1"/>
+          </p:cNvSpPr>
+          <p:nvPr>
+            <p:ph type="sldNum" sz="quarter" idx="5"/>
+          </p:nvPr>
+        </p:nvSpPr>
+        <p:spPr/>
+        <p:txBody>
+          <a:bodyPr/>
+          <a:lstStyle/>
+          <a:p>
+            <a:fld id="{E4FB6B50-F208-4AEA-B3D6-12E13AF03D34}" type="slidenum">
+              <a:rPr lang="zh-CN" altLang="en-US" smtClean="0"/>
+              <a:t>22</a:t>
             </a:fld>
             <a:endParaRPr lang="zh-CN" altLang="en-US"/>
           </a:p>
@@ -1542,7 +2628,7 @@
           <a:p>
             <a:fld id="{D1054E22-A876-4130-B43A-6710C5DF0E98}" type="datetimeFigureOut">
               <a:rPr lang="zh-CN" altLang="en-US" smtClean="0"/>
-              <a:t>2019/9/25</a:t>
+              <a:t>2019/9/26</a:t>
             </a:fld>
             <a:endParaRPr lang="zh-CN" altLang="en-US"/>
           </a:p>
@@ -1740,7 +2826,7 @@
           <a:p>
             <a:fld id="{D1054E22-A876-4130-B43A-6710C5DF0E98}" type="datetimeFigureOut">
               <a:rPr lang="zh-CN" altLang="en-US" smtClean="0"/>
-              <a:t>2019/9/25</a:t>
+              <a:t>2019/9/26</a:t>
             </a:fld>
             <a:endParaRPr lang="zh-CN" altLang="en-US"/>
           </a:p>
@@ -1948,7 +3034,7 @@
           <a:p>
             <a:fld id="{D1054E22-A876-4130-B43A-6710C5DF0E98}" type="datetimeFigureOut">
               <a:rPr lang="zh-CN" altLang="en-US" smtClean="0"/>
-              <a:t>2019/9/25</a:t>
+              <a:t>2019/9/26</a:t>
             </a:fld>
             <a:endParaRPr lang="zh-CN" altLang="en-US"/>
           </a:p>
@@ -2146,7 +3232,7 @@
           <a:p>
             <a:fld id="{D1054E22-A876-4130-B43A-6710C5DF0E98}" type="datetimeFigureOut">
               <a:rPr lang="zh-CN" altLang="en-US" smtClean="0"/>
-              <a:t>2019/9/25</a:t>
+              <a:t>2019/9/26</a:t>
             </a:fld>
             <a:endParaRPr lang="zh-CN" altLang="en-US"/>
           </a:p>
@@ -2421,7 +3507,7 @@
           <a:p>
             <a:fld id="{D1054E22-A876-4130-B43A-6710C5DF0E98}" type="datetimeFigureOut">
               <a:rPr lang="zh-CN" altLang="en-US" smtClean="0"/>
-              <a:t>2019/9/25</a:t>
+              <a:t>2019/9/26</a:t>
             </a:fld>
             <a:endParaRPr lang="zh-CN" altLang="en-US"/>
           </a:p>
@@ -2686,7 +3772,7 @@
           <a:p>
             <a:fld id="{D1054E22-A876-4130-B43A-6710C5DF0E98}" type="datetimeFigureOut">
               <a:rPr lang="zh-CN" altLang="en-US" smtClean="0"/>
-              <a:t>2019/9/25</a:t>
+              <a:t>2019/9/26</a:t>
             </a:fld>
             <a:endParaRPr lang="zh-CN" altLang="en-US"/>
           </a:p>
@@ -3098,7 +4184,7 @@
           <a:p>
             <a:fld id="{D1054E22-A876-4130-B43A-6710C5DF0E98}" type="datetimeFigureOut">
               <a:rPr lang="zh-CN" altLang="en-US" smtClean="0"/>
-              <a:t>2019/9/25</a:t>
+              <a:t>2019/9/26</a:t>
             </a:fld>
             <a:endParaRPr lang="zh-CN" altLang="en-US"/>
           </a:p>
@@ -3239,7 +4325,7 @@
           <a:p>
             <a:fld id="{D1054E22-A876-4130-B43A-6710C5DF0E98}" type="datetimeFigureOut">
               <a:rPr lang="zh-CN" altLang="en-US" smtClean="0"/>
-              <a:t>2019/9/25</a:t>
+              <a:t>2019/9/26</a:t>
             </a:fld>
             <a:endParaRPr lang="zh-CN" altLang="en-US"/>
           </a:p>
@@ -3352,7 +4438,7 @@
           <a:p>
             <a:fld id="{D1054E22-A876-4130-B43A-6710C5DF0E98}" type="datetimeFigureOut">
               <a:rPr lang="zh-CN" altLang="en-US" smtClean="0"/>
-              <a:t>2019/9/25</a:t>
+              <a:t>2019/9/26</a:t>
             </a:fld>
             <a:endParaRPr lang="zh-CN" altLang="en-US"/>
           </a:p>
@@ -3663,7 +4749,7 @@
           <a:p>
             <a:fld id="{D1054E22-A876-4130-B43A-6710C5DF0E98}" type="datetimeFigureOut">
               <a:rPr lang="zh-CN" altLang="en-US" smtClean="0"/>
-              <a:t>2019/9/25</a:t>
+              <a:t>2019/9/26</a:t>
             </a:fld>
             <a:endParaRPr lang="zh-CN" altLang="en-US"/>
           </a:p>
@@ -3951,7 +5037,7 @@
           <a:p>
             <a:fld id="{D1054E22-A876-4130-B43A-6710C5DF0E98}" type="datetimeFigureOut">
               <a:rPr lang="zh-CN" altLang="en-US" smtClean="0"/>
-              <a:t>2019/9/25</a:t>
+              <a:t>2019/9/26</a:t>
             </a:fld>
             <a:endParaRPr lang="zh-CN" altLang="en-US"/>
           </a:p>
@@ -4192,7 +5278,7 @@
           <a:p>
             <a:fld id="{D1054E22-A876-4130-B43A-6710C5DF0E98}" type="datetimeFigureOut">
               <a:rPr lang="zh-CN" altLang="en-US" smtClean="0"/>
-              <a:t>2019/9/25</a:t>
+              <a:t>2019/9/26</a:t>
             </a:fld>
             <a:endParaRPr lang="zh-CN" altLang="en-US"/>
           </a:p>
@@ -6775,44 +7861,154 @@
         </p:nvSpPr>
         <p:spPr/>
         <p:txBody>
-          <a:bodyPr/>
-          <a:lstStyle/>
-          <a:p>
-            <a:r>
-              <a:rPr lang="en-US" altLang="zh-CN" dirty="0"/>
+          <a:bodyPr>
+            <a:normAutofit/>
+          </a:bodyPr>
+          <a:lstStyle/>
+          <a:p>
+            <a:r>
+              <a:rPr lang="en-US" altLang="zh-CN" sz="2400" dirty="0"/>
               <a:t>Basic Concept</a:t>
             </a:r>
           </a:p>
           <a:p>
             <a:pPr lvl="1"/>
             <a:r>
-              <a:rPr lang="en-US" altLang="zh-CN" dirty="0"/>
+              <a:rPr lang="en-US" altLang="zh-CN" sz="2000" dirty="0"/>
               <a:t>CFG  </a:t>
             </a:r>
             <a:r>
-              <a:rPr lang="zh-CN" altLang="en-US" dirty="0"/>
+              <a:rPr lang="zh-CN" altLang="en-US" sz="2000" dirty="0"/>
               <a:t>程序执行顺序</a:t>
             </a:r>
-            <a:endParaRPr lang="en-US" altLang="zh-CN" dirty="0"/>
+            <a:endParaRPr lang="en-US" altLang="zh-CN" sz="2000" dirty="0"/>
           </a:p>
           <a:p>
             <a:pPr lvl="1"/>
             <a:r>
-              <a:rPr lang="en-US" altLang="zh-CN" dirty="0"/>
+              <a:rPr lang="en-US" altLang="zh-CN" sz="2000" dirty="0"/>
               <a:t>Dominance  </a:t>
             </a:r>
             <a:r>
-              <a:rPr lang="en-US" altLang="zh-CN"/>
+              <a:rPr lang="zh-CN" altLang="en-US" sz="2000" dirty="0"/>
+              <a:t>：</a:t>
+            </a:r>
+            <a:r>
+              <a:rPr lang="en-US" altLang="zh-CN" sz="2000" dirty="0"/>
               <a:t>Basic Block</a:t>
             </a:r>
             <a:r>
-              <a:rPr lang="zh-CN" altLang="en-US"/>
+              <a:rPr lang="zh-CN" altLang="en-US" sz="2000" dirty="0"/>
               <a:t>之间的关系</a:t>
             </a:r>
-            <a:endParaRPr lang="zh-CN" altLang="en-US" dirty="0"/>
-          </a:p>
-        </p:txBody>
-      </p:sp>
+            <a:endParaRPr lang="en-US" altLang="zh-CN" sz="2000" dirty="0"/>
+          </a:p>
+          <a:p>
+            <a:pPr lvl="1"/>
+            <a:r>
+              <a:rPr lang="en-US" altLang="zh-CN" sz="2000" dirty="0" err="1"/>
+              <a:t>backedge</a:t>
+            </a:r>
+            <a:r>
+              <a:rPr lang="en-US" altLang="zh-CN" sz="2000" dirty="0"/>
+              <a:t> (Path to source </a:t>
+            </a:r>
+            <a:r>
+              <a:rPr lang="en-US" altLang="zh-CN" sz="2000" dirty="0" err="1"/>
+              <a:t>domintor</a:t>
+            </a:r>
+            <a:r>
+              <a:rPr lang="en-US" altLang="zh-CN" sz="2000" dirty="0"/>
+              <a:t>)</a:t>
+            </a:r>
+          </a:p>
+          <a:p>
+            <a:pPr lvl="1"/>
+            <a:r>
+              <a:rPr lang="en-US" altLang="zh-CN" sz="2000" dirty="0"/>
+              <a:t>natural loop: subgraph</a:t>
+            </a:r>
+          </a:p>
+          <a:p>
+            <a:pPr lvl="2"/>
+            <a:r>
+              <a:rPr lang="en-US" altLang="zh-CN" sz="1600" dirty="0"/>
+              <a:t>preheader block (single entry)</a:t>
+            </a:r>
+          </a:p>
+          <a:p>
+            <a:pPr lvl="2"/>
+            <a:r>
+              <a:rPr lang="en-US" altLang="zh-CN" sz="1600" dirty="0"/>
+              <a:t>exit block</a:t>
+            </a:r>
+          </a:p>
+          <a:p>
+            <a:pPr lvl="1"/>
+            <a:endParaRPr lang="zh-CN" altLang="en-US" sz="2000" dirty="0"/>
+          </a:p>
+        </p:txBody>
+      </p:sp>
+      <p:pic>
+        <p:nvPicPr>
+          <p:cNvPr id="4" name="图片 3">
+            <a:extLst>
+              <a:ext uri="{FF2B5EF4-FFF2-40B4-BE49-F238E27FC236}">
+                <a16:creationId xmlns:a16="http://schemas.microsoft.com/office/drawing/2014/main" id="{B4B07B49-46D5-4088-ACFF-6B1B24CB31A0}"/>
+              </a:ext>
+            </a:extLst>
+          </p:cNvPr>
+          <p:cNvPicPr>
+            <a:picLocks noChangeAspect="1"/>
+          </p:cNvPicPr>
+          <p:nvPr/>
+        </p:nvPicPr>
+        <p:blipFill>
+          <a:blip r:embed="rId3"/>
+          <a:stretch>
+            <a:fillRect/>
+          </a:stretch>
+        </p:blipFill>
+        <p:spPr>
+          <a:xfrm>
+            <a:off x="6613771" y="494645"/>
+            <a:ext cx="2607152" cy="4091423"/>
+          </a:xfrm>
+          <a:prstGeom prst="rect">
+            <a:avLst/>
+          </a:prstGeom>
+        </p:spPr>
+      </p:pic>
+      <p:pic>
+        <p:nvPicPr>
+          <p:cNvPr id="5" name="图片 4">
+            <a:extLst>
+              <a:ext uri="{FF2B5EF4-FFF2-40B4-BE49-F238E27FC236}">
+                <a16:creationId xmlns:a16="http://schemas.microsoft.com/office/drawing/2014/main" id="{9B77FABD-683D-4EFA-999C-1252BACD17DE}"/>
+              </a:ext>
+            </a:extLst>
+          </p:cNvPr>
+          <p:cNvPicPr>
+            <a:picLocks noChangeAspect="1"/>
+          </p:cNvPicPr>
+          <p:nvPr/>
+        </p:nvPicPr>
+        <p:blipFill>
+          <a:blip r:embed="rId4"/>
+          <a:stretch>
+            <a:fillRect/>
+          </a:stretch>
+        </p:blipFill>
+        <p:spPr>
+          <a:xfrm>
+            <a:off x="9353890" y="494645"/>
+            <a:ext cx="2645950" cy="4091423"/>
+          </a:xfrm>
+          <a:prstGeom prst="rect">
+            <a:avLst/>
+          </a:prstGeom>
+        </p:spPr>
+      </p:pic>
     </p:spTree>
     <p:extLst>
       <p:ext uri="{BB962C8B-B14F-4D97-AF65-F5344CB8AC3E}">
@@ -6957,11 +8153,7 @@
           <a:p>
             <a:r>
               <a:rPr lang="en-US" altLang="zh-CN" dirty="0"/>
-              <a:t>LLVM </a:t>
-            </a:r>
-            <a:r>
-              <a:rPr lang="en-US" altLang="zh-CN" dirty="0" err="1"/>
-              <a:t>intrinsics</a:t>
+              <a:t>Loop processing (2)</a:t>
             </a:r>
             <a:endParaRPr lang="zh-CN" altLang="en-US" dirty="0"/>
           </a:p>
@@ -6991,156 +8183,109 @@
         </p:spPr>
         <p:txBody>
           <a:bodyPr>
-            <a:normAutofit fontScale="92500" lnSpcReduction="20000"/>
+            <a:normAutofit/>
           </a:bodyPr>
           <a:lstStyle/>
           <a:p>
-            <a:pPr marL="0" indent="0">
+            <a:pPr>
               <a:lnSpc>
                 <a:spcPct val="120000"/>
               </a:lnSpc>
               <a:spcBef>
                 <a:spcPts val="0"/>
               </a:spcBef>
-              <a:buNone/>
-            </a:pPr>
-            <a:r>
-              <a:rPr lang="en-US" altLang="zh-CN" sz="1500" dirty="0">
-                <a:latin typeface="Consolas" panose="020B0609020204030204" pitchFamily="49" charset="0"/>
-              </a:rPr>
-              <a:t>int </a:t>
-            </a:r>
-            <a:r>
-              <a:rPr lang="en-US" altLang="zh-CN" sz="1500" dirty="0" err="1">
-                <a:latin typeface="Consolas" panose="020B0609020204030204" pitchFamily="49" charset="0"/>
-              </a:rPr>
-              <a:t>func</a:t>
-            </a:r>
-            <a:r>
-              <a:rPr lang="en-US" altLang="zh-CN" sz="1500" dirty="0">
-                <a:latin typeface="Consolas" panose="020B0609020204030204" pitchFamily="49" charset="0"/>
-              </a:rPr>
-              <a:t>(){</a:t>
-            </a:r>
-          </a:p>
-          <a:p>
-            <a:pPr marL="457200" lvl="1" indent="0">
+            </a:pPr>
+            <a:r>
+              <a:rPr lang="en-US" altLang="zh-CN" sz="2400" dirty="0">
+                <a:latin typeface="Consolas" panose="020B0609020204030204" pitchFamily="49" charset="0"/>
+              </a:rPr>
+              <a:t>Loop Invariant Code Motion</a:t>
+            </a:r>
+          </a:p>
+          <a:p>
+            <a:pPr lvl="1">
               <a:lnSpc>
                 <a:spcPct val="120000"/>
               </a:lnSpc>
               <a:spcBef>
                 <a:spcPts val="0"/>
               </a:spcBef>
-              <a:buNone/>
-            </a:pPr>
-            <a:r>
-              <a:rPr lang="en-US" altLang="zh-CN" sz="1500" dirty="0">
-                <a:latin typeface="Consolas" panose="020B0609020204030204" pitchFamily="49" charset="0"/>
-              </a:rPr>
-              <a:t>int a[5];</a:t>
-            </a:r>
-          </a:p>
-          <a:p>
-            <a:pPr marL="457200" lvl="1" indent="0">
+            </a:pPr>
+            <a:r>
+              <a:rPr lang="en-US" altLang="zh-CN" sz="2000" dirty="0">
+                <a:latin typeface="Consolas" panose="020B0609020204030204" pitchFamily="49" charset="0"/>
+              </a:rPr>
+              <a:t>Required Pass:</a:t>
+            </a:r>
+          </a:p>
+          <a:p>
+            <a:pPr lvl="2">
               <a:lnSpc>
                 <a:spcPct val="120000"/>
               </a:lnSpc>
               <a:spcBef>
                 <a:spcPts val="0"/>
               </a:spcBef>
-              <a:buNone/>
-            </a:pPr>
-            <a:r>
-              <a:rPr lang="en-US" altLang="zh-CN" sz="1500" dirty="0">
-                <a:latin typeface="Consolas" panose="020B0609020204030204" pitchFamily="49" charset="0"/>
-              </a:rPr>
-              <a:t>for (int </a:t>
-            </a:r>
-            <a:r>
-              <a:rPr lang="en-US" altLang="zh-CN" sz="1500" dirty="0" err="1">
-                <a:latin typeface="Consolas" panose="020B0609020204030204" pitchFamily="49" charset="0"/>
-              </a:rPr>
-              <a:t>i</a:t>
-            </a:r>
-            <a:r>
-              <a:rPr lang="en-US" altLang="zh-CN" sz="1500" dirty="0">
-                <a:latin typeface="Consolas" panose="020B0609020204030204" pitchFamily="49" charset="0"/>
-              </a:rPr>
-              <a:t> = 0; </a:t>
-            </a:r>
-            <a:r>
-              <a:rPr lang="en-US" altLang="zh-CN" sz="1500" dirty="0" err="1">
-                <a:latin typeface="Consolas" panose="020B0609020204030204" pitchFamily="49" charset="0"/>
-              </a:rPr>
-              <a:t>i</a:t>
-            </a:r>
-            <a:r>
-              <a:rPr lang="en-US" altLang="zh-CN" sz="1500" dirty="0">
-                <a:latin typeface="Consolas" panose="020B0609020204030204" pitchFamily="49" charset="0"/>
-              </a:rPr>
-              <a:t> != 5; ++</a:t>
-            </a:r>
-            <a:r>
-              <a:rPr lang="en-US" altLang="zh-CN" sz="1500" dirty="0" err="1">
-                <a:latin typeface="Consolas" panose="020B0609020204030204" pitchFamily="49" charset="0"/>
-              </a:rPr>
-              <a:t>i</a:t>
-            </a:r>
-            <a:r>
-              <a:rPr lang="en-US" altLang="zh-CN" sz="1500" dirty="0">
-                <a:latin typeface="Consolas" panose="020B0609020204030204" pitchFamily="49" charset="0"/>
-              </a:rPr>
-              <a:t>)</a:t>
-            </a:r>
-          </a:p>
-          <a:p>
-            <a:pPr marL="457200" lvl="1" indent="0">
+            </a:pPr>
+            <a:r>
+              <a:rPr lang="en-US" altLang="zh-CN" sz="1600" dirty="0" err="1">
+                <a:latin typeface="Consolas" panose="020B0609020204030204" pitchFamily="49" charset="0"/>
+              </a:rPr>
+              <a:t>LoopInfo</a:t>
+            </a:r>
+            <a:r>
+              <a:rPr lang="en-US" altLang="zh-CN" sz="1600" dirty="0">
+                <a:latin typeface="Consolas" panose="020B0609020204030204" pitchFamily="49" charset="0"/>
+              </a:rPr>
+              <a:t> pass </a:t>
+            </a:r>
+          </a:p>
+          <a:p>
+            <a:pPr lvl="2">
               <a:lnSpc>
                 <a:spcPct val="120000"/>
               </a:lnSpc>
               <a:spcBef>
                 <a:spcPts val="0"/>
               </a:spcBef>
-              <a:buNone/>
-            </a:pPr>
-            <a:r>
-              <a:rPr lang="en-US" altLang="zh-CN" sz="1500" dirty="0">
-                <a:latin typeface="Consolas" panose="020B0609020204030204" pitchFamily="49" charset="0"/>
-              </a:rPr>
-              <a:t>	a[</a:t>
-            </a:r>
-            <a:r>
-              <a:rPr lang="en-US" altLang="zh-CN" sz="1500" dirty="0" err="1">
-                <a:latin typeface="Consolas" panose="020B0609020204030204" pitchFamily="49" charset="0"/>
-              </a:rPr>
-              <a:t>i</a:t>
-            </a:r>
-            <a:r>
-              <a:rPr lang="en-US" altLang="zh-CN" sz="1500" dirty="0">
-                <a:latin typeface="Consolas" panose="020B0609020204030204" pitchFamily="49" charset="0"/>
-              </a:rPr>
-              <a:t>] = 0;</a:t>
-            </a:r>
-          </a:p>
-          <a:p>
-            <a:pPr marL="457200" lvl="1" indent="0">
+            </a:pPr>
+            <a:r>
+              <a:rPr lang="en-US" altLang="zh-CN" sz="1600" dirty="0" err="1">
+                <a:latin typeface="Consolas" panose="020B0609020204030204" pitchFamily="49" charset="0"/>
+              </a:rPr>
+              <a:t>LoopSimplify</a:t>
+            </a:r>
+            <a:r>
+              <a:rPr lang="en-US" altLang="zh-CN" sz="1600" dirty="0">
+                <a:latin typeface="Consolas" panose="020B0609020204030204" pitchFamily="49" charset="0"/>
+              </a:rPr>
+              <a:t> pass</a:t>
+            </a:r>
+          </a:p>
+          <a:p>
+            <a:pPr lvl="2">
               <a:lnSpc>
                 <a:spcPct val="120000"/>
               </a:lnSpc>
               <a:spcBef>
                 <a:spcPts val="0"/>
               </a:spcBef>
-              <a:buNone/>
-            </a:pPr>
-            <a:r>
-              <a:rPr lang="en-US" altLang="zh-CN" sz="1500" dirty="0">
-                <a:latin typeface="Consolas" panose="020B0609020204030204" pitchFamily="49" charset="0"/>
-              </a:rPr>
-              <a:t>return a[0];</a:t>
-            </a:r>
-          </a:p>
-          <a:p>
-            <a:pPr marL="0" indent="0">
+            </a:pPr>
+            <a:r>
+              <a:rPr lang="en-US" altLang="zh-CN" sz="1600" dirty="0" err="1">
+                <a:latin typeface="Consolas" panose="020B0609020204030204" pitchFamily="49" charset="0"/>
+              </a:rPr>
+              <a:t>AliasAnalysis</a:t>
+            </a:r>
+            <a:r>
+              <a:rPr lang="en-US" altLang="zh-CN" sz="1600" dirty="0">
+                <a:latin typeface="Consolas" panose="020B0609020204030204" pitchFamily="49" charset="0"/>
+              </a:rPr>
+              <a:t> </a:t>
+            </a:r>
+          </a:p>
+          <a:p>
+            <a:pPr marL="914400" lvl="2" indent="0">
               <a:lnSpc>
                 <a:spcPct val="120000"/>
               </a:lnSpc>
@@ -7149,104 +8294,88 @@
               </a:spcBef>
               <a:buNone/>
             </a:pPr>
-            <a:r>
-              <a:rPr lang="en-US" altLang="zh-CN" sz="1500" dirty="0">
-                <a:latin typeface="Consolas" panose="020B0609020204030204" pitchFamily="49" charset="0"/>
-              </a:rPr>
-              <a:t>}</a:t>
-            </a:r>
-          </a:p>
-          <a:p>
-            <a:pPr marL="0" indent="0">
+            <a:endParaRPr lang="en-US" altLang="zh-CN" sz="1600" dirty="0">
+              <a:latin typeface="Consolas" panose="020B0609020204030204" pitchFamily="49" charset="0"/>
+            </a:endParaRPr>
+          </a:p>
+          <a:p>
+            <a:pPr marL="228600" lvl="2">
               <a:lnSpc>
                 <a:spcPct val="120000"/>
               </a:lnSpc>
               <a:spcBef>
                 <a:spcPts val="0"/>
               </a:spcBef>
-              <a:buNone/>
-            </a:pPr>
-            <a:endParaRPr lang="zh-CN" altLang="en-US" sz="2000" dirty="0">
-              <a:latin typeface="Consolas" panose="020B0609020204030204" pitchFamily="49" charset="0"/>
-            </a:endParaRPr>
-          </a:p>
-          <a:p>
-            <a:pPr marL="0" indent="0">
+            </a:pPr>
+            <a:r>
+              <a:rPr lang="en-US" altLang="zh-CN" sz="2400" dirty="0" err="1">
+                <a:latin typeface="Consolas" panose="020B0609020204030204" pitchFamily="49" charset="0"/>
+              </a:rPr>
+              <a:t>passLoop</a:t>
+            </a:r>
+            <a:r>
+              <a:rPr lang="en-US" altLang="zh-CN" sz="2400" dirty="0">
+                <a:latin typeface="Consolas" panose="020B0609020204030204" pitchFamily="49" charset="0"/>
+              </a:rPr>
+              <a:t> Rotation, </a:t>
+            </a:r>
+          </a:p>
+          <a:p>
+            <a:pPr marL="228600" lvl="2">
               <a:lnSpc>
                 <a:spcPct val="120000"/>
               </a:lnSpc>
               <a:spcBef>
                 <a:spcPts val="0"/>
               </a:spcBef>
-              <a:buNone/>
-            </a:pPr>
-            <a:r>
-              <a:rPr lang="en-US" altLang="zh-CN" sz="1600" dirty="0">
-                <a:latin typeface="Consolas" panose="020B0609020204030204" pitchFamily="49" charset="0"/>
-              </a:rPr>
-              <a:t>define i32 @_Z4funcv() #0 {</a:t>
-            </a:r>
-          </a:p>
-          <a:p>
-            <a:pPr marL="0" indent="0">
+            </a:pPr>
+            <a:r>
+              <a:rPr lang="en-US" altLang="zh-CN" sz="2400" dirty="0">
+                <a:latin typeface="Consolas" panose="020B0609020204030204" pitchFamily="49" charset="0"/>
+              </a:rPr>
+              <a:t>Loop Interchange,</a:t>
+            </a:r>
+          </a:p>
+          <a:p>
+            <a:pPr marL="228600" lvl="2">
               <a:lnSpc>
                 <a:spcPct val="120000"/>
               </a:lnSpc>
               <a:spcBef>
                 <a:spcPts val="0"/>
               </a:spcBef>
-              <a:buNone/>
-            </a:pPr>
-            <a:r>
-              <a:rPr lang="en-US" altLang="zh-CN" sz="1600" dirty="0">
-                <a:latin typeface="Consolas" panose="020B0609020204030204" pitchFamily="49" charset="0"/>
-              </a:rPr>
-              <a:t>%a = </a:t>
-            </a:r>
-            <a:r>
-              <a:rPr lang="en-US" altLang="zh-CN" sz="1600" dirty="0" err="1">
-                <a:latin typeface="Consolas" panose="020B0609020204030204" pitchFamily="49" charset="0"/>
-              </a:rPr>
-              <a:t>alloca</a:t>
-            </a:r>
-            <a:r>
-              <a:rPr lang="en-US" altLang="zh-CN" sz="1600" dirty="0">
-                <a:latin typeface="Consolas" panose="020B0609020204030204" pitchFamily="49" charset="0"/>
-              </a:rPr>
-              <a:t> [5 x i32], align 16</a:t>
-            </a:r>
-          </a:p>
-          <a:p>
-            <a:pPr marL="0" indent="0">
+            </a:pPr>
+            <a:r>
+              <a:rPr lang="en-US" altLang="zh-CN" sz="2400" dirty="0">
+                <a:latin typeface="Consolas" panose="020B0609020204030204" pitchFamily="49" charset="0"/>
+              </a:rPr>
+              <a:t>Loop </a:t>
+            </a:r>
+            <a:r>
+              <a:rPr lang="en-US" altLang="zh-CN" sz="2400" dirty="0" err="1">
+                <a:latin typeface="Consolas" panose="020B0609020204030204" pitchFamily="49" charset="0"/>
+              </a:rPr>
+              <a:t>Unswitch</a:t>
+            </a:r>
+            <a:endParaRPr lang="en-US" altLang="zh-CN" sz="2400" dirty="0">
+              <a:latin typeface="Consolas" panose="020B0609020204030204" pitchFamily="49" charset="0"/>
+            </a:endParaRPr>
+          </a:p>
+          <a:p>
+            <a:pPr lvl="2">
               <a:lnSpc>
                 <a:spcPct val="120000"/>
               </a:lnSpc>
               <a:spcBef>
                 <a:spcPts val="0"/>
               </a:spcBef>
-              <a:buNone/>
-            </a:pPr>
-            <a:r>
-              <a:rPr lang="en-US" altLang="zh-CN" sz="1600" dirty="0">
-                <a:latin typeface="Consolas" panose="020B0609020204030204" pitchFamily="49" charset="0"/>
-              </a:rPr>
-              <a:t>%a2 = </a:t>
-            </a:r>
-            <a:r>
-              <a:rPr lang="en-US" altLang="zh-CN" sz="1600" dirty="0" err="1">
-                <a:latin typeface="Consolas" panose="020B0609020204030204" pitchFamily="49" charset="0"/>
-              </a:rPr>
-              <a:t>bitcast</a:t>
-            </a:r>
-            <a:r>
-              <a:rPr lang="en-US" altLang="zh-CN" sz="1600" dirty="0">
-                <a:latin typeface="Consolas" panose="020B0609020204030204" pitchFamily="49" charset="0"/>
-              </a:rPr>
-              <a:t> [5 x i32]* %a to i8*</a:t>
-            </a:r>
-          </a:p>
-          <a:p>
-            <a:pPr marL="0" indent="0">
+            </a:pPr>
+            <a:endParaRPr lang="en-US" altLang="zh-CN" sz="1600" dirty="0">
+              <a:latin typeface="Consolas" panose="020B0609020204030204" pitchFamily="49" charset="0"/>
+            </a:endParaRPr>
+          </a:p>
+          <a:p>
+            <a:pPr marL="914400" lvl="2" indent="0">
               <a:lnSpc>
                 <a:spcPct val="120000"/>
               </a:lnSpc>
@@ -7255,336 +8384,16 @@
               </a:spcBef>
               <a:buNone/>
             </a:pPr>
-            <a:r>
-              <a:rPr lang="en-US" altLang="zh-CN" sz="1600" dirty="0">
-                <a:latin typeface="Consolas" panose="020B0609020204030204" pitchFamily="49" charset="0"/>
-              </a:rPr>
-              <a:t>call void @llvm.memset.p0i8.i64(i8* %a2, i8 0, i64 20, i32 16, i1 false)</a:t>
-            </a:r>
-          </a:p>
-          <a:p>
-            <a:pPr marL="0" indent="0">
-              <a:lnSpc>
-                <a:spcPct val="120000"/>
-              </a:lnSpc>
-              <a:spcBef>
-                <a:spcPts val="0"/>
-              </a:spcBef>
-              <a:buNone/>
-            </a:pPr>
-            <a:r>
-              <a:rPr lang="en-US" altLang="zh-CN" sz="1600" dirty="0">
-                <a:latin typeface="Consolas" panose="020B0609020204030204" pitchFamily="49" charset="0"/>
-              </a:rPr>
-              <a:t>%1 = </a:t>
-            </a:r>
-            <a:r>
-              <a:rPr lang="en-US" altLang="zh-CN" sz="1600" dirty="0" err="1">
-                <a:latin typeface="Consolas" panose="020B0609020204030204" pitchFamily="49" charset="0"/>
-              </a:rPr>
-              <a:t>getelementptr</a:t>
-            </a:r>
-            <a:r>
-              <a:rPr lang="en-US" altLang="zh-CN" sz="1600" dirty="0">
-                <a:latin typeface="Consolas" panose="020B0609020204030204" pitchFamily="49" charset="0"/>
-              </a:rPr>
-              <a:t> inbounds [5 x i32], [5 x i32]* %a, i64 0, i64 0</a:t>
-            </a:r>
-          </a:p>
-          <a:p>
-            <a:pPr marL="0" indent="0">
-              <a:lnSpc>
-                <a:spcPct val="120000"/>
-              </a:lnSpc>
-              <a:spcBef>
-                <a:spcPts val="0"/>
-              </a:spcBef>
-              <a:buNone/>
-            </a:pPr>
-            <a:r>
-              <a:rPr lang="en-US" altLang="zh-CN" sz="1600" dirty="0">
-                <a:latin typeface="Consolas" panose="020B0609020204030204" pitchFamily="49" charset="0"/>
-              </a:rPr>
-              <a:t>%2 = load i32, i32* %1, align 16</a:t>
-            </a:r>
-          </a:p>
-          <a:p>
-            <a:pPr marL="0" indent="0">
-              <a:lnSpc>
-                <a:spcPct val="120000"/>
-              </a:lnSpc>
-              <a:spcBef>
-                <a:spcPts val="0"/>
-              </a:spcBef>
-              <a:buNone/>
-            </a:pPr>
-            <a:r>
-              <a:rPr lang="en-US" altLang="zh-CN" sz="1600" dirty="0">
-                <a:latin typeface="Consolas" panose="020B0609020204030204" pitchFamily="49" charset="0"/>
-              </a:rPr>
-              <a:t>ret i32 %2</a:t>
-            </a:r>
-          </a:p>
-          <a:p>
-            <a:pPr marL="0" indent="0">
-              <a:lnSpc>
-                <a:spcPct val="120000"/>
-              </a:lnSpc>
-              <a:spcBef>
-                <a:spcPts val="0"/>
-              </a:spcBef>
-              <a:buNone/>
-            </a:pPr>
-            <a:r>
-              <a:rPr lang="en-US" altLang="zh-CN" sz="1600" dirty="0">
-                <a:latin typeface="Consolas" panose="020B0609020204030204" pitchFamily="49" charset="0"/>
-              </a:rPr>
-              <a:t>}; </a:t>
-            </a:r>
-          </a:p>
-          <a:p>
-            <a:pPr marL="0" indent="0">
-              <a:lnSpc>
-                <a:spcPct val="120000"/>
-              </a:lnSpc>
-              <a:spcBef>
-                <a:spcPts val="0"/>
-              </a:spcBef>
-              <a:buNone/>
-            </a:pPr>
-            <a:r>
-              <a:rPr lang="en-US" altLang="zh-CN" sz="1600" dirty="0">
-                <a:latin typeface="Consolas" panose="020B0609020204030204" pitchFamily="49" charset="0"/>
-              </a:rPr>
-              <a:t>declare void @llvm.memset.p0i8.i64(i8* </a:t>
-            </a:r>
-            <a:r>
-              <a:rPr lang="en-US" altLang="zh-CN" sz="1600" dirty="0" err="1">
-                <a:latin typeface="Consolas" panose="020B0609020204030204" pitchFamily="49" charset="0"/>
-              </a:rPr>
-              <a:t>nocapture</a:t>
-            </a:r>
-            <a:r>
-              <a:rPr lang="en-US" altLang="zh-CN" sz="1600" dirty="0">
-                <a:latin typeface="Consolas" panose="020B0609020204030204" pitchFamily="49" charset="0"/>
-              </a:rPr>
-              <a:t>, i8, i64, i32, i1) #1</a:t>
-            </a:r>
-          </a:p>
-          <a:p>
-            <a:pPr marL="0" indent="0">
-              <a:lnSpc>
-                <a:spcPct val="120000"/>
-              </a:lnSpc>
-              <a:spcBef>
-                <a:spcPts val="0"/>
-              </a:spcBef>
-              <a:buNone/>
-            </a:pPr>
-            <a:r>
-              <a:rPr lang="en-US" altLang="zh-CN" sz="1600" dirty="0">
-                <a:latin typeface="Consolas" panose="020B0609020204030204" pitchFamily="49" charset="0"/>
-              </a:rPr>
-              <a:t>// </a:t>
-            </a:r>
-            <a:r>
-              <a:rPr lang="en-US" altLang="zh-CN" sz="1600" dirty="0" err="1">
-                <a:latin typeface="Consolas" panose="020B0609020204030204" pitchFamily="49" charset="0"/>
-              </a:rPr>
-              <a:t>arg</a:t>
-            </a:r>
-            <a:r>
-              <a:rPr lang="en-US" altLang="zh-CN" sz="1600" dirty="0">
-                <a:latin typeface="Consolas" panose="020B0609020204030204" pitchFamily="49" charset="0"/>
-              </a:rPr>
-              <a:t> 1. destination array </a:t>
-            </a:r>
-          </a:p>
-          <a:p>
-            <a:pPr marL="0" indent="0">
-              <a:lnSpc>
-                <a:spcPct val="120000"/>
-              </a:lnSpc>
-              <a:spcBef>
-                <a:spcPts val="0"/>
-              </a:spcBef>
-              <a:buNone/>
-            </a:pPr>
-            <a:r>
-              <a:rPr lang="en-US" altLang="zh-CN" sz="1600" dirty="0">
-                <a:latin typeface="Consolas" panose="020B0609020204030204" pitchFamily="49" charset="0"/>
-              </a:rPr>
-              <a:t>// </a:t>
-            </a:r>
-            <a:r>
-              <a:rPr lang="en-US" altLang="zh-CN" sz="1600" dirty="0" err="1">
-                <a:latin typeface="Consolas" panose="020B0609020204030204" pitchFamily="49" charset="0"/>
-              </a:rPr>
-              <a:t>arg</a:t>
-            </a:r>
-            <a:r>
-              <a:rPr lang="en-US" altLang="zh-CN" sz="1600" dirty="0">
-                <a:latin typeface="Consolas" panose="020B0609020204030204" pitchFamily="49" charset="0"/>
-              </a:rPr>
-              <a:t> 2. specifies the value to be filled</a:t>
-            </a:r>
-          </a:p>
-          <a:p>
-            <a:pPr marL="0" indent="0">
-              <a:lnSpc>
-                <a:spcPct val="120000"/>
-              </a:lnSpc>
-              <a:spcBef>
-                <a:spcPts val="0"/>
-              </a:spcBef>
-              <a:buNone/>
-            </a:pPr>
-            <a:r>
-              <a:rPr lang="en-US" altLang="zh-CN" sz="1600" dirty="0">
-                <a:latin typeface="Consolas" panose="020B0609020204030204" pitchFamily="49" charset="0"/>
-              </a:rPr>
-              <a:t>// </a:t>
-            </a:r>
-            <a:r>
-              <a:rPr lang="en-US" altLang="zh-CN" sz="1600" dirty="0" err="1">
-                <a:latin typeface="Consolas" panose="020B0609020204030204" pitchFamily="49" charset="0"/>
-              </a:rPr>
-              <a:t>arg</a:t>
-            </a:r>
-            <a:r>
-              <a:rPr lang="en-US" altLang="zh-CN" sz="1600" dirty="0">
-                <a:latin typeface="Consolas" panose="020B0609020204030204" pitchFamily="49" charset="0"/>
-              </a:rPr>
-              <a:t> 3. number of bytes to be filled</a:t>
-            </a:r>
-          </a:p>
-          <a:p>
-            <a:pPr marL="0" indent="0">
-              <a:lnSpc>
-                <a:spcPct val="120000"/>
-              </a:lnSpc>
-              <a:spcBef>
-                <a:spcPts val="0"/>
-              </a:spcBef>
-              <a:buNone/>
-            </a:pPr>
-            <a:r>
-              <a:rPr lang="en-US" altLang="zh-CN" sz="1600" dirty="0">
-                <a:latin typeface="Consolas" panose="020B0609020204030204" pitchFamily="49" charset="0"/>
-              </a:rPr>
-              <a:t>// </a:t>
-            </a:r>
-            <a:r>
-              <a:rPr lang="en-US" altLang="zh-CN" sz="1600" dirty="0" err="1">
-                <a:latin typeface="Consolas" panose="020B0609020204030204" pitchFamily="49" charset="0"/>
-              </a:rPr>
-              <a:t>arg</a:t>
-            </a:r>
-            <a:r>
-              <a:rPr lang="en-US" altLang="zh-CN" sz="1600" dirty="0">
-                <a:latin typeface="Consolas" panose="020B0609020204030204" pitchFamily="49" charset="0"/>
-              </a:rPr>
-              <a:t> 4. alignment of destination value</a:t>
-            </a:r>
-          </a:p>
-          <a:p>
-            <a:pPr marL="0" indent="0">
-              <a:lnSpc>
-                <a:spcPct val="120000"/>
-              </a:lnSpc>
-              <a:spcBef>
-                <a:spcPts val="0"/>
-              </a:spcBef>
-              <a:buNone/>
-            </a:pPr>
-            <a:r>
-              <a:rPr lang="en-US" altLang="zh-CN" sz="1600" dirty="0">
-                <a:latin typeface="Consolas" panose="020B0609020204030204" pitchFamily="49" charset="0"/>
-              </a:rPr>
-              <a:t>// </a:t>
-            </a:r>
-            <a:r>
-              <a:rPr lang="en-US" altLang="zh-CN" sz="1600" dirty="0" err="1">
-                <a:latin typeface="Consolas" panose="020B0609020204030204" pitchFamily="49" charset="0"/>
-              </a:rPr>
-              <a:t>arg</a:t>
-            </a:r>
-            <a:r>
-              <a:rPr lang="en-US" altLang="zh-CN" sz="1600" dirty="0">
-                <a:latin typeface="Consolas" panose="020B0609020204030204" pitchFamily="49" charset="0"/>
-              </a:rPr>
-              <a:t> 5. whether this is a volatile operation</a:t>
-            </a:r>
-          </a:p>
-          <a:p>
-            <a:pPr marL="0" indent="0">
-              <a:lnSpc>
-                <a:spcPct val="120000"/>
-              </a:lnSpc>
-              <a:spcBef>
-                <a:spcPts val="0"/>
-              </a:spcBef>
-              <a:buNone/>
-            </a:pPr>
-            <a:r>
-              <a:rPr lang="en-US" altLang="zh-CN" sz="1600" dirty="0">
-                <a:latin typeface="Consolas" panose="020B0609020204030204" pitchFamily="49" charset="0"/>
-                <a:hlinkClick r:id="rId3"/>
-              </a:rPr>
-              <a:t>http://llvm.org/docs/LangRef.html#intrinsic-functions</a:t>
-            </a:r>
             <a:endParaRPr lang="en-US" altLang="zh-CN" sz="1600" dirty="0">
               <a:latin typeface="Consolas" panose="020B0609020204030204" pitchFamily="49" charset="0"/>
             </a:endParaRPr>
           </a:p>
-          <a:p>
-            <a:pPr marL="0" indent="0">
-              <a:lnSpc>
-                <a:spcPct val="120000"/>
-              </a:lnSpc>
-              <a:spcBef>
-                <a:spcPts val="0"/>
-              </a:spcBef>
-              <a:buNone/>
-            </a:pPr>
-            <a:endParaRPr lang="en-US" altLang="zh-CN" sz="1600" dirty="0">
-              <a:latin typeface="Consolas" panose="020B0609020204030204" pitchFamily="49" charset="0"/>
-            </a:endParaRPr>
-          </a:p>
-          <a:p>
-            <a:pPr marL="0" indent="0">
-              <a:lnSpc>
-                <a:spcPct val="120000"/>
-              </a:lnSpc>
-              <a:spcBef>
-                <a:spcPts val="0"/>
-              </a:spcBef>
-              <a:buNone/>
-            </a:pPr>
-            <a:endParaRPr lang="en-US" altLang="zh-CN" sz="1600" dirty="0">
-              <a:latin typeface="Consolas" panose="020B0609020204030204" pitchFamily="49" charset="0"/>
-            </a:endParaRPr>
-          </a:p>
-          <a:p>
-            <a:pPr marL="0" indent="0">
-              <a:lnSpc>
-                <a:spcPct val="120000"/>
-              </a:lnSpc>
-              <a:spcBef>
-                <a:spcPts val="0"/>
-              </a:spcBef>
-              <a:buNone/>
-            </a:pPr>
-            <a:endParaRPr lang="zh-CN" altLang="en-US" sz="1600" dirty="0">
-              <a:latin typeface="Consolas" panose="020B0609020204030204" pitchFamily="49" charset="0"/>
-            </a:endParaRPr>
-          </a:p>
         </p:txBody>
       </p:sp>
     </p:spTree>
     <p:extLst>
       <p:ext uri="{BB962C8B-B14F-4D97-AF65-F5344CB8AC3E}">
-        <p14:creationId xmlns:p14="http://schemas.microsoft.com/office/powerpoint/2010/main" val="1720714862"/>
+        <p14:creationId xmlns:p14="http://schemas.microsoft.com/office/powerpoint/2010/main" val="3884373324"/>
       </p:ext>
     </p:extLst>
   </p:cSld>
@@ -7616,7 +8425,7 @@
           <p:cNvPr id="2" name="标题 1">
             <a:extLst>
               <a:ext uri="{FF2B5EF4-FFF2-40B4-BE49-F238E27FC236}">
-                <a16:creationId xmlns:a16="http://schemas.microsoft.com/office/drawing/2014/main" id="{336A0987-0141-4494-A862-CE1F2E12077B}"/>
+                <a16:creationId xmlns:a16="http://schemas.microsoft.com/office/drawing/2014/main" id="{747D3B75-1B66-46BF-9B0B-C11364BE1429}"/>
               </a:ext>
             </a:extLst>
           </p:cNvPr>
@@ -7634,7 +8443,7 @@
           <a:p>
             <a:r>
               <a:rPr lang="en-US" altLang="zh-CN" dirty="0"/>
-              <a:t>Flag</a:t>
+              <a:t>Scalar evolution (analyze pass)</a:t>
             </a:r>
             <a:endParaRPr lang="zh-CN" altLang="en-US" dirty="0"/>
           </a:p>
@@ -7645,7 +8454,7 @@
           <p:cNvPr id="3" name="内容占位符 2">
             <a:extLst>
               <a:ext uri="{FF2B5EF4-FFF2-40B4-BE49-F238E27FC236}">
-                <a16:creationId xmlns:a16="http://schemas.microsoft.com/office/drawing/2014/main" id="{123995BE-3ACB-4339-AE09-C7106C4CB0B6}"/>
+                <a16:creationId xmlns:a16="http://schemas.microsoft.com/office/drawing/2014/main" id="{66EADE3C-EFA9-4BEB-97AA-2E062A812E4F}"/>
               </a:ext>
             </a:extLst>
           </p:cNvPr>
@@ -7658,33 +8467,1940 @@
         </p:nvSpPr>
         <p:spPr/>
         <p:txBody>
-          <a:bodyPr/>
-          <a:lstStyle/>
-          <a:p>
-            <a:r>
-              <a:rPr lang="en-US" altLang="zh-CN" dirty="0"/>
-              <a:t>Transplant the </a:t>
-            </a:r>
-            <a:r>
-              <a:rPr lang="en-US" altLang="zh-CN" dirty="0" err="1"/>
-              <a:t>llvm</a:t>
-            </a:r>
-            <a:r>
-              <a:rPr lang="en-US" altLang="zh-CN" dirty="0"/>
-              <a:t> pass to </a:t>
-            </a:r>
-            <a:r>
-              <a:rPr lang="en-US" altLang="zh-CN" dirty="0" err="1"/>
-              <a:t>scm</a:t>
-            </a:r>
-            <a:endParaRPr lang="zh-CN" altLang="en-US" dirty="0"/>
+          <a:bodyPr>
+            <a:normAutofit lnSpcReduction="10000"/>
+          </a:bodyPr>
+          <a:lstStyle/>
+          <a:p>
+            <a:pPr>
+              <a:lnSpc>
+                <a:spcPct val="120000"/>
+              </a:lnSpc>
+              <a:spcBef>
+                <a:spcPts val="0"/>
+              </a:spcBef>
+            </a:pPr>
+            <a:r>
+              <a:rPr lang="en-US" altLang="zh-CN" sz="1600" dirty="0"/>
+              <a:t>main function</a:t>
+            </a:r>
+          </a:p>
+          <a:p>
+            <a:pPr lvl="1">
+              <a:lnSpc>
+                <a:spcPct val="120000"/>
+              </a:lnSpc>
+              <a:spcBef>
+                <a:spcPts val="0"/>
+              </a:spcBef>
+            </a:pPr>
+            <a:r>
+              <a:rPr lang="en-US" altLang="zh-CN" sz="1400" dirty="0"/>
+              <a:t>induction variable substitution</a:t>
+            </a:r>
+          </a:p>
+          <a:p>
+            <a:pPr lvl="1">
+              <a:lnSpc>
+                <a:spcPct val="120000"/>
+              </a:lnSpc>
+              <a:spcBef>
+                <a:spcPts val="0"/>
+              </a:spcBef>
+            </a:pPr>
+            <a:r>
+              <a:rPr lang="en-US" altLang="zh-CN" sz="1400" dirty="0"/>
+              <a:t>strength reduction of loops.</a:t>
+            </a:r>
+          </a:p>
+          <a:p>
+            <a:pPr lvl="1">
+              <a:lnSpc>
+                <a:spcPct val="120000"/>
+              </a:lnSpc>
+              <a:spcBef>
+                <a:spcPts val="0"/>
+              </a:spcBef>
+            </a:pPr>
+            <a:endParaRPr lang="en-US" altLang="zh-CN" sz="1400" dirty="0"/>
+          </a:p>
+          <a:p>
+            <a:pPr marL="0" indent="0">
+              <a:lnSpc>
+                <a:spcPct val="120000"/>
+              </a:lnSpc>
+              <a:spcBef>
+                <a:spcPts val="0"/>
+              </a:spcBef>
+              <a:buNone/>
+            </a:pPr>
+            <a:r>
+              <a:rPr lang="en-US" altLang="zh-CN" sz="1600" dirty="0">
+                <a:latin typeface="Consolas" panose="020B0609020204030204" pitchFamily="49" charset="0"/>
+              </a:rPr>
+              <a:t>$ opt -analyze -scalar-evolution </a:t>
+            </a:r>
+            <a:r>
+              <a:rPr lang="en-US" altLang="zh-CN" sz="1600" dirty="0" err="1">
+                <a:latin typeface="Consolas" panose="020B0609020204030204" pitchFamily="49" charset="0"/>
+              </a:rPr>
+              <a:t>scalevl.ll</a:t>
+            </a:r>
+            <a:endParaRPr lang="en-US" altLang="zh-CN" sz="1600" dirty="0">
+              <a:latin typeface="Consolas" panose="020B0609020204030204" pitchFamily="49" charset="0"/>
+            </a:endParaRPr>
+          </a:p>
+          <a:p>
+            <a:pPr marL="0" indent="0">
+              <a:lnSpc>
+                <a:spcPct val="120000"/>
+              </a:lnSpc>
+              <a:spcBef>
+                <a:spcPts val="0"/>
+              </a:spcBef>
+              <a:buNone/>
+            </a:pPr>
+            <a:r>
+              <a:rPr lang="en-US" altLang="zh-CN" sz="1600" dirty="0">
+                <a:latin typeface="Consolas" panose="020B0609020204030204" pitchFamily="49" charset="0"/>
+              </a:rPr>
+              <a:t>Printing analysis 'Scalar Evolution Analysis' for function 'fun':</a:t>
+            </a:r>
+          </a:p>
+          <a:p>
+            <a:pPr marL="0" indent="0">
+              <a:lnSpc>
+                <a:spcPct val="120000"/>
+              </a:lnSpc>
+              <a:spcBef>
+                <a:spcPts val="0"/>
+              </a:spcBef>
+              <a:buNone/>
+            </a:pPr>
+            <a:r>
+              <a:rPr lang="en-US" altLang="zh-CN" sz="1600" dirty="0">
+                <a:latin typeface="Consolas" panose="020B0609020204030204" pitchFamily="49" charset="0"/>
+              </a:rPr>
+              <a:t>Classifying expressions for: @fun</a:t>
+            </a:r>
+          </a:p>
+          <a:p>
+            <a:pPr marL="457200" lvl="1" indent="0">
+              <a:lnSpc>
+                <a:spcPct val="120000"/>
+              </a:lnSpc>
+              <a:spcBef>
+                <a:spcPts val="0"/>
+              </a:spcBef>
+              <a:buNone/>
+            </a:pPr>
+            <a:r>
+              <a:rPr lang="en-US" altLang="zh-CN" sz="1200" dirty="0">
+                <a:latin typeface="Consolas" panose="020B0609020204030204" pitchFamily="49" charset="0"/>
+              </a:rPr>
+              <a:t>%</a:t>
+            </a:r>
+            <a:r>
+              <a:rPr lang="en-US" altLang="zh-CN" sz="1200" dirty="0" err="1">
+                <a:latin typeface="Consolas" panose="020B0609020204030204" pitchFamily="49" charset="0"/>
+              </a:rPr>
+              <a:t>i</a:t>
+            </a:r>
+            <a:r>
+              <a:rPr lang="en-US" altLang="zh-CN" sz="1200" dirty="0">
+                <a:latin typeface="Consolas" panose="020B0609020204030204" pitchFamily="49" charset="0"/>
+              </a:rPr>
+              <a:t> = phi i32 [ 1, %entry ], [ %</a:t>
+            </a:r>
+            <a:r>
+              <a:rPr lang="en-US" altLang="zh-CN" sz="1200" dirty="0" err="1">
+                <a:latin typeface="Consolas" panose="020B0609020204030204" pitchFamily="49" charset="0"/>
+              </a:rPr>
+              <a:t>i.next</a:t>
+            </a:r>
+            <a:r>
+              <a:rPr lang="en-US" altLang="zh-CN" sz="1200" dirty="0">
+                <a:latin typeface="Consolas" panose="020B0609020204030204" pitchFamily="49" charset="0"/>
+              </a:rPr>
+              <a:t>, %body ]</a:t>
+            </a:r>
+          </a:p>
+          <a:p>
+            <a:pPr marL="457200" lvl="1" indent="0">
+              <a:lnSpc>
+                <a:spcPct val="120000"/>
+              </a:lnSpc>
+              <a:spcBef>
+                <a:spcPts val="0"/>
+              </a:spcBef>
+              <a:buNone/>
+            </a:pPr>
+            <a:r>
+              <a:rPr lang="en-US" altLang="zh-CN" sz="1200" dirty="0">
+                <a:latin typeface="Consolas" panose="020B0609020204030204" pitchFamily="49" charset="0"/>
+              </a:rPr>
+              <a:t>--&gt; {1,+,1}&lt;%header&gt; U: [1,11) S: [1,11) Exits: 10</a:t>
+            </a:r>
+          </a:p>
+          <a:p>
+            <a:pPr marL="457200" lvl="1" indent="0">
+              <a:lnSpc>
+                <a:spcPct val="120000"/>
+              </a:lnSpc>
+              <a:spcBef>
+                <a:spcPts val="0"/>
+              </a:spcBef>
+              <a:buNone/>
+            </a:pPr>
+            <a:r>
+              <a:rPr lang="en-US" altLang="zh-CN" sz="1200" dirty="0">
+                <a:latin typeface="Consolas" panose="020B0609020204030204" pitchFamily="49" charset="0"/>
+              </a:rPr>
+              <a:t>%a = </a:t>
+            </a:r>
+            <a:r>
+              <a:rPr lang="en-US" altLang="zh-CN" sz="1200" dirty="0" err="1">
+                <a:latin typeface="Consolas" panose="020B0609020204030204" pitchFamily="49" charset="0"/>
+              </a:rPr>
+              <a:t>mul</a:t>
+            </a:r>
+            <a:r>
+              <a:rPr lang="en-US" altLang="zh-CN" sz="1200" dirty="0">
+                <a:latin typeface="Consolas" panose="020B0609020204030204" pitchFamily="49" charset="0"/>
+              </a:rPr>
+              <a:t> i32 %</a:t>
+            </a:r>
+            <a:r>
+              <a:rPr lang="en-US" altLang="zh-CN" sz="1200" dirty="0" err="1">
+                <a:latin typeface="Consolas" panose="020B0609020204030204" pitchFamily="49" charset="0"/>
+              </a:rPr>
+              <a:t>i</a:t>
+            </a:r>
+            <a:r>
+              <a:rPr lang="en-US" altLang="zh-CN" sz="1200" dirty="0">
+                <a:latin typeface="Consolas" panose="020B0609020204030204" pitchFamily="49" charset="0"/>
+              </a:rPr>
+              <a:t>, 5</a:t>
+            </a:r>
+          </a:p>
+          <a:p>
+            <a:pPr marL="457200" lvl="1" indent="0">
+              <a:lnSpc>
+                <a:spcPct val="120000"/>
+              </a:lnSpc>
+              <a:spcBef>
+                <a:spcPts val="0"/>
+              </a:spcBef>
+              <a:buNone/>
+            </a:pPr>
+            <a:r>
+              <a:rPr lang="en-US" altLang="zh-CN" sz="1200" dirty="0">
+                <a:latin typeface="Consolas" panose="020B0609020204030204" pitchFamily="49" charset="0"/>
+              </a:rPr>
+              <a:t>--&gt; {5,+,5}&lt;%header&gt; U: [5,51) S: [5,51) Exits: 50</a:t>
+            </a:r>
+          </a:p>
+          <a:p>
+            <a:pPr marL="457200" lvl="1" indent="0">
+              <a:lnSpc>
+                <a:spcPct val="120000"/>
+              </a:lnSpc>
+              <a:spcBef>
+                <a:spcPts val="0"/>
+              </a:spcBef>
+              <a:buNone/>
+            </a:pPr>
+            <a:r>
+              <a:rPr lang="en-US" altLang="zh-CN" sz="1200" dirty="0">
+                <a:latin typeface="Consolas" panose="020B0609020204030204" pitchFamily="49" charset="0"/>
+              </a:rPr>
+              <a:t>%b = or i32 %a, 1</a:t>
+            </a:r>
+          </a:p>
+          <a:p>
+            <a:pPr marL="457200" lvl="1" indent="0">
+              <a:lnSpc>
+                <a:spcPct val="120000"/>
+              </a:lnSpc>
+              <a:spcBef>
+                <a:spcPts val="0"/>
+              </a:spcBef>
+              <a:buNone/>
+            </a:pPr>
+            <a:r>
+              <a:rPr lang="en-US" altLang="zh-CN" sz="1200" dirty="0">
+                <a:latin typeface="Consolas" panose="020B0609020204030204" pitchFamily="49" charset="0"/>
+              </a:rPr>
+              <a:t>--&gt; %b U: [1,0) S: full-set Exits: 51</a:t>
+            </a:r>
+          </a:p>
+          <a:p>
+            <a:pPr marL="457200" lvl="1" indent="0">
+              <a:lnSpc>
+                <a:spcPct val="120000"/>
+              </a:lnSpc>
+              <a:spcBef>
+                <a:spcPts val="0"/>
+              </a:spcBef>
+              <a:buNone/>
+            </a:pPr>
+            <a:r>
+              <a:rPr lang="en-US" altLang="zh-CN" sz="1200" dirty="0">
+                <a:latin typeface="Consolas" panose="020B0609020204030204" pitchFamily="49" charset="0"/>
+              </a:rPr>
+              <a:t>%</a:t>
+            </a:r>
+            <a:r>
+              <a:rPr lang="en-US" altLang="zh-CN" sz="1200" dirty="0" err="1">
+                <a:latin typeface="Consolas" panose="020B0609020204030204" pitchFamily="49" charset="0"/>
+              </a:rPr>
+              <a:t>i.next</a:t>
+            </a:r>
+            <a:r>
+              <a:rPr lang="en-US" altLang="zh-CN" sz="1200" dirty="0">
+                <a:latin typeface="Consolas" panose="020B0609020204030204" pitchFamily="49" charset="0"/>
+              </a:rPr>
+              <a:t> = add i32 %</a:t>
+            </a:r>
+            <a:r>
+              <a:rPr lang="en-US" altLang="zh-CN" sz="1200" dirty="0" err="1">
+                <a:latin typeface="Consolas" panose="020B0609020204030204" pitchFamily="49" charset="0"/>
+              </a:rPr>
+              <a:t>i</a:t>
+            </a:r>
+            <a:r>
+              <a:rPr lang="en-US" altLang="zh-CN" sz="1200" dirty="0">
+                <a:latin typeface="Consolas" panose="020B0609020204030204" pitchFamily="49" charset="0"/>
+              </a:rPr>
+              <a:t>, 1</a:t>
+            </a:r>
+          </a:p>
+          <a:p>
+            <a:pPr marL="457200" lvl="1" indent="0">
+              <a:lnSpc>
+                <a:spcPct val="120000"/>
+              </a:lnSpc>
+              <a:spcBef>
+                <a:spcPts val="0"/>
+              </a:spcBef>
+              <a:buNone/>
+            </a:pPr>
+            <a:r>
+              <a:rPr lang="en-US" altLang="zh-CN" sz="1200" dirty="0">
+                <a:latin typeface="Consolas" panose="020B0609020204030204" pitchFamily="49" charset="0"/>
+              </a:rPr>
+              <a:t>--&gt; {2,+,1}&lt;%header&gt; U: [2,12) S: [2,12) Exits: 11</a:t>
+            </a:r>
+          </a:p>
+          <a:p>
+            <a:pPr marL="0" indent="0">
+              <a:lnSpc>
+                <a:spcPct val="120000"/>
+              </a:lnSpc>
+              <a:spcBef>
+                <a:spcPts val="0"/>
+              </a:spcBef>
+              <a:buNone/>
+            </a:pPr>
+            <a:r>
+              <a:rPr lang="en-US" altLang="zh-CN" sz="1600" dirty="0">
+                <a:latin typeface="Consolas" panose="020B0609020204030204" pitchFamily="49" charset="0"/>
+              </a:rPr>
+              <a:t>Determining loop execution counts for: @fun</a:t>
+            </a:r>
+          </a:p>
+          <a:p>
+            <a:pPr marL="0" indent="0">
+              <a:lnSpc>
+                <a:spcPct val="120000"/>
+              </a:lnSpc>
+              <a:spcBef>
+                <a:spcPts val="0"/>
+              </a:spcBef>
+              <a:buNone/>
+            </a:pPr>
+            <a:r>
+              <a:rPr lang="en-US" altLang="zh-CN" sz="1600" dirty="0">
+                <a:latin typeface="Consolas" panose="020B0609020204030204" pitchFamily="49" charset="0"/>
+              </a:rPr>
+              <a:t>Loop %header: </a:t>
+            </a:r>
+            <a:r>
+              <a:rPr lang="en-US" altLang="zh-CN" sz="1600" dirty="0" err="1">
+                <a:latin typeface="Consolas" panose="020B0609020204030204" pitchFamily="49" charset="0"/>
+              </a:rPr>
+              <a:t>backedge</a:t>
+            </a:r>
+            <a:r>
+              <a:rPr lang="en-US" altLang="zh-CN" sz="1600" dirty="0">
+                <a:latin typeface="Consolas" panose="020B0609020204030204" pitchFamily="49" charset="0"/>
+              </a:rPr>
+              <a:t>-taken count is 9</a:t>
+            </a:r>
+          </a:p>
+          <a:p>
+            <a:pPr marL="0" indent="0">
+              <a:lnSpc>
+                <a:spcPct val="120000"/>
+              </a:lnSpc>
+              <a:spcBef>
+                <a:spcPts val="0"/>
+              </a:spcBef>
+              <a:buNone/>
+            </a:pPr>
+            <a:r>
+              <a:rPr lang="en-US" altLang="zh-CN" sz="1600" dirty="0">
+                <a:latin typeface="Consolas" panose="020B0609020204030204" pitchFamily="49" charset="0"/>
+              </a:rPr>
+              <a:t>Loop %header: max </a:t>
+            </a:r>
+            <a:r>
+              <a:rPr lang="en-US" altLang="zh-CN" sz="1600" dirty="0" err="1">
+                <a:latin typeface="Consolas" panose="020B0609020204030204" pitchFamily="49" charset="0"/>
+              </a:rPr>
+              <a:t>backedge</a:t>
+            </a:r>
+            <a:r>
+              <a:rPr lang="en-US" altLang="zh-CN" sz="1600" dirty="0">
+                <a:latin typeface="Consolas" panose="020B0609020204030204" pitchFamily="49" charset="0"/>
+              </a:rPr>
+              <a:t>-taken count is 9</a:t>
+            </a:r>
+          </a:p>
+          <a:p>
+            <a:pPr marL="457200" lvl="1" indent="0">
+              <a:lnSpc>
+                <a:spcPct val="120000"/>
+              </a:lnSpc>
+              <a:spcBef>
+                <a:spcPts val="0"/>
+              </a:spcBef>
+              <a:buNone/>
+            </a:pPr>
+            <a:endParaRPr lang="zh-CN" altLang="en-US" sz="1100" dirty="0"/>
           </a:p>
         </p:txBody>
       </p:sp>
     </p:spTree>
     <p:extLst>
       <p:ext uri="{BB962C8B-B14F-4D97-AF65-F5344CB8AC3E}">
-        <p14:creationId xmlns:p14="http://schemas.microsoft.com/office/powerpoint/2010/main" val="714049575"/>
+        <p14:creationId xmlns:p14="http://schemas.microsoft.com/office/powerpoint/2010/main" val="1143692734"/>
+      </p:ext>
+    </p:extLst>
+  </p:cSld>
+  <p:clrMapOvr>
+    <a:masterClrMapping/>
+  </p:clrMapOvr>
+</p:sld>
+</file>
+
+<file path=ppt/slides/slide22.xml><?xml version="1.0" encoding="utf-8"?>
+<p:sld xmlns:a="http://schemas.openxmlformats.org/drawingml/2006/main" xmlns:r="http://schemas.openxmlformats.org/officeDocument/2006/relationships" xmlns:p="http://schemas.openxmlformats.org/presentationml/2006/main">
+  <p:cSld>
+    <p:spTree>
+      <p:nvGrpSpPr>
+        <p:cNvPr id="1" name=""/>
+        <p:cNvGrpSpPr/>
+        <p:nvPr/>
+      </p:nvGrpSpPr>
+      <p:grpSpPr>
+        <a:xfrm>
+          <a:off x="0" y="0"/>
+          <a:ext cx="0" cy="0"/>
+          <a:chOff x="0" y="0"/>
+          <a:chExt cx="0" cy="0"/>
+        </a:xfrm>
+      </p:grpSpPr>
+      <p:sp>
+        <p:nvSpPr>
+          <p:cNvPr id="2" name="标题 1">
+            <a:extLst>
+              <a:ext uri="{FF2B5EF4-FFF2-40B4-BE49-F238E27FC236}">
+                <a16:creationId xmlns:a16="http://schemas.microsoft.com/office/drawing/2014/main" id="{D9B265DA-781B-475A-9DE1-304D45714D87}"/>
+              </a:ext>
+            </a:extLst>
+          </p:cNvPr>
+          <p:cNvSpPr>
+            <a:spLocks noGrp="1"/>
+          </p:cNvSpPr>
+          <p:nvPr>
+            <p:ph type="title"/>
+          </p:nvPr>
+        </p:nvSpPr>
+        <p:spPr/>
+        <p:txBody>
+          <a:bodyPr/>
+          <a:lstStyle/>
+          <a:p>
+            <a:r>
+              <a:rPr lang="en-US" altLang="zh-CN" dirty="0"/>
+              <a:t>LLVM </a:t>
+            </a:r>
+            <a:r>
+              <a:rPr lang="en-US" altLang="zh-CN" dirty="0" err="1"/>
+              <a:t>intrinsics</a:t>
+            </a:r>
+            <a:endParaRPr lang="zh-CN" altLang="en-US" dirty="0"/>
+          </a:p>
+        </p:txBody>
+      </p:sp>
+      <p:sp>
+        <p:nvSpPr>
+          <p:cNvPr id="3" name="内容占位符 2">
+            <a:extLst>
+              <a:ext uri="{FF2B5EF4-FFF2-40B4-BE49-F238E27FC236}">
+                <a16:creationId xmlns:a16="http://schemas.microsoft.com/office/drawing/2014/main" id="{C101BDE4-87AB-4DF1-AD7F-0A459C1AF0C4}"/>
+              </a:ext>
+            </a:extLst>
+          </p:cNvPr>
+          <p:cNvSpPr>
+            <a:spLocks noGrp="1"/>
+          </p:cNvSpPr>
+          <p:nvPr>
+            <p:ph idx="1"/>
+          </p:nvPr>
+        </p:nvSpPr>
+        <p:spPr>
+          <a:xfrm>
+            <a:off x="838200" y="1364343"/>
+            <a:ext cx="10515600" cy="5239658"/>
+          </a:xfrm>
+        </p:spPr>
+        <p:txBody>
+          <a:bodyPr>
+            <a:normAutofit fontScale="92500" lnSpcReduction="20000"/>
+          </a:bodyPr>
+          <a:lstStyle/>
+          <a:p>
+            <a:pPr marL="0" indent="0">
+              <a:lnSpc>
+                <a:spcPct val="120000"/>
+              </a:lnSpc>
+              <a:spcBef>
+                <a:spcPts val="0"/>
+              </a:spcBef>
+              <a:buNone/>
+            </a:pPr>
+            <a:r>
+              <a:rPr lang="en-US" altLang="zh-CN" sz="1500" dirty="0">
+                <a:latin typeface="Consolas" panose="020B0609020204030204" pitchFamily="49" charset="0"/>
+              </a:rPr>
+              <a:t>int </a:t>
+            </a:r>
+            <a:r>
+              <a:rPr lang="en-US" altLang="zh-CN" sz="1500" dirty="0" err="1">
+                <a:latin typeface="Consolas" panose="020B0609020204030204" pitchFamily="49" charset="0"/>
+              </a:rPr>
+              <a:t>func</a:t>
+            </a:r>
+            <a:r>
+              <a:rPr lang="en-US" altLang="zh-CN" sz="1500" dirty="0">
+                <a:latin typeface="Consolas" panose="020B0609020204030204" pitchFamily="49" charset="0"/>
+              </a:rPr>
+              <a:t>(){</a:t>
+            </a:r>
+          </a:p>
+          <a:p>
+            <a:pPr marL="457200" lvl="1" indent="0">
+              <a:lnSpc>
+                <a:spcPct val="120000"/>
+              </a:lnSpc>
+              <a:spcBef>
+                <a:spcPts val="0"/>
+              </a:spcBef>
+              <a:buNone/>
+            </a:pPr>
+            <a:r>
+              <a:rPr lang="en-US" altLang="zh-CN" sz="1500" dirty="0">
+                <a:latin typeface="Consolas" panose="020B0609020204030204" pitchFamily="49" charset="0"/>
+              </a:rPr>
+              <a:t>int a[5];</a:t>
+            </a:r>
+          </a:p>
+          <a:p>
+            <a:pPr marL="457200" lvl="1" indent="0">
+              <a:lnSpc>
+                <a:spcPct val="120000"/>
+              </a:lnSpc>
+              <a:spcBef>
+                <a:spcPts val="0"/>
+              </a:spcBef>
+              <a:buNone/>
+            </a:pPr>
+            <a:r>
+              <a:rPr lang="en-US" altLang="zh-CN" sz="1500" dirty="0">
+                <a:latin typeface="Consolas" panose="020B0609020204030204" pitchFamily="49" charset="0"/>
+              </a:rPr>
+              <a:t>for (int </a:t>
+            </a:r>
+            <a:r>
+              <a:rPr lang="en-US" altLang="zh-CN" sz="1500" dirty="0" err="1">
+                <a:latin typeface="Consolas" panose="020B0609020204030204" pitchFamily="49" charset="0"/>
+              </a:rPr>
+              <a:t>i</a:t>
+            </a:r>
+            <a:r>
+              <a:rPr lang="en-US" altLang="zh-CN" sz="1500" dirty="0">
+                <a:latin typeface="Consolas" panose="020B0609020204030204" pitchFamily="49" charset="0"/>
+              </a:rPr>
+              <a:t> = 0; </a:t>
+            </a:r>
+            <a:r>
+              <a:rPr lang="en-US" altLang="zh-CN" sz="1500" dirty="0" err="1">
+                <a:latin typeface="Consolas" panose="020B0609020204030204" pitchFamily="49" charset="0"/>
+              </a:rPr>
+              <a:t>i</a:t>
+            </a:r>
+            <a:r>
+              <a:rPr lang="en-US" altLang="zh-CN" sz="1500" dirty="0">
+                <a:latin typeface="Consolas" panose="020B0609020204030204" pitchFamily="49" charset="0"/>
+              </a:rPr>
+              <a:t> != 5; ++</a:t>
+            </a:r>
+            <a:r>
+              <a:rPr lang="en-US" altLang="zh-CN" sz="1500" dirty="0" err="1">
+                <a:latin typeface="Consolas" panose="020B0609020204030204" pitchFamily="49" charset="0"/>
+              </a:rPr>
+              <a:t>i</a:t>
+            </a:r>
+            <a:r>
+              <a:rPr lang="en-US" altLang="zh-CN" sz="1500" dirty="0">
+                <a:latin typeface="Consolas" panose="020B0609020204030204" pitchFamily="49" charset="0"/>
+              </a:rPr>
+              <a:t>)</a:t>
+            </a:r>
+          </a:p>
+          <a:p>
+            <a:pPr marL="457200" lvl="1" indent="0">
+              <a:lnSpc>
+                <a:spcPct val="120000"/>
+              </a:lnSpc>
+              <a:spcBef>
+                <a:spcPts val="0"/>
+              </a:spcBef>
+              <a:buNone/>
+            </a:pPr>
+            <a:r>
+              <a:rPr lang="en-US" altLang="zh-CN" sz="1500" dirty="0">
+                <a:latin typeface="Consolas" panose="020B0609020204030204" pitchFamily="49" charset="0"/>
+              </a:rPr>
+              <a:t>	a[</a:t>
+            </a:r>
+            <a:r>
+              <a:rPr lang="en-US" altLang="zh-CN" sz="1500" dirty="0" err="1">
+                <a:latin typeface="Consolas" panose="020B0609020204030204" pitchFamily="49" charset="0"/>
+              </a:rPr>
+              <a:t>i</a:t>
+            </a:r>
+            <a:r>
+              <a:rPr lang="en-US" altLang="zh-CN" sz="1500" dirty="0">
+                <a:latin typeface="Consolas" panose="020B0609020204030204" pitchFamily="49" charset="0"/>
+              </a:rPr>
+              <a:t>] = 0;</a:t>
+            </a:r>
+          </a:p>
+          <a:p>
+            <a:pPr marL="457200" lvl="1" indent="0">
+              <a:lnSpc>
+                <a:spcPct val="120000"/>
+              </a:lnSpc>
+              <a:spcBef>
+                <a:spcPts val="0"/>
+              </a:spcBef>
+              <a:buNone/>
+            </a:pPr>
+            <a:r>
+              <a:rPr lang="en-US" altLang="zh-CN" sz="1500" dirty="0">
+                <a:latin typeface="Consolas" panose="020B0609020204030204" pitchFamily="49" charset="0"/>
+              </a:rPr>
+              <a:t>return a[0];</a:t>
+            </a:r>
+          </a:p>
+          <a:p>
+            <a:pPr marL="0" indent="0">
+              <a:lnSpc>
+                <a:spcPct val="120000"/>
+              </a:lnSpc>
+              <a:spcBef>
+                <a:spcPts val="0"/>
+              </a:spcBef>
+              <a:buNone/>
+            </a:pPr>
+            <a:r>
+              <a:rPr lang="en-US" altLang="zh-CN" sz="1500" dirty="0">
+                <a:latin typeface="Consolas" panose="020B0609020204030204" pitchFamily="49" charset="0"/>
+              </a:rPr>
+              <a:t>}</a:t>
+            </a:r>
+          </a:p>
+          <a:p>
+            <a:pPr marL="0" indent="0">
+              <a:lnSpc>
+                <a:spcPct val="120000"/>
+              </a:lnSpc>
+              <a:spcBef>
+                <a:spcPts val="0"/>
+              </a:spcBef>
+              <a:buNone/>
+            </a:pPr>
+            <a:endParaRPr lang="zh-CN" altLang="en-US" sz="2000" dirty="0">
+              <a:latin typeface="Consolas" panose="020B0609020204030204" pitchFamily="49" charset="0"/>
+            </a:endParaRPr>
+          </a:p>
+          <a:p>
+            <a:pPr marL="0" indent="0">
+              <a:lnSpc>
+                <a:spcPct val="120000"/>
+              </a:lnSpc>
+              <a:spcBef>
+                <a:spcPts val="0"/>
+              </a:spcBef>
+              <a:buNone/>
+            </a:pPr>
+            <a:r>
+              <a:rPr lang="en-US" altLang="zh-CN" sz="1600" dirty="0">
+                <a:latin typeface="Consolas" panose="020B0609020204030204" pitchFamily="49" charset="0"/>
+              </a:rPr>
+              <a:t>define i32 @_Z4funcv() #0 {</a:t>
+            </a:r>
+          </a:p>
+          <a:p>
+            <a:pPr marL="0" indent="0">
+              <a:lnSpc>
+                <a:spcPct val="120000"/>
+              </a:lnSpc>
+              <a:spcBef>
+                <a:spcPts val="0"/>
+              </a:spcBef>
+              <a:buNone/>
+            </a:pPr>
+            <a:r>
+              <a:rPr lang="en-US" altLang="zh-CN" sz="1600" dirty="0">
+                <a:latin typeface="Consolas" panose="020B0609020204030204" pitchFamily="49" charset="0"/>
+              </a:rPr>
+              <a:t>%a = </a:t>
+            </a:r>
+            <a:r>
+              <a:rPr lang="en-US" altLang="zh-CN" sz="1600" dirty="0" err="1">
+                <a:latin typeface="Consolas" panose="020B0609020204030204" pitchFamily="49" charset="0"/>
+              </a:rPr>
+              <a:t>alloca</a:t>
+            </a:r>
+            <a:r>
+              <a:rPr lang="en-US" altLang="zh-CN" sz="1600" dirty="0">
+                <a:latin typeface="Consolas" panose="020B0609020204030204" pitchFamily="49" charset="0"/>
+              </a:rPr>
+              <a:t> [5 x i32], align 16</a:t>
+            </a:r>
+          </a:p>
+          <a:p>
+            <a:pPr marL="0" indent="0">
+              <a:lnSpc>
+                <a:spcPct val="120000"/>
+              </a:lnSpc>
+              <a:spcBef>
+                <a:spcPts val="0"/>
+              </a:spcBef>
+              <a:buNone/>
+            </a:pPr>
+            <a:r>
+              <a:rPr lang="en-US" altLang="zh-CN" sz="1600" dirty="0">
+                <a:latin typeface="Consolas" panose="020B0609020204030204" pitchFamily="49" charset="0"/>
+              </a:rPr>
+              <a:t>%a2 = </a:t>
+            </a:r>
+            <a:r>
+              <a:rPr lang="en-US" altLang="zh-CN" sz="1600" dirty="0" err="1">
+                <a:latin typeface="Consolas" panose="020B0609020204030204" pitchFamily="49" charset="0"/>
+              </a:rPr>
+              <a:t>bitcast</a:t>
+            </a:r>
+            <a:r>
+              <a:rPr lang="en-US" altLang="zh-CN" sz="1600" dirty="0">
+                <a:latin typeface="Consolas" panose="020B0609020204030204" pitchFamily="49" charset="0"/>
+              </a:rPr>
+              <a:t> [5 x i32]* %a to i8*</a:t>
+            </a:r>
+          </a:p>
+          <a:p>
+            <a:pPr marL="0" indent="0">
+              <a:lnSpc>
+                <a:spcPct val="120000"/>
+              </a:lnSpc>
+              <a:spcBef>
+                <a:spcPts val="0"/>
+              </a:spcBef>
+              <a:buNone/>
+            </a:pPr>
+            <a:r>
+              <a:rPr lang="en-US" altLang="zh-CN" sz="1600" dirty="0">
+                <a:latin typeface="Consolas" panose="020B0609020204030204" pitchFamily="49" charset="0"/>
+              </a:rPr>
+              <a:t>call void @llvm.memset.p0i8.i64(i8* %a2, i8 0, i64 20, i32 16, i1 false)</a:t>
+            </a:r>
+          </a:p>
+          <a:p>
+            <a:pPr marL="0" indent="0">
+              <a:lnSpc>
+                <a:spcPct val="120000"/>
+              </a:lnSpc>
+              <a:spcBef>
+                <a:spcPts val="0"/>
+              </a:spcBef>
+              <a:buNone/>
+            </a:pPr>
+            <a:r>
+              <a:rPr lang="en-US" altLang="zh-CN" sz="1600" dirty="0">
+                <a:latin typeface="Consolas" panose="020B0609020204030204" pitchFamily="49" charset="0"/>
+              </a:rPr>
+              <a:t>%1 = </a:t>
+            </a:r>
+            <a:r>
+              <a:rPr lang="en-US" altLang="zh-CN" sz="1600" dirty="0" err="1">
+                <a:latin typeface="Consolas" panose="020B0609020204030204" pitchFamily="49" charset="0"/>
+              </a:rPr>
+              <a:t>getelementptr</a:t>
+            </a:r>
+            <a:r>
+              <a:rPr lang="en-US" altLang="zh-CN" sz="1600" dirty="0">
+                <a:latin typeface="Consolas" panose="020B0609020204030204" pitchFamily="49" charset="0"/>
+              </a:rPr>
+              <a:t> inbounds [5 x i32], [5 x i32]* %a, i64 0, i64 0</a:t>
+            </a:r>
+          </a:p>
+          <a:p>
+            <a:pPr marL="0" indent="0">
+              <a:lnSpc>
+                <a:spcPct val="120000"/>
+              </a:lnSpc>
+              <a:spcBef>
+                <a:spcPts val="0"/>
+              </a:spcBef>
+              <a:buNone/>
+            </a:pPr>
+            <a:r>
+              <a:rPr lang="en-US" altLang="zh-CN" sz="1600" dirty="0">
+                <a:latin typeface="Consolas" panose="020B0609020204030204" pitchFamily="49" charset="0"/>
+              </a:rPr>
+              <a:t>%2 = load i32, i32* %1, align 16</a:t>
+            </a:r>
+          </a:p>
+          <a:p>
+            <a:pPr marL="0" indent="0">
+              <a:lnSpc>
+                <a:spcPct val="120000"/>
+              </a:lnSpc>
+              <a:spcBef>
+                <a:spcPts val="0"/>
+              </a:spcBef>
+              <a:buNone/>
+            </a:pPr>
+            <a:r>
+              <a:rPr lang="en-US" altLang="zh-CN" sz="1600" dirty="0">
+                <a:latin typeface="Consolas" panose="020B0609020204030204" pitchFamily="49" charset="0"/>
+              </a:rPr>
+              <a:t>ret i32 %2</a:t>
+            </a:r>
+          </a:p>
+          <a:p>
+            <a:pPr marL="0" indent="0">
+              <a:lnSpc>
+                <a:spcPct val="120000"/>
+              </a:lnSpc>
+              <a:spcBef>
+                <a:spcPts val="0"/>
+              </a:spcBef>
+              <a:buNone/>
+            </a:pPr>
+            <a:r>
+              <a:rPr lang="en-US" altLang="zh-CN" sz="1600" dirty="0">
+                <a:latin typeface="Consolas" panose="020B0609020204030204" pitchFamily="49" charset="0"/>
+              </a:rPr>
+              <a:t>}; </a:t>
+            </a:r>
+          </a:p>
+          <a:p>
+            <a:pPr marL="0" indent="0">
+              <a:lnSpc>
+                <a:spcPct val="120000"/>
+              </a:lnSpc>
+              <a:spcBef>
+                <a:spcPts val="0"/>
+              </a:spcBef>
+              <a:buNone/>
+            </a:pPr>
+            <a:r>
+              <a:rPr lang="en-US" altLang="zh-CN" sz="1600" dirty="0">
+                <a:latin typeface="Consolas" panose="020B0609020204030204" pitchFamily="49" charset="0"/>
+              </a:rPr>
+              <a:t>declare void @llvm.memset.p0i8.i64(i8* </a:t>
+            </a:r>
+            <a:r>
+              <a:rPr lang="en-US" altLang="zh-CN" sz="1600" dirty="0" err="1">
+                <a:latin typeface="Consolas" panose="020B0609020204030204" pitchFamily="49" charset="0"/>
+              </a:rPr>
+              <a:t>nocapture</a:t>
+            </a:r>
+            <a:r>
+              <a:rPr lang="en-US" altLang="zh-CN" sz="1600" dirty="0">
+                <a:latin typeface="Consolas" panose="020B0609020204030204" pitchFamily="49" charset="0"/>
+              </a:rPr>
+              <a:t>, i8, i64, i32, i1) #1</a:t>
+            </a:r>
+          </a:p>
+          <a:p>
+            <a:pPr marL="0" indent="0">
+              <a:lnSpc>
+                <a:spcPct val="120000"/>
+              </a:lnSpc>
+              <a:spcBef>
+                <a:spcPts val="0"/>
+              </a:spcBef>
+              <a:buNone/>
+            </a:pPr>
+            <a:r>
+              <a:rPr lang="en-US" altLang="zh-CN" sz="1600" dirty="0">
+                <a:latin typeface="Consolas" panose="020B0609020204030204" pitchFamily="49" charset="0"/>
+              </a:rPr>
+              <a:t>// </a:t>
+            </a:r>
+            <a:r>
+              <a:rPr lang="en-US" altLang="zh-CN" sz="1600" dirty="0" err="1">
+                <a:latin typeface="Consolas" panose="020B0609020204030204" pitchFamily="49" charset="0"/>
+              </a:rPr>
+              <a:t>arg</a:t>
+            </a:r>
+            <a:r>
+              <a:rPr lang="en-US" altLang="zh-CN" sz="1600" dirty="0">
+                <a:latin typeface="Consolas" panose="020B0609020204030204" pitchFamily="49" charset="0"/>
+              </a:rPr>
+              <a:t> 1. destination array </a:t>
+            </a:r>
+          </a:p>
+          <a:p>
+            <a:pPr marL="0" indent="0">
+              <a:lnSpc>
+                <a:spcPct val="120000"/>
+              </a:lnSpc>
+              <a:spcBef>
+                <a:spcPts val="0"/>
+              </a:spcBef>
+              <a:buNone/>
+            </a:pPr>
+            <a:r>
+              <a:rPr lang="en-US" altLang="zh-CN" sz="1600" dirty="0">
+                <a:latin typeface="Consolas" panose="020B0609020204030204" pitchFamily="49" charset="0"/>
+              </a:rPr>
+              <a:t>// </a:t>
+            </a:r>
+            <a:r>
+              <a:rPr lang="en-US" altLang="zh-CN" sz="1600" dirty="0" err="1">
+                <a:latin typeface="Consolas" panose="020B0609020204030204" pitchFamily="49" charset="0"/>
+              </a:rPr>
+              <a:t>arg</a:t>
+            </a:r>
+            <a:r>
+              <a:rPr lang="en-US" altLang="zh-CN" sz="1600" dirty="0">
+                <a:latin typeface="Consolas" panose="020B0609020204030204" pitchFamily="49" charset="0"/>
+              </a:rPr>
+              <a:t> 2. specifies the value to be filled</a:t>
+            </a:r>
+          </a:p>
+          <a:p>
+            <a:pPr marL="0" indent="0">
+              <a:lnSpc>
+                <a:spcPct val="120000"/>
+              </a:lnSpc>
+              <a:spcBef>
+                <a:spcPts val="0"/>
+              </a:spcBef>
+              <a:buNone/>
+            </a:pPr>
+            <a:r>
+              <a:rPr lang="en-US" altLang="zh-CN" sz="1600" dirty="0">
+                <a:latin typeface="Consolas" panose="020B0609020204030204" pitchFamily="49" charset="0"/>
+              </a:rPr>
+              <a:t>// </a:t>
+            </a:r>
+            <a:r>
+              <a:rPr lang="en-US" altLang="zh-CN" sz="1600" dirty="0" err="1">
+                <a:latin typeface="Consolas" panose="020B0609020204030204" pitchFamily="49" charset="0"/>
+              </a:rPr>
+              <a:t>arg</a:t>
+            </a:r>
+            <a:r>
+              <a:rPr lang="en-US" altLang="zh-CN" sz="1600" dirty="0">
+                <a:latin typeface="Consolas" panose="020B0609020204030204" pitchFamily="49" charset="0"/>
+              </a:rPr>
+              <a:t> 3. number of bytes to be filled</a:t>
+            </a:r>
+          </a:p>
+          <a:p>
+            <a:pPr marL="0" indent="0">
+              <a:lnSpc>
+                <a:spcPct val="120000"/>
+              </a:lnSpc>
+              <a:spcBef>
+                <a:spcPts val="0"/>
+              </a:spcBef>
+              <a:buNone/>
+            </a:pPr>
+            <a:r>
+              <a:rPr lang="en-US" altLang="zh-CN" sz="1600" dirty="0">
+                <a:latin typeface="Consolas" panose="020B0609020204030204" pitchFamily="49" charset="0"/>
+              </a:rPr>
+              <a:t>// </a:t>
+            </a:r>
+            <a:r>
+              <a:rPr lang="en-US" altLang="zh-CN" sz="1600" dirty="0" err="1">
+                <a:latin typeface="Consolas" panose="020B0609020204030204" pitchFamily="49" charset="0"/>
+              </a:rPr>
+              <a:t>arg</a:t>
+            </a:r>
+            <a:r>
+              <a:rPr lang="en-US" altLang="zh-CN" sz="1600" dirty="0">
+                <a:latin typeface="Consolas" panose="020B0609020204030204" pitchFamily="49" charset="0"/>
+              </a:rPr>
+              <a:t> 4. alignment of destination value</a:t>
+            </a:r>
+          </a:p>
+          <a:p>
+            <a:pPr marL="0" indent="0">
+              <a:lnSpc>
+                <a:spcPct val="120000"/>
+              </a:lnSpc>
+              <a:spcBef>
+                <a:spcPts val="0"/>
+              </a:spcBef>
+              <a:buNone/>
+            </a:pPr>
+            <a:r>
+              <a:rPr lang="en-US" altLang="zh-CN" sz="1600" dirty="0">
+                <a:latin typeface="Consolas" panose="020B0609020204030204" pitchFamily="49" charset="0"/>
+              </a:rPr>
+              <a:t>// </a:t>
+            </a:r>
+            <a:r>
+              <a:rPr lang="en-US" altLang="zh-CN" sz="1600" dirty="0" err="1">
+                <a:latin typeface="Consolas" panose="020B0609020204030204" pitchFamily="49" charset="0"/>
+              </a:rPr>
+              <a:t>arg</a:t>
+            </a:r>
+            <a:r>
+              <a:rPr lang="en-US" altLang="zh-CN" sz="1600" dirty="0">
+                <a:latin typeface="Consolas" panose="020B0609020204030204" pitchFamily="49" charset="0"/>
+              </a:rPr>
+              <a:t> 5. whether this is a volatile operation</a:t>
+            </a:r>
+          </a:p>
+          <a:p>
+            <a:pPr marL="0" indent="0">
+              <a:lnSpc>
+                <a:spcPct val="120000"/>
+              </a:lnSpc>
+              <a:spcBef>
+                <a:spcPts val="0"/>
+              </a:spcBef>
+              <a:buNone/>
+            </a:pPr>
+            <a:r>
+              <a:rPr lang="en-US" altLang="zh-CN" sz="1600" dirty="0">
+                <a:latin typeface="Consolas" panose="020B0609020204030204" pitchFamily="49" charset="0"/>
+                <a:hlinkClick r:id="rId3"/>
+              </a:rPr>
+              <a:t>http://llvm.org/docs/LangRef.html#intrinsic-functions</a:t>
+            </a:r>
+            <a:endParaRPr lang="en-US" altLang="zh-CN" sz="1600" dirty="0">
+              <a:latin typeface="Consolas" panose="020B0609020204030204" pitchFamily="49" charset="0"/>
+            </a:endParaRPr>
+          </a:p>
+          <a:p>
+            <a:pPr marL="0" indent="0">
+              <a:lnSpc>
+                <a:spcPct val="120000"/>
+              </a:lnSpc>
+              <a:spcBef>
+                <a:spcPts val="0"/>
+              </a:spcBef>
+              <a:buNone/>
+            </a:pPr>
+            <a:endParaRPr lang="en-US" altLang="zh-CN" sz="1600" dirty="0">
+              <a:latin typeface="Consolas" panose="020B0609020204030204" pitchFamily="49" charset="0"/>
+            </a:endParaRPr>
+          </a:p>
+          <a:p>
+            <a:pPr marL="0" indent="0">
+              <a:lnSpc>
+                <a:spcPct val="120000"/>
+              </a:lnSpc>
+              <a:spcBef>
+                <a:spcPts val="0"/>
+              </a:spcBef>
+              <a:buNone/>
+            </a:pPr>
+            <a:endParaRPr lang="en-US" altLang="zh-CN" sz="1600" dirty="0">
+              <a:latin typeface="Consolas" panose="020B0609020204030204" pitchFamily="49" charset="0"/>
+            </a:endParaRPr>
+          </a:p>
+          <a:p>
+            <a:pPr marL="0" indent="0">
+              <a:lnSpc>
+                <a:spcPct val="120000"/>
+              </a:lnSpc>
+              <a:spcBef>
+                <a:spcPts val="0"/>
+              </a:spcBef>
+              <a:buNone/>
+            </a:pPr>
+            <a:endParaRPr lang="zh-CN" altLang="en-US" sz="1600" dirty="0">
+              <a:latin typeface="Consolas" panose="020B0609020204030204" pitchFamily="49" charset="0"/>
+            </a:endParaRPr>
+          </a:p>
+        </p:txBody>
+      </p:sp>
+    </p:spTree>
+    <p:extLst>
+      <p:ext uri="{BB962C8B-B14F-4D97-AF65-F5344CB8AC3E}">
+        <p14:creationId xmlns:p14="http://schemas.microsoft.com/office/powerpoint/2010/main" val="1720714862"/>
+      </p:ext>
+    </p:extLst>
+  </p:cSld>
+  <p:clrMapOvr>
+    <a:masterClrMapping/>
+  </p:clrMapOvr>
+</p:sld>
+</file>
+
+<file path=ppt/slides/slide23.xml><?xml version="1.0" encoding="utf-8"?>
+<p:sld xmlns:a="http://schemas.openxmlformats.org/drawingml/2006/main" xmlns:r="http://schemas.openxmlformats.org/officeDocument/2006/relationships" xmlns:p="http://schemas.openxmlformats.org/presentationml/2006/main">
+  <p:cSld>
+    <p:spTree>
+      <p:nvGrpSpPr>
+        <p:cNvPr id="1" name=""/>
+        <p:cNvGrpSpPr/>
+        <p:nvPr/>
+      </p:nvGrpSpPr>
+      <p:grpSpPr>
+        <a:xfrm>
+          <a:off x="0" y="0"/>
+          <a:ext cx="0" cy="0"/>
+          <a:chOff x="0" y="0"/>
+          <a:chExt cx="0" cy="0"/>
+        </a:xfrm>
+      </p:grpSpPr>
+      <p:sp>
+        <p:nvSpPr>
+          <p:cNvPr id="2" name="标题 1">
+            <a:extLst>
+              <a:ext uri="{FF2B5EF4-FFF2-40B4-BE49-F238E27FC236}">
+                <a16:creationId xmlns:a16="http://schemas.microsoft.com/office/drawing/2014/main" id="{264AE78B-F88D-4821-917E-5F65D384EC1D}"/>
+              </a:ext>
+            </a:extLst>
+          </p:cNvPr>
+          <p:cNvSpPr>
+            <a:spLocks noGrp="1"/>
+          </p:cNvSpPr>
+          <p:nvPr>
+            <p:ph type="title"/>
+          </p:nvPr>
+        </p:nvSpPr>
+        <p:spPr/>
+        <p:txBody>
+          <a:bodyPr/>
+          <a:lstStyle/>
+          <a:p>
+            <a:r>
+              <a:rPr lang="en-US" altLang="zh-CN" dirty="0"/>
+              <a:t>Vectorization</a:t>
+            </a:r>
+            <a:endParaRPr lang="zh-CN" altLang="en-US" dirty="0"/>
+          </a:p>
+        </p:txBody>
+      </p:sp>
+      <p:sp>
+        <p:nvSpPr>
+          <p:cNvPr id="3" name="内容占位符 2">
+            <a:extLst>
+              <a:ext uri="{FF2B5EF4-FFF2-40B4-BE49-F238E27FC236}">
+                <a16:creationId xmlns:a16="http://schemas.microsoft.com/office/drawing/2014/main" id="{6F71240C-8DFB-417A-8C48-A8D8975F5455}"/>
+              </a:ext>
+            </a:extLst>
+          </p:cNvPr>
+          <p:cNvSpPr>
+            <a:spLocks noGrp="1"/>
+          </p:cNvSpPr>
+          <p:nvPr>
+            <p:ph idx="1"/>
+          </p:nvPr>
+        </p:nvSpPr>
+        <p:spPr/>
+        <p:txBody>
+          <a:bodyPr/>
+          <a:lstStyle/>
+          <a:p>
+            <a:r>
+              <a:rPr lang="en-US" altLang="zh-CN" dirty="0" err="1"/>
+              <a:t>Superword</a:t>
+            </a:r>
+            <a:r>
+              <a:rPr lang="en-US" altLang="zh-CN" dirty="0"/>
+              <a:t>-Level Parallelism (SLP) and loop vectorization</a:t>
+            </a:r>
+          </a:p>
+          <a:p>
+            <a:endParaRPr lang="en-US" altLang="zh-CN" dirty="0"/>
+          </a:p>
+          <a:p>
+            <a:r>
+              <a:rPr lang="en-US" altLang="zh-CN" dirty="0"/>
+              <a:t>SLP vectorizer </a:t>
+            </a:r>
+          </a:p>
+          <a:p>
+            <a:pPr marL="914400" lvl="1" indent="-457200">
+              <a:buFont typeface="+mj-lt"/>
+              <a:buAutoNum type="arabicPeriod"/>
+            </a:pPr>
+            <a:r>
+              <a:rPr lang="en-US" altLang="zh-CN" dirty="0"/>
+              <a:t>It detects </a:t>
+            </a:r>
+            <a:r>
+              <a:rPr lang="en-US" altLang="zh-CN" dirty="0">
+                <a:solidFill>
+                  <a:srgbClr val="FF0000"/>
+                </a:solidFill>
+              </a:rPr>
+              <a:t>consecutive</a:t>
+            </a:r>
+            <a:r>
+              <a:rPr lang="en-US" altLang="zh-CN" dirty="0"/>
+              <a:t> stores that can be put together into vector-stores.</a:t>
+            </a:r>
+          </a:p>
+          <a:p>
+            <a:pPr marL="914400" lvl="1" indent="-457200">
+              <a:buFont typeface="+mj-lt"/>
+              <a:buAutoNum type="arabicPeriod"/>
+            </a:pPr>
+            <a:r>
+              <a:rPr lang="en-US" altLang="zh-CN" dirty="0"/>
+              <a:t> Next, it attempts to stores that can be put together into vector-stores. </a:t>
+            </a:r>
+          </a:p>
+          <a:p>
+            <a:pPr marL="914400" lvl="1" indent="-457200">
+              <a:buFont typeface="+mj-lt"/>
+              <a:buAutoNum type="arabicPeriod"/>
+            </a:pPr>
+            <a:r>
+              <a:rPr lang="en-US" altLang="zh-CN" dirty="0"/>
+              <a:t>Next, it attempts to construct vectorizable tree using the use-def chains. </a:t>
+            </a:r>
+          </a:p>
+          <a:p>
+            <a:pPr marL="914400" lvl="1" indent="-457200">
+              <a:buFont typeface="+mj-lt"/>
+              <a:buAutoNum type="arabicPeriod"/>
+            </a:pPr>
+            <a:r>
+              <a:rPr lang="en-US" altLang="zh-CN" dirty="0"/>
+              <a:t>If a profitable tree was found, the SLP vectorizer performs vectorization on the tree</a:t>
+            </a:r>
+          </a:p>
+          <a:p>
+            <a:pPr marL="914400" lvl="1" indent="-457200">
+              <a:buFont typeface="+mj-lt"/>
+              <a:buAutoNum type="arabicPeriod"/>
+            </a:pPr>
+            <a:endParaRPr lang="en-US" altLang="zh-CN" dirty="0"/>
+          </a:p>
+          <a:p>
+            <a:pPr marL="914400" lvl="1" indent="-457200">
+              <a:buFont typeface="+mj-lt"/>
+              <a:buAutoNum type="arabicPeriod"/>
+            </a:pPr>
+            <a:endParaRPr lang="zh-CN" altLang="en-US" dirty="0"/>
+          </a:p>
+        </p:txBody>
+      </p:sp>
+    </p:spTree>
+    <p:extLst>
+      <p:ext uri="{BB962C8B-B14F-4D97-AF65-F5344CB8AC3E}">
+        <p14:creationId xmlns:p14="http://schemas.microsoft.com/office/powerpoint/2010/main" val="61205286"/>
+      </p:ext>
+    </p:extLst>
+  </p:cSld>
+  <p:clrMapOvr>
+    <a:masterClrMapping/>
+  </p:clrMapOvr>
+</p:sld>
+</file>
+
+<file path=ppt/slides/slide24.xml><?xml version="1.0" encoding="utf-8"?>
+<p:sld xmlns:a="http://schemas.openxmlformats.org/drawingml/2006/main" xmlns:r="http://schemas.openxmlformats.org/officeDocument/2006/relationships" xmlns:p="http://schemas.openxmlformats.org/presentationml/2006/main">
+  <p:cSld>
+    <p:spTree>
+      <p:nvGrpSpPr>
+        <p:cNvPr id="1" name=""/>
+        <p:cNvGrpSpPr/>
+        <p:nvPr/>
+      </p:nvGrpSpPr>
+      <p:grpSpPr>
+        <a:xfrm>
+          <a:off x="0" y="0"/>
+          <a:ext cx="0" cy="0"/>
+          <a:chOff x="0" y="0"/>
+          <a:chExt cx="0" cy="0"/>
+        </a:xfrm>
+      </p:grpSpPr>
+      <p:sp>
+        <p:nvSpPr>
+          <p:cNvPr id="4" name="标题 3">
+            <a:extLst>
+              <a:ext uri="{FF2B5EF4-FFF2-40B4-BE49-F238E27FC236}">
+                <a16:creationId xmlns:a16="http://schemas.microsoft.com/office/drawing/2014/main" id="{A5A48B1F-B25C-426C-829F-C41B80787943}"/>
+              </a:ext>
+            </a:extLst>
+          </p:cNvPr>
+          <p:cNvSpPr>
+            <a:spLocks noGrp="1"/>
+          </p:cNvSpPr>
+          <p:nvPr>
+            <p:ph type="title"/>
+          </p:nvPr>
+        </p:nvSpPr>
+        <p:spPr/>
+        <p:txBody>
+          <a:bodyPr>
+            <a:normAutofit/>
+          </a:bodyPr>
+          <a:lstStyle/>
+          <a:p>
+            <a:r>
+              <a:rPr lang="en-US" altLang="zh-CN" sz="4800" dirty="0"/>
+              <a:t>Chapter 6. IR to Selection DAG phase </a:t>
+            </a:r>
+            <a:br>
+              <a:rPr lang="en-US" altLang="zh-CN" sz="4800" dirty="0"/>
+            </a:br>
+            <a:endParaRPr lang="zh-CN" altLang="en-US" sz="4800" dirty="0"/>
+          </a:p>
+        </p:txBody>
+      </p:sp>
+      <p:sp>
+        <p:nvSpPr>
+          <p:cNvPr id="5" name="文本占位符 4">
+            <a:extLst>
+              <a:ext uri="{FF2B5EF4-FFF2-40B4-BE49-F238E27FC236}">
+                <a16:creationId xmlns:a16="http://schemas.microsoft.com/office/drawing/2014/main" id="{38AB9B30-30DE-4830-978C-D128C1737424}"/>
+              </a:ext>
+            </a:extLst>
+          </p:cNvPr>
+          <p:cNvSpPr>
+            <a:spLocks noGrp="1"/>
+          </p:cNvSpPr>
+          <p:nvPr>
+            <p:ph type="body" idx="1"/>
+          </p:nvPr>
+        </p:nvSpPr>
+        <p:spPr/>
+        <p:txBody>
+          <a:bodyPr/>
+          <a:lstStyle/>
+          <a:p>
+            <a:endParaRPr lang="zh-CN" altLang="en-US"/>
+          </a:p>
+        </p:txBody>
+      </p:sp>
+    </p:spTree>
+    <p:extLst>
+      <p:ext uri="{BB962C8B-B14F-4D97-AF65-F5344CB8AC3E}">
+        <p14:creationId xmlns:p14="http://schemas.microsoft.com/office/powerpoint/2010/main" val="3351474608"/>
+      </p:ext>
+    </p:extLst>
+  </p:cSld>
+  <p:clrMapOvr>
+    <a:masterClrMapping/>
+  </p:clrMapOvr>
+</p:sld>
+</file>
+
+<file path=ppt/slides/slide25.xml><?xml version="1.0" encoding="utf-8"?>
+<p:sld xmlns:a="http://schemas.openxmlformats.org/drawingml/2006/main" xmlns:r="http://schemas.openxmlformats.org/officeDocument/2006/relationships" xmlns:p="http://schemas.openxmlformats.org/presentationml/2006/main">
+  <p:cSld>
+    <p:spTree>
+      <p:nvGrpSpPr>
+        <p:cNvPr id="1" name=""/>
+        <p:cNvGrpSpPr/>
+        <p:nvPr/>
+      </p:nvGrpSpPr>
+      <p:grpSpPr>
+        <a:xfrm>
+          <a:off x="0" y="0"/>
+          <a:ext cx="0" cy="0"/>
+          <a:chOff x="0" y="0"/>
+          <a:chExt cx="0" cy="0"/>
+        </a:xfrm>
+      </p:grpSpPr>
+      <p:sp>
+        <p:nvSpPr>
+          <p:cNvPr id="4" name="标题 3">
+            <a:extLst>
+              <a:ext uri="{FF2B5EF4-FFF2-40B4-BE49-F238E27FC236}">
+                <a16:creationId xmlns:a16="http://schemas.microsoft.com/office/drawing/2014/main" id="{DA342F5C-580C-4FA0-9DB9-E69533CDA599}"/>
+              </a:ext>
+            </a:extLst>
+          </p:cNvPr>
+          <p:cNvSpPr>
+            <a:spLocks noGrp="1"/>
+          </p:cNvSpPr>
+          <p:nvPr>
+            <p:ph type="title"/>
+          </p:nvPr>
+        </p:nvSpPr>
+        <p:spPr/>
+        <p:txBody>
+          <a:bodyPr/>
+          <a:lstStyle/>
+          <a:p>
+            <a:r>
+              <a:rPr lang="en-US" altLang="zh-CN" dirty="0"/>
+              <a:t>Knowledge Point</a:t>
+            </a:r>
+            <a:endParaRPr lang="zh-CN" altLang="en-US" dirty="0"/>
+          </a:p>
+        </p:txBody>
+      </p:sp>
+      <p:sp>
+        <p:nvSpPr>
+          <p:cNvPr id="5" name="内容占位符 4">
+            <a:extLst>
+              <a:ext uri="{FF2B5EF4-FFF2-40B4-BE49-F238E27FC236}">
+                <a16:creationId xmlns:a16="http://schemas.microsoft.com/office/drawing/2014/main" id="{A2FC03EA-0CD0-4070-A476-49945754817B}"/>
+              </a:ext>
+            </a:extLst>
+          </p:cNvPr>
+          <p:cNvSpPr>
+            <a:spLocks noGrp="1"/>
+          </p:cNvSpPr>
+          <p:nvPr>
+            <p:ph idx="1"/>
+          </p:nvPr>
+        </p:nvSpPr>
+        <p:spPr/>
+        <p:txBody>
+          <a:bodyPr/>
+          <a:lstStyle/>
+          <a:p>
+            <a:r>
+              <a:rPr lang="en-US" altLang="zh-CN" dirty="0"/>
+              <a:t>Converting IR to </a:t>
+            </a:r>
+            <a:r>
+              <a:rPr lang="en-US" altLang="zh-CN" dirty="0" err="1"/>
+              <a:t>selectionDAG</a:t>
+            </a:r>
+            <a:endParaRPr lang="en-US" altLang="zh-CN" dirty="0"/>
+          </a:p>
+          <a:p>
+            <a:r>
+              <a:rPr lang="en-US" altLang="zh-CN" dirty="0"/>
+              <a:t>Legalizing </a:t>
+            </a:r>
+            <a:r>
+              <a:rPr lang="en-US" altLang="zh-CN" dirty="0" err="1"/>
+              <a:t>selectionDAG</a:t>
+            </a:r>
+            <a:endParaRPr lang="en-US" altLang="zh-CN" dirty="0"/>
+          </a:p>
+          <a:p>
+            <a:r>
+              <a:rPr lang="en-US" altLang="zh-CN" dirty="0"/>
+              <a:t>Optimizing </a:t>
+            </a:r>
+            <a:r>
+              <a:rPr lang="en-US" altLang="zh-CN" dirty="0" err="1"/>
+              <a:t>selectionDAG</a:t>
+            </a:r>
+            <a:endParaRPr lang="en-US" altLang="zh-CN" dirty="0"/>
+          </a:p>
+          <a:p>
+            <a:r>
+              <a:rPr lang="en-US" altLang="zh-CN" dirty="0"/>
+              <a:t>Instruction selection</a:t>
+            </a:r>
+          </a:p>
+          <a:p>
+            <a:r>
+              <a:rPr lang="en-US" altLang="zh-CN" dirty="0"/>
+              <a:t>Scheduling and emitting machine instructions</a:t>
+            </a:r>
+          </a:p>
+          <a:p>
+            <a:r>
+              <a:rPr lang="en-US" altLang="zh-CN" dirty="0"/>
+              <a:t>Register allocation</a:t>
+            </a:r>
+          </a:p>
+          <a:p>
+            <a:r>
+              <a:rPr lang="en-US" altLang="zh-CN" dirty="0"/>
+              <a:t>Code emission</a:t>
+            </a:r>
+            <a:endParaRPr lang="zh-CN" altLang="en-US" dirty="0"/>
+          </a:p>
+        </p:txBody>
+      </p:sp>
+    </p:spTree>
+    <p:extLst>
+      <p:ext uri="{BB962C8B-B14F-4D97-AF65-F5344CB8AC3E}">
+        <p14:creationId xmlns:p14="http://schemas.microsoft.com/office/powerpoint/2010/main" val="1530705409"/>
+      </p:ext>
+    </p:extLst>
+  </p:cSld>
+  <p:clrMapOvr>
+    <a:masterClrMapping/>
+  </p:clrMapOvr>
+</p:sld>
+</file>
+
+<file path=ppt/slides/slide26.xml><?xml version="1.0" encoding="utf-8"?>
+<p:sld xmlns:a="http://schemas.openxmlformats.org/drawingml/2006/main" xmlns:r="http://schemas.openxmlformats.org/officeDocument/2006/relationships" xmlns:p="http://schemas.openxmlformats.org/presentationml/2006/main">
+  <p:cSld>
+    <p:spTree>
+      <p:nvGrpSpPr>
+        <p:cNvPr id="1" name=""/>
+        <p:cNvGrpSpPr/>
+        <p:nvPr/>
+      </p:nvGrpSpPr>
+      <p:grpSpPr>
+        <a:xfrm>
+          <a:off x="0" y="0"/>
+          <a:ext cx="0" cy="0"/>
+          <a:chOff x="0" y="0"/>
+          <a:chExt cx="0" cy="0"/>
+        </a:xfrm>
+      </p:grpSpPr>
+      <p:sp>
+        <p:nvSpPr>
+          <p:cNvPr id="2" name="标题 1">
+            <a:extLst>
+              <a:ext uri="{FF2B5EF4-FFF2-40B4-BE49-F238E27FC236}">
+                <a16:creationId xmlns:a16="http://schemas.microsoft.com/office/drawing/2014/main" id="{9B0101CC-EDD0-4DF5-884D-D4E37E903CFD}"/>
+              </a:ext>
+            </a:extLst>
+          </p:cNvPr>
+          <p:cNvSpPr>
+            <a:spLocks noGrp="1"/>
+          </p:cNvSpPr>
+          <p:nvPr>
+            <p:ph type="title"/>
+          </p:nvPr>
+        </p:nvSpPr>
+        <p:spPr/>
+        <p:txBody>
+          <a:bodyPr/>
+          <a:lstStyle/>
+          <a:p>
+            <a:r>
+              <a:rPr lang="en-US" altLang="zh-CN" dirty="0"/>
+              <a:t>Converting IR to </a:t>
+            </a:r>
+            <a:r>
+              <a:rPr lang="en-US" altLang="zh-CN" dirty="0" err="1"/>
+              <a:t>selectionDAG</a:t>
+            </a:r>
+            <a:endParaRPr lang="zh-CN" altLang="en-US" dirty="0"/>
+          </a:p>
+        </p:txBody>
+      </p:sp>
+      <p:sp>
+        <p:nvSpPr>
+          <p:cNvPr id="3" name="内容占位符 2">
+            <a:extLst>
+              <a:ext uri="{FF2B5EF4-FFF2-40B4-BE49-F238E27FC236}">
+                <a16:creationId xmlns:a16="http://schemas.microsoft.com/office/drawing/2014/main" id="{2D699C28-F77D-426C-A448-11C5709650DC}"/>
+              </a:ext>
+            </a:extLst>
+          </p:cNvPr>
+          <p:cNvSpPr>
+            <a:spLocks noGrp="1"/>
+          </p:cNvSpPr>
+          <p:nvPr>
+            <p:ph idx="1"/>
+          </p:nvPr>
+        </p:nvSpPr>
+        <p:spPr/>
+        <p:txBody>
+          <a:bodyPr/>
+          <a:lstStyle/>
+          <a:p>
+            <a:r>
+              <a:rPr lang="en-US" altLang="zh-CN" dirty="0" err="1"/>
+              <a:t>SelectionDAGBuilder</a:t>
+            </a:r>
+            <a:r>
+              <a:rPr lang="en-US" altLang="zh-CN" dirty="0"/>
+              <a:t>     DAG node </a:t>
+            </a:r>
+            <a:br>
+              <a:rPr lang="en-US" altLang="zh-CN" dirty="0"/>
+            </a:br>
+            <a:endParaRPr lang="zh-CN" altLang="en-US" dirty="0"/>
+          </a:p>
+        </p:txBody>
+      </p:sp>
+    </p:spTree>
+    <p:extLst>
+      <p:ext uri="{BB962C8B-B14F-4D97-AF65-F5344CB8AC3E}">
+        <p14:creationId xmlns:p14="http://schemas.microsoft.com/office/powerpoint/2010/main" val="640614963"/>
+      </p:ext>
+    </p:extLst>
+  </p:cSld>
+  <p:clrMapOvr>
+    <a:masterClrMapping/>
+  </p:clrMapOvr>
+</p:sld>
+</file>
+
+<file path=ppt/slides/slide27.xml><?xml version="1.0" encoding="utf-8"?>
+<p:sld xmlns:a="http://schemas.openxmlformats.org/drawingml/2006/main" xmlns:r="http://schemas.openxmlformats.org/officeDocument/2006/relationships" xmlns:p="http://schemas.openxmlformats.org/presentationml/2006/main">
+  <p:cSld>
+    <p:spTree>
+      <p:nvGrpSpPr>
+        <p:cNvPr id="1" name=""/>
+        <p:cNvGrpSpPr/>
+        <p:nvPr/>
+      </p:nvGrpSpPr>
+      <p:grpSpPr>
+        <a:xfrm>
+          <a:off x="0" y="0"/>
+          <a:ext cx="0" cy="0"/>
+          <a:chOff x="0" y="0"/>
+          <a:chExt cx="0" cy="0"/>
+        </a:xfrm>
+      </p:grpSpPr>
+      <p:sp>
+        <p:nvSpPr>
+          <p:cNvPr id="2" name="标题 1">
+            <a:extLst>
+              <a:ext uri="{FF2B5EF4-FFF2-40B4-BE49-F238E27FC236}">
+                <a16:creationId xmlns:a16="http://schemas.microsoft.com/office/drawing/2014/main" id="{0A3537EE-870D-42F7-9D50-4E2A4718FED1}"/>
+              </a:ext>
+            </a:extLst>
+          </p:cNvPr>
+          <p:cNvSpPr>
+            <a:spLocks noGrp="1"/>
+          </p:cNvSpPr>
+          <p:nvPr>
+            <p:ph type="title"/>
+          </p:nvPr>
+        </p:nvSpPr>
+        <p:spPr/>
+        <p:txBody>
+          <a:bodyPr/>
+          <a:lstStyle/>
+          <a:p>
+            <a:r>
+              <a:rPr lang="en-US" altLang="zh-CN" b="1" dirty="0"/>
+              <a:t>Legalizing </a:t>
+            </a:r>
+            <a:r>
+              <a:rPr lang="en-US" altLang="zh-CN" b="1" dirty="0" err="1"/>
+              <a:t>SelectionDAG</a:t>
+            </a:r>
+            <a:endParaRPr lang="zh-CN" altLang="en-US" b="1" dirty="0"/>
+          </a:p>
+        </p:txBody>
+      </p:sp>
+      <p:sp>
+        <p:nvSpPr>
+          <p:cNvPr id="3" name="内容占位符 2">
+            <a:extLst>
+              <a:ext uri="{FF2B5EF4-FFF2-40B4-BE49-F238E27FC236}">
+                <a16:creationId xmlns:a16="http://schemas.microsoft.com/office/drawing/2014/main" id="{CE791B5B-F96C-46CD-93A3-514A83DABF4D}"/>
+              </a:ext>
+            </a:extLst>
+          </p:cNvPr>
+          <p:cNvSpPr>
+            <a:spLocks noGrp="1"/>
+          </p:cNvSpPr>
+          <p:nvPr>
+            <p:ph idx="1"/>
+          </p:nvPr>
+        </p:nvSpPr>
+        <p:spPr/>
+        <p:txBody>
+          <a:bodyPr/>
+          <a:lstStyle/>
+          <a:p>
+            <a:r>
+              <a:rPr lang="en-US" altLang="zh-CN" dirty="0" err="1"/>
+              <a:t>TargetLowering</a:t>
+            </a:r>
+            <a:endParaRPr lang="en-US" altLang="zh-CN" dirty="0"/>
+          </a:p>
+          <a:p>
+            <a:r>
+              <a:rPr lang="en-US" altLang="zh-CN" dirty="0"/>
+              <a:t>void </a:t>
+            </a:r>
+            <a:r>
+              <a:rPr lang="en-US" altLang="zh-CN" dirty="0" err="1"/>
+              <a:t>SelectionDAGLegalize</a:t>
+            </a:r>
+            <a:r>
+              <a:rPr lang="en-US" altLang="zh-CN" dirty="0"/>
+              <a:t>::</a:t>
+            </a:r>
+            <a:r>
+              <a:rPr lang="en-US" altLang="zh-CN" dirty="0" err="1"/>
+              <a:t>LegalizeOp</a:t>
+            </a:r>
+            <a:r>
+              <a:rPr lang="en-US" altLang="zh-CN" dirty="0"/>
+              <a:t>(</a:t>
+            </a:r>
+            <a:r>
+              <a:rPr lang="en-US" altLang="zh-CN" dirty="0" err="1"/>
+              <a:t>SDNode</a:t>
+            </a:r>
+            <a:r>
+              <a:rPr lang="en-US" altLang="zh-CN" dirty="0"/>
+              <a:t> *Node)</a:t>
+            </a:r>
+          </a:p>
+          <a:p>
+            <a:endParaRPr lang="en-US" altLang="zh-CN" dirty="0"/>
+          </a:p>
+          <a:p>
+            <a:r>
+              <a:rPr lang="en-US" altLang="zh-CN" b="1" dirty="0"/>
+              <a:t>legalization—promotion and custom. A promotion promotes one type to a larger type. A custom legalization involves target-specific hook (maybe a custom operation—majorly seen with IR intrinsic). </a:t>
+            </a:r>
+            <a:endParaRPr lang="zh-CN" altLang="en-US" b="1" dirty="0"/>
+          </a:p>
+        </p:txBody>
+      </p:sp>
+    </p:spTree>
+    <p:extLst>
+      <p:ext uri="{BB962C8B-B14F-4D97-AF65-F5344CB8AC3E}">
+        <p14:creationId xmlns:p14="http://schemas.microsoft.com/office/powerpoint/2010/main" val="1030445206"/>
+      </p:ext>
+    </p:extLst>
+  </p:cSld>
+  <p:clrMapOvr>
+    <a:masterClrMapping/>
+  </p:clrMapOvr>
+</p:sld>
+</file>
+
+<file path=ppt/slides/slide28.xml><?xml version="1.0" encoding="utf-8"?>
+<p:sld xmlns:a="http://schemas.openxmlformats.org/drawingml/2006/main" xmlns:r="http://schemas.openxmlformats.org/officeDocument/2006/relationships" xmlns:p="http://schemas.openxmlformats.org/presentationml/2006/main">
+  <p:cSld>
+    <p:spTree>
+      <p:nvGrpSpPr>
+        <p:cNvPr id="1" name=""/>
+        <p:cNvGrpSpPr/>
+        <p:nvPr/>
+      </p:nvGrpSpPr>
+      <p:grpSpPr>
+        <a:xfrm>
+          <a:off x="0" y="0"/>
+          <a:ext cx="0" cy="0"/>
+          <a:chOff x="0" y="0"/>
+          <a:chExt cx="0" cy="0"/>
+        </a:xfrm>
+      </p:grpSpPr>
+      <p:sp>
+        <p:nvSpPr>
+          <p:cNvPr id="2" name="标题 1">
+            <a:extLst>
+              <a:ext uri="{FF2B5EF4-FFF2-40B4-BE49-F238E27FC236}">
+                <a16:creationId xmlns:a16="http://schemas.microsoft.com/office/drawing/2014/main" id="{59B8C2E5-CFF4-494B-A53C-8D3810C892F1}"/>
+              </a:ext>
+            </a:extLst>
+          </p:cNvPr>
+          <p:cNvSpPr>
+            <a:spLocks noGrp="1"/>
+          </p:cNvSpPr>
+          <p:nvPr>
+            <p:ph type="title"/>
+          </p:nvPr>
+        </p:nvSpPr>
+        <p:spPr/>
+        <p:txBody>
+          <a:bodyPr/>
+          <a:lstStyle/>
+          <a:p>
+            <a:r>
+              <a:rPr lang="en-US" altLang="zh-CN" dirty="0"/>
+              <a:t>Optimizing </a:t>
+            </a:r>
+            <a:r>
+              <a:rPr lang="en-US" altLang="zh-CN" dirty="0" err="1"/>
+              <a:t>SelectionDAG</a:t>
+            </a:r>
+            <a:endParaRPr lang="zh-CN" altLang="en-US" dirty="0"/>
+          </a:p>
+        </p:txBody>
+      </p:sp>
+      <p:sp>
+        <p:nvSpPr>
+          <p:cNvPr id="3" name="内容占位符 2">
+            <a:extLst>
+              <a:ext uri="{FF2B5EF4-FFF2-40B4-BE49-F238E27FC236}">
+                <a16:creationId xmlns:a16="http://schemas.microsoft.com/office/drawing/2014/main" id="{99149BB0-EDC5-48A6-AA73-D6AA07D36C2A}"/>
+              </a:ext>
+            </a:extLst>
+          </p:cNvPr>
+          <p:cNvSpPr>
+            <a:spLocks noGrp="1"/>
+          </p:cNvSpPr>
+          <p:nvPr>
+            <p:ph idx="1"/>
+          </p:nvPr>
+        </p:nvSpPr>
+        <p:spPr/>
+        <p:txBody>
+          <a:bodyPr/>
+          <a:lstStyle/>
+          <a:p>
+            <a:r>
+              <a:rPr lang="en-US" altLang="zh-CN" dirty="0" err="1"/>
+              <a:t>DAGCombiner</a:t>
+            </a:r>
+            <a:r>
+              <a:rPr lang="en-US" altLang="zh-CN" dirty="0"/>
+              <a:t> phase</a:t>
+            </a:r>
+          </a:p>
+          <a:p>
+            <a:r>
+              <a:rPr lang="en-US" altLang="zh-CN" dirty="0"/>
+              <a:t>architecture specific instructions</a:t>
+            </a:r>
+            <a:endParaRPr lang="zh-CN" altLang="en-US" dirty="0"/>
+          </a:p>
+        </p:txBody>
+      </p:sp>
+    </p:spTree>
+    <p:extLst>
+      <p:ext uri="{BB962C8B-B14F-4D97-AF65-F5344CB8AC3E}">
+        <p14:creationId xmlns:p14="http://schemas.microsoft.com/office/powerpoint/2010/main" val="3136198403"/>
+      </p:ext>
+    </p:extLst>
+  </p:cSld>
+  <p:clrMapOvr>
+    <a:masterClrMapping/>
+  </p:clrMapOvr>
+</p:sld>
+</file>
+
+<file path=ppt/slides/slide29.xml><?xml version="1.0" encoding="utf-8"?>
+<p:sld xmlns:a="http://schemas.openxmlformats.org/drawingml/2006/main" xmlns:r="http://schemas.openxmlformats.org/officeDocument/2006/relationships" xmlns:p="http://schemas.openxmlformats.org/presentationml/2006/main">
+  <p:cSld>
+    <p:spTree>
+      <p:nvGrpSpPr>
+        <p:cNvPr id="1" name=""/>
+        <p:cNvGrpSpPr/>
+        <p:nvPr/>
+      </p:nvGrpSpPr>
+      <p:grpSpPr>
+        <a:xfrm>
+          <a:off x="0" y="0"/>
+          <a:ext cx="0" cy="0"/>
+          <a:chOff x="0" y="0"/>
+          <a:chExt cx="0" cy="0"/>
+        </a:xfrm>
+      </p:grpSpPr>
+      <p:sp>
+        <p:nvSpPr>
+          <p:cNvPr id="2" name="标题 1">
+            <a:extLst>
+              <a:ext uri="{FF2B5EF4-FFF2-40B4-BE49-F238E27FC236}">
+                <a16:creationId xmlns:a16="http://schemas.microsoft.com/office/drawing/2014/main" id="{6EB53A24-BB5A-4A7B-890E-5501B6EC05B6}"/>
+              </a:ext>
+            </a:extLst>
+          </p:cNvPr>
+          <p:cNvSpPr>
+            <a:spLocks noGrp="1"/>
+          </p:cNvSpPr>
+          <p:nvPr>
+            <p:ph type="title"/>
+          </p:nvPr>
+        </p:nvSpPr>
+        <p:spPr/>
+        <p:txBody>
+          <a:bodyPr/>
+          <a:lstStyle/>
+          <a:p>
+            <a:r>
+              <a:rPr lang="en-US" altLang="zh-CN" dirty="0"/>
+              <a:t>Instruction Selection</a:t>
+            </a:r>
+            <a:endParaRPr lang="zh-CN" altLang="en-US" dirty="0"/>
+          </a:p>
+        </p:txBody>
+      </p:sp>
+      <p:sp>
+        <p:nvSpPr>
+          <p:cNvPr id="3" name="内容占位符 2">
+            <a:extLst>
+              <a:ext uri="{FF2B5EF4-FFF2-40B4-BE49-F238E27FC236}">
+                <a16:creationId xmlns:a16="http://schemas.microsoft.com/office/drawing/2014/main" id="{877A40A5-CAA8-43E0-B07D-B5E9A19D694C}"/>
+              </a:ext>
+            </a:extLst>
+          </p:cNvPr>
+          <p:cNvSpPr>
+            <a:spLocks noGrp="1"/>
+          </p:cNvSpPr>
+          <p:nvPr>
+            <p:ph idx="1"/>
+          </p:nvPr>
+        </p:nvSpPr>
+        <p:spPr/>
+        <p:txBody>
+          <a:bodyPr/>
+          <a:lstStyle/>
+          <a:p>
+            <a:r>
+              <a:rPr lang="en-US" altLang="zh-CN" dirty="0" err="1"/>
+              <a:t>TableGen</a:t>
+            </a:r>
+            <a:r>
+              <a:rPr lang="en-US" altLang="zh-CN" dirty="0"/>
+              <a:t> class</a:t>
+            </a:r>
+          </a:p>
+          <a:p>
+            <a:r>
+              <a:rPr lang="en-US" altLang="zh-CN" dirty="0" err="1"/>
+              <a:t>CodeGenAndEmitDAG</a:t>
+            </a:r>
+            <a:r>
+              <a:rPr lang="en-US" altLang="zh-CN" dirty="0"/>
+              <a:t>() function calls the </a:t>
+            </a:r>
+            <a:r>
+              <a:rPr lang="en-US" altLang="zh-CN" dirty="0" err="1"/>
+              <a:t>DoInstructionSelection</a:t>
+            </a:r>
+            <a:r>
+              <a:rPr lang="en-US" altLang="zh-CN" dirty="0"/>
+              <a:t>() </a:t>
+            </a:r>
+          </a:p>
+          <a:p>
+            <a:endParaRPr lang="zh-CN" altLang="en-US" dirty="0"/>
+          </a:p>
+        </p:txBody>
+      </p:sp>
+    </p:spTree>
+    <p:extLst>
+      <p:ext uri="{BB962C8B-B14F-4D97-AF65-F5344CB8AC3E}">
+        <p14:creationId xmlns:p14="http://schemas.microsoft.com/office/powerpoint/2010/main" val="1683227343"/>
       </p:ext>
     </p:extLst>
   </p:cSld>
@@ -7805,6 +10521,1246 @@
 </p:sld>
 </file>
 
+<file path=ppt/slides/slide30.xml><?xml version="1.0" encoding="utf-8"?>
+<p:sld xmlns:a="http://schemas.openxmlformats.org/drawingml/2006/main" xmlns:r="http://schemas.openxmlformats.org/officeDocument/2006/relationships" xmlns:p="http://schemas.openxmlformats.org/presentationml/2006/main">
+  <p:cSld>
+    <p:spTree>
+      <p:nvGrpSpPr>
+        <p:cNvPr id="1" name=""/>
+        <p:cNvGrpSpPr/>
+        <p:nvPr/>
+      </p:nvGrpSpPr>
+      <p:grpSpPr>
+        <a:xfrm>
+          <a:off x="0" y="0"/>
+          <a:ext cx="0" cy="0"/>
+          <a:chOff x="0" y="0"/>
+          <a:chExt cx="0" cy="0"/>
+        </a:xfrm>
+      </p:grpSpPr>
+      <p:sp>
+        <p:nvSpPr>
+          <p:cNvPr id="2" name="标题 1">
+            <a:extLst>
+              <a:ext uri="{FF2B5EF4-FFF2-40B4-BE49-F238E27FC236}">
+                <a16:creationId xmlns:a16="http://schemas.microsoft.com/office/drawing/2014/main" id="{5612B3FC-0451-46C6-8F56-7F5979E95804}"/>
+              </a:ext>
+            </a:extLst>
+          </p:cNvPr>
+          <p:cNvSpPr>
+            <a:spLocks noGrp="1"/>
+          </p:cNvSpPr>
+          <p:nvPr>
+            <p:ph type="title"/>
+          </p:nvPr>
+        </p:nvSpPr>
+        <p:spPr/>
+        <p:txBody>
+          <a:bodyPr/>
+          <a:lstStyle/>
+          <a:p>
+            <a:r>
+              <a:rPr lang="en-US" altLang="zh-CN" dirty="0"/>
+              <a:t>Scheduling and emitting machine</a:t>
+            </a:r>
+            <a:br>
+              <a:rPr lang="en-US" altLang="zh-CN" dirty="0"/>
+            </a:br>
+            <a:r>
+              <a:rPr lang="en-US" altLang="zh-CN" dirty="0"/>
+              <a:t>instructions</a:t>
+            </a:r>
+            <a:endParaRPr lang="zh-CN" altLang="en-US" dirty="0"/>
+          </a:p>
+        </p:txBody>
+      </p:sp>
+      <p:sp>
+        <p:nvSpPr>
+          <p:cNvPr id="3" name="内容占位符 2">
+            <a:extLst>
+              <a:ext uri="{FF2B5EF4-FFF2-40B4-BE49-F238E27FC236}">
+                <a16:creationId xmlns:a16="http://schemas.microsoft.com/office/drawing/2014/main" id="{CCBAF260-E8F6-4424-93CE-AEADBE1AFF96}"/>
+              </a:ext>
+            </a:extLst>
+          </p:cNvPr>
+          <p:cNvSpPr>
+            <a:spLocks noGrp="1"/>
+          </p:cNvSpPr>
+          <p:nvPr>
+            <p:ph idx="1"/>
+          </p:nvPr>
+        </p:nvSpPr>
+        <p:spPr/>
+        <p:txBody>
+          <a:bodyPr/>
+          <a:lstStyle/>
+          <a:p>
+            <a:r>
+              <a:rPr lang="en-US" altLang="zh-CN" dirty="0" err="1"/>
+              <a:t>MachineBasicBlock</a:t>
+            </a:r>
+            <a:endParaRPr lang="en-US" altLang="zh-CN" dirty="0"/>
+          </a:p>
+          <a:p>
+            <a:r>
+              <a:rPr lang="en-US" altLang="zh-CN" dirty="0"/>
+              <a:t>Scheduler : is to linearize the DAGs</a:t>
+            </a:r>
+          </a:p>
+          <a:p>
+            <a:r>
+              <a:rPr lang="en-US" altLang="zh-CN" dirty="0" err="1"/>
+              <a:t>InstrEmitter</a:t>
+            </a:r>
+            <a:r>
+              <a:rPr lang="en-US" altLang="zh-CN" dirty="0"/>
+              <a:t>::</a:t>
+            </a:r>
+            <a:r>
+              <a:rPr lang="en-US" altLang="zh-CN" dirty="0" err="1"/>
+              <a:t>EmitMachineNode</a:t>
+            </a:r>
+            <a:r>
+              <a:rPr lang="en-US" altLang="zh-CN" dirty="0"/>
+              <a:t> </a:t>
+            </a:r>
+          </a:p>
+          <a:p>
+            <a:endParaRPr lang="en-US" altLang="zh-CN" dirty="0"/>
+          </a:p>
+          <a:p>
+            <a:r>
+              <a:rPr lang="en-US" altLang="zh-CN" dirty="0" err="1"/>
+              <a:t>SDNode</a:t>
+            </a:r>
+            <a:r>
+              <a:rPr lang="en-US" altLang="zh-CN" dirty="0"/>
+              <a:t> </a:t>
+            </a:r>
+            <a:r>
+              <a:rPr lang="en-US" altLang="zh-CN" dirty="0">
+                <a:sym typeface="Wingdings" panose="05000000000000000000" pitchFamily="2" charset="2"/>
+              </a:rPr>
+              <a:t></a:t>
+            </a:r>
+            <a:r>
+              <a:rPr lang="en-US" altLang="zh-CN" dirty="0"/>
+              <a:t> </a:t>
+            </a:r>
+            <a:r>
+              <a:rPr lang="en-US" altLang="zh-CN" dirty="0" err="1"/>
+              <a:t>MachineInstr</a:t>
+            </a:r>
+            <a:endParaRPr lang="zh-CN" altLang="en-US" dirty="0"/>
+          </a:p>
+        </p:txBody>
+      </p:sp>
+    </p:spTree>
+    <p:extLst>
+      <p:ext uri="{BB962C8B-B14F-4D97-AF65-F5344CB8AC3E}">
+        <p14:creationId xmlns:p14="http://schemas.microsoft.com/office/powerpoint/2010/main" val="3228983177"/>
+      </p:ext>
+    </p:extLst>
+  </p:cSld>
+  <p:clrMapOvr>
+    <a:masterClrMapping/>
+  </p:clrMapOvr>
+</p:sld>
+</file>
+
+<file path=ppt/slides/slide31.xml><?xml version="1.0" encoding="utf-8"?>
+<p:sld xmlns:a="http://schemas.openxmlformats.org/drawingml/2006/main" xmlns:r="http://schemas.openxmlformats.org/officeDocument/2006/relationships" xmlns:p="http://schemas.openxmlformats.org/presentationml/2006/main">
+  <p:cSld>
+    <p:spTree>
+      <p:nvGrpSpPr>
+        <p:cNvPr id="1" name=""/>
+        <p:cNvGrpSpPr/>
+        <p:nvPr/>
+      </p:nvGrpSpPr>
+      <p:grpSpPr>
+        <a:xfrm>
+          <a:off x="0" y="0"/>
+          <a:ext cx="0" cy="0"/>
+          <a:chOff x="0" y="0"/>
+          <a:chExt cx="0" cy="0"/>
+        </a:xfrm>
+      </p:grpSpPr>
+      <p:sp>
+        <p:nvSpPr>
+          <p:cNvPr id="2" name="标题 1">
+            <a:extLst>
+              <a:ext uri="{FF2B5EF4-FFF2-40B4-BE49-F238E27FC236}">
+                <a16:creationId xmlns:a16="http://schemas.microsoft.com/office/drawing/2014/main" id="{2425AAB3-6D31-4280-9A09-A81A7896F912}"/>
+              </a:ext>
+            </a:extLst>
+          </p:cNvPr>
+          <p:cNvSpPr>
+            <a:spLocks noGrp="1"/>
+          </p:cNvSpPr>
+          <p:nvPr>
+            <p:ph type="title"/>
+          </p:nvPr>
+        </p:nvSpPr>
+        <p:spPr/>
+        <p:txBody>
+          <a:bodyPr/>
+          <a:lstStyle/>
+          <a:p>
+            <a:r>
+              <a:rPr lang="en-US" altLang="zh-CN" b="1" dirty="0"/>
+              <a:t>Register allocation</a:t>
+            </a:r>
+            <a:endParaRPr lang="zh-CN" altLang="en-US" b="1" dirty="0"/>
+          </a:p>
+        </p:txBody>
+      </p:sp>
+      <p:sp>
+        <p:nvSpPr>
+          <p:cNvPr id="3" name="内容占位符 2">
+            <a:extLst>
+              <a:ext uri="{FF2B5EF4-FFF2-40B4-BE49-F238E27FC236}">
+                <a16:creationId xmlns:a16="http://schemas.microsoft.com/office/drawing/2014/main" id="{21A03092-172A-421A-96AC-1F92F5D25BFC}"/>
+              </a:ext>
+            </a:extLst>
+          </p:cNvPr>
+          <p:cNvSpPr>
+            <a:spLocks noGrp="1"/>
+          </p:cNvSpPr>
+          <p:nvPr>
+            <p:ph idx="1"/>
+          </p:nvPr>
+        </p:nvSpPr>
+        <p:spPr/>
+        <p:txBody>
+          <a:bodyPr>
+            <a:normAutofit/>
+          </a:bodyPr>
+          <a:lstStyle/>
+          <a:p>
+            <a:r>
+              <a:rPr lang="en-US" altLang="zh-CN" dirty="0"/>
+              <a:t>Direct Mapping:  </a:t>
+            </a:r>
+          </a:p>
+          <a:p>
+            <a:pPr lvl="1"/>
+            <a:r>
+              <a:rPr lang="en-US" altLang="zh-CN" dirty="0" err="1"/>
+              <a:t>TargetRegisterInfo</a:t>
+            </a:r>
+            <a:r>
+              <a:rPr lang="en-US" altLang="zh-CN" dirty="0"/>
+              <a:t> </a:t>
+            </a:r>
+          </a:p>
+          <a:p>
+            <a:pPr lvl="1"/>
+            <a:r>
+              <a:rPr lang="en-US" altLang="zh-CN" dirty="0" err="1"/>
+              <a:t>MachineOperand</a:t>
+            </a:r>
+            <a:r>
+              <a:rPr lang="en-US" altLang="zh-CN" dirty="0"/>
+              <a:t> </a:t>
+            </a:r>
+          </a:p>
+          <a:p>
+            <a:r>
+              <a:rPr lang="en-US" altLang="zh-CN" dirty="0"/>
+              <a:t>Indirect Mapping:</a:t>
+            </a:r>
+          </a:p>
+          <a:p>
+            <a:pPr lvl="1"/>
+            <a:r>
+              <a:rPr lang="en-US" altLang="zh-CN" dirty="0" err="1"/>
+              <a:t>VirtRegMap</a:t>
+            </a:r>
+            <a:r>
+              <a:rPr lang="en-US" altLang="zh-CN" dirty="0"/>
+              <a:t> </a:t>
+            </a:r>
+            <a:br>
+              <a:rPr lang="en-US" altLang="zh-CN" dirty="0"/>
+            </a:br>
+            <a:r>
+              <a:rPr lang="en-US" altLang="zh-CN" dirty="0" err="1"/>
+              <a:t>VirtRegMap</a:t>
+            </a:r>
+            <a:r>
+              <a:rPr lang="en-US" altLang="zh-CN" dirty="0"/>
+              <a:t>::assignVirt2Phys(</a:t>
+            </a:r>
+            <a:r>
+              <a:rPr lang="en-US" altLang="zh-CN" dirty="0" err="1"/>
+              <a:t>vreg</a:t>
+            </a:r>
+            <a:r>
+              <a:rPr lang="en-US" altLang="zh-CN" dirty="0"/>
+              <a:t>, </a:t>
+            </a:r>
+            <a:r>
+              <a:rPr lang="en-US" altLang="zh-CN" dirty="0" err="1"/>
+              <a:t>preg</a:t>
+            </a:r>
+            <a:r>
+              <a:rPr lang="en-US" altLang="zh-CN" dirty="0"/>
+              <a:t>)</a:t>
+            </a:r>
+          </a:p>
+          <a:p>
+            <a:pPr lvl="1"/>
+            <a:endParaRPr lang="en-US" altLang="zh-CN" dirty="0"/>
+          </a:p>
+        </p:txBody>
+      </p:sp>
+    </p:spTree>
+    <p:extLst>
+      <p:ext uri="{BB962C8B-B14F-4D97-AF65-F5344CB8AC3E}">
+        <p14:creationId xmlns:p14="http://schemas.microsoft.com/office/powerpoint/2010/main" val="2736458075"/>
+      </p:ext>
+    </p:extLst>
+  </p:cSld>
+  <p:clrMapOvr>
+    <a:masterClrMapping/>
+  </p:clrMapOvr>
+</p:sld>
+</file>
+
+<file path=ppt/slides/slide32.xml><?xml version="1.0" encoding="utf-8"?>
+<p:sld xmlns:a="http://schemas.openxmlformats.org/drawingml/2006/main" xmlns:r="http://schemas.openxmlformats.org/officeDocument/2006/relationships" xmlns:p="http://schemas.openxmlformats.org/presentationml/2006/main">
+  <p:cSld>
+    <p:spTree>
+      <p:nvGrpSpPr>
+        <p:cNvPr id="1" name=""/>
+        <p:cNvGrpSpPr/>
+        <p:nvPr/>
+      </p:nvGrpSpPr>
+      <p:grpSpPr>
+        <a:xfrm>
+          <a:off x="0" y="0"/>
+          <a:ext cx="0" cy="0"/>
+          <a:chOff x="0" y="0"/>
+          <a:chExt cx="0" cy="0"/>
+        </a:xfrm>
+      </p:grpSpPr>
+      <p:sp>
+        <p:nvSpPr>
+          <p:cNvPr id="2" name="标题 1">
+            <a:extLst>
+              <a:ext uri="{FF2B5EF4-FFF2-40B4-BE49-F238E27FC236}">
+                <a16:creationId xmlns:a16="http://schemas.microsoft.com/office/drawing/2014/main" id="{2425AAB3-6D31-4280-9A09-A81A7896F912}"/>
+              </a:ext>
+            </a:extLst>
+          </p:cNvPr>
+          <p:cNvSpPr>
+            <a:spLocks noGrp="1"/>
+          </p:cNvSpPr>
+          <p:nvPr>
+            <p:ph type="title"/>
+          </p:nvPr>
+        </p:nvSpPr>
+        <p:spPr/>
+        <p:txBody>
+          <a:bodyPr/>
+          <a:lstStyle/>
+          <a:p>
+            <a:r>
+              <a:rPr lang="en-US" altLang="zh-CN" b="1" dirty="0"/>
+              <a:t>Register allocation</a:t>
+            </a:r>
+            <a:endParaRPr lang="zh-CN" altLang="en-US" b="1" dirty="0"/>
+          </a:p>
+        </p:txBody>
+      </p:sp>
+      <p:sp>
+        <p:nvSpPr>
+          <p:cNvPr id="3" name="内容占位符 2">
+            <a:extLst>
+              <a:ext uri="{FF2B5EF4-FFF2-40B4-BE49-F238E27FC236}">
+                <a16:creationId xmlns:a16="http://schemas.microsoft.com/office/drawing/2014/main" id="{21A03092-172A-421A-96AC-1F92F5D25BFC}"/>
+              </a:ext>
+            </a:extLst>
+          </p:cNvPr>
+          <p:cNvSpPr>
+            <a:spLocks noGrp="1"/>
+          </p:cNvSpPr>
+          <p:nvPr>
+            <p:ph idx="1"/>
+          </p:nvPr>
+        </p:nvSpPr>
+        <p:spPr/>
+        <p:txBody>
+          <a:bodyPr>
+            <a:normAutofit/>
+          </a:bodyPr>
+          <a:lstStyle/>
+          <a:p>
+            <a:pPr marL="0" lvl="1" indent="0">
+              <a:spcBef>
+                <a:spcPts val="1000"/>
+              </a:spcBef>
+              <a:buNone/>
+            </a:pPr>
+            <a:r>
+              <a:rPr lang="en-US" altLang="zh-CN" sz="2800" dirty="0"/>
+              <a:t>RA allocators</a:t>
+            </a:r>
+          </a:p>
+          <a:p>
+            <a:pPr marL="228600" lvl="1">
+              <a:spcBef>
+                <a:spcPts val="1000"/>
+              </a:spcBef>
+            </a:pPr>
+            <a:r>
+              <a:rPr lang="en-US" altLang="zh-CN" sz="2800" dirty="0"/>
+              <a:t>Basic Register Allocator:  </a:t>
+            </a:r>
+          </a:p>
+          <a:p>
+            <a:pPr marL="685800" lvl="2">
+              <a:spcBef>
+                <a:spcPts val="1000"/>
+              </a:spcBef>
+            </a:pPr>
+            <a:r>
+              <a:rPr lang="en-US" altLang="zh-CN" sz="2400" dirty="0"/>
+              <a:t>The algorithm makes use of spill weight for prioritizing the virtual registers. Fast Register Allocator:</a:t>
+            </a:r>
+            <a:endParaRPr lang="en-US" altLang="zh-CN" sz="2800" dirty="0"/>
+          </a:p>
+          <a:p>
+            <a:pPr marL="228600" lvl="1">
+              <a:spcBef>
+                <a:spcPts val="1000"/>
+              </a:spcBef>
+            </a:pPr>
+            <a:r>
+              <a:rPr lang="en-US" altLang="zh-CN" sz="3000" dirty="0"/>
+              <a:t>Fast Register Allocator: </a:t>
+            </a:r>
+            <a:br>
+              <a:rPr lang="en-US" altLang="zh-CN" sz="3000" dirty="0"/>
+            </a:br>
+            <a:endParaRPr lang="en-US" altLang="zh-CN" sz="2800" dirty="0"/>
+          </a:p>
+        </p:txBody>
+      </p:sp>
+    </p:spTree>
+    <p:extLst>
+      <p:ext uri="{BB962C8B-B14F-4D97-AF65-F5344CB8AC3E}">
+        <p14:creationId xmlns:p14="http://schemas.microsoft.com/office/powerpoint/2010/main" val="1553108238"/>
+      </p:ext>
+    </p:extLst>
+  </p:cSld>
+  <p:clrMapOvr>
+    <a:masterClrMapping/>
+  </p:clrMapOvr>
+</p:sld>
+</file>
+
+<file path=ppt/slides/slide33.xml><?xml version="1.0" encoding="utf-8"?>
+<p:sld xmlns:a="http://schemas.openxmlformats.org/drawingml/2006/main" xmlns:r="http://schemas.openxmlformats.org/officeDocument/2006/relationships" xmlns:p="http://schemas.openxmlformats.org/presentationml/2006/main">
+  <p:cSld>
+    <p:spTree>
+      <p:nvGrpSpPr>
+        <p:cNvPr id="1" name=""/>
+        <p:cNvGrpSpPr/>
+        <p:nvPr/>
+      </p:nvGrpSpPr>
+      <p:grpSpPr>
+        <a:xfrm>
+          <a:off x="0" y="0"/>
+          <a:ext cx="0" cy="0"/>
+          <a:chOff x="0" y="0"/>
+          <a:chExt cx="0" cy="0"/>
+        </a:xfrm>
+      </p:grpSpPr>
+      <p:sp>
+        <p:nvSpPr>
+          <p:cNvPr id="2" name="标题 1">
+            <a:extLst>
+              <a:ext uri="{FF2B5EF4-FFF2-40B4-BE49-F238E27FC236}">
+                <a16:creationId xmlns:a16="http://schemas.microsoft.com/office/drawing/2014/main" id="{37911D90-7C4B-4EC8-800F-5FBC63CF58F5}"/>
+              </a:ext>
+            </a:extLst>
+          </p:cNvPr>
+          <p:cNvSpPr>
+            <a:spLocks noGrp="1"/>
+          </p:cNvSpPr>
+          <p:nvPr>
+            <p:ph type="title"/>
+          </p:nvPr>
+        </p:nvSpPr>
+        <p:spPr/>
+        <p:txBody>
+          <a:bodyPr/>
+          <a:lstStyle/>
+          <a:p>
+            <a:r>
+              <a:rPr lang="en-US" altLang="zh-CN" b="1" dirty="0"/>
+              <a:t>Code Emission</a:t>
+            </a:r>
+            <a:r>
+              <a:rPr lang="en-US" altLang="zh-CN" dirty="0"/>
+              <a:t> </a:t>
+            </a:r>
+            <a:endParaRPr lang="zh-CN" altLang="en-US" dirty="0"/>
+          </a:p>
+        </p:txBody>
+      </p:sp>
+      <p:sp>
+        <p:nvSpPr>
+          <p:cNvPr id="3" name="内容占位符 2">
+            <a:extLst>
+              <a:ext uri="{FF2B5EF4-FFF2-40B4-BE49-F238E27FC236}">
+                <a16:creationId xmlns:a16="http://schemas.microsoft.com/office/drawing/2014/main" id="{0C3C9802-DBEB-4A18-BD63-331ECE55EF61}"/>
+              </a:ext>
+            </a:extLst>
+          </p:cNvPr>
+          <p:cNvSpPr>
+            <a:spLocks noGrp="1"/>
+          </p:cNvSpPr>
+          <p:nvPr>
+            <p:ph idx="1"/>
+          </p:nvPr>
+        </p:nvSpPr>
+        <p:spPr/>
+        <p:txBody>
+          <a:bodyPr>
+            <a:normAutofit fontScale="92500" lnSpcReduction="10000"/>
+          </a:bodyPr>
+          <a:lstStyle/>
+          <a:p>
+            <a:r>
+              <a:rPr lang="en-US" altLang="zh-CN" dirty="0"/>
+              <a:t>LLVM IR</a:t>
+            </a:r>
+          </a:p>
+          <a:p>
+            <a:r>
+              <a:rPr lang="en-US" altLang="zh-CN" dirty="0" err="1"/>
+              <a:t>SelectioDAG</a:t>
+            </a:r>
+            <a:endParaRPr lang="en-US" altLang="zh-CN" dirty="0"/>
+          </a:p>
+          <a:p>
+            <a:r>
+              <a:rPr lang="en-US" altLang="zh-CN" dirty="0" err="1"/>
+              <a:t>MachineInstr</a:t>
+            </a:r>
+            <a:endParaRPr lang="en-US" altLang="zh-CN" dirty="0"/>
+          </a:p>
+          <a:p>
+            <a:pPr lvl="1"/>
+            <a:r>
+              <a:rPr lang="en-US" altLang="zh-CN" dirty="0"/>
+              <a:t>LLVM JIT : obj</a:t>
+            </a:r>
+          </a:p>
+          <a:p>
+            <a:pPr lvl="1"/>
+            <a:r>
+              <a:rPr lang="en-US" altLang="zh-CN" dirty="0"/>
+              <a:t>MC : </a:t>
+            </a:r>
+            <a:r>
+              <a:rPr lang="en-US" altLang="zh-CN" dirty="0" err="1"/>
+              <a:t>asm</a:t>
+            </a:r>
+            <a:r>
+              <a:rPr lang="en-US" altLang="zh-CN" dirty="0"/>
+              <a:t>  </a:t>
+            </a:r>
+            <a:r>
+              <a:rPr lang="en-US" altLang="zh-CN" dirty="0" err="1"/>
+              <a:t>MCInst</a:t>
+            </a:r>
+            <a:r>
+              <a:rPr lang="en-US" altLang="zh-CN" dirty="0"/>
+              <a:t> </a:t>
+            </a:r>
+          </a:p>
+          <a:p>
+            <a:pPr lvl="1"/>
+            <a:endParaRPr lang="en-US" altLang="zh-CN" dirty="0"/>
+          </a:p>
+          <a:p>
+            <a:r>
+              <a:rPr lang="en-US" altLang="zh-CN" sz="3200" dirty="0" err="1"/>
+              <a:t>AsmPrinter</a:t>
+            </a:r>
+            <a:endParaRPr lang="en-US" altLang="zh-CN" sz="3200" dirty="0"/>
+          </a:p>
+          <a:p>
+            <a:r>
+              <a:rPr lang="en-US" altLang="zh-CN" dirty="0" err="1"/>
+              <a:t>MCStreamer</a:t>
+            </a:r>
+            <a:r>
+              <a:rPr lang="en-US" altLang="zh-CN" dirty="0"/>
+              <a:t> </a:t>
+            </a:r>
+          </a:p>
+          <a:p>
+            <a:r>
+              <a:rPr lang="en-US" altLang="zh-CN" dirty="0" err="1"/>
+              <a:t>MCAsmStreamer</a:t>
+            </a:r>
+            <a:br>
+              <a:rPr lang="en-US" altLang="zh-CN" dirty="0"/>
+            </a:br>
+            <a:br>
+              <a:rPr lang="en-US" altLang="zh-CN" dirty="0"/>
+            </a:br>
+            <a:endParaRPr lang="zh-CN" altLang="en-US" dirty="0"/>
+          </a:p>
+        </p:txBody>
+      </p:sp>
+    </p:spTree>
+    <p:extLst>
+      <p:ext uri="{BB962C8B-B14F-4D97-AF65-F5344CB8AC3E}">
+        <p14:creationId xmlns:p14="http://schemas.microsoft.com/office/powerpoint/2010/main" val="3199313786"/>
+      </p:ext>
+    </p:extLst>
+  </p:cSld>
+  <p:clrMapOvr>
+    <a:masterClrMapping/>
+  </p:clrMapOvr>
+</p:sld>
+</file>
+
+<file path=ppt/slides/slide34.xml><?xml version="1.0" encoding="utf-8"?>
+<p:sld xmlns:a="http://schemas.openxmlformats.org/drawingml/2006/main" xmlns:r="http://schemas.openxmlformats.org/officeDocument/2006/relationships" xmlns:p="http://schemas.openxmlformats.org/presentationml/2006/main">
+  <p:cSld>
+    <p:spTree>
+      <p:nvGrpSpPr>
+        <p:cNvPr id="1" name=""/>
+        <p:cNvGrpSpPr/>
+        <p:nvPr/>
+      </p:nvGrpSpPr>
+      <p:grpSpPr>
+        <a:xfrm>
+          <a:off x="0" y="0"/>
+          <a:ext cx="0" cy="0"/>
+          <a:chOff x="0" y="0"/>
+          <a:chExt cx="0" cy="0"/>
+        </a:xfrm>
+      </p:grpSpPr>
+      <p:sp>
+        <p:nvSpPr>
+          <p:cNvPr id="4" name="标题 3">
+            <a:extLst>
+              <a:ext uri="{FF2B5EF4-FFF2-40B4-BE49-F238E27FC236}">
+                <a16:creationId xmlns:a16="http://schemas.microsoft.com/office/drawing/2014/main" id="{28EC4C9E-18E0-4FF3-B6AD-BAF29B4DC45A}"/>
+              </a:ext>
+            </a:extLst>
+          </p:cNvPr>
+          <p:cNvSpPr>
+            <a:spLocks noGrp="1"/>
+          </p:cNvSpPr>
+          <p:nvPr>
+            <p:ph type="title"/>
+          </p:nvPr>
+        </p:nvSpPr>
+        <p:spPr/>
+        <p:txBody>
+          <a:bodyPr>
+            <a:normAutofit/>
+          </a:bodyPr>
+          <a:lstStyle/>
+          <a:p>
+            <a:r>
+              <a:rPr lang="en-US" altLang="zh-CN" sz="3600" dirty="0"/>
+              <a:t>Chapter 7. Generating Code for Target Architecture</a:t>
+            </a:r>
+            <a:br>
+              <a:rPr lang="en-US" altLang="zh-CN" sz="3600" dirty="0"/>
+            </a:br>
+            <a:br>
+              <a:rPr lang="en-US" altLang="zh-CN" sz="3600" dirty="0"/>
+            </a:br>
+            <a:endParaRPr lang="zh-CN" altLang="en-US" sz="3600" dirty="0"/>
+          </a:p>
+        </p:txBody>
+      </p:sp>
+      <p:sp>
+        <p:nvSpPr>
+          <p:cNvPr id="5" name="文本占位符 4">
+            <a:extLst>
+              <a:ext uri="{FF2B5EF4-FFF2-40B4-BE49-F238E27FC236}">
+                <a16:creationId xmlns:a16="http://schemas.microsoft.com/office/drawing/2014/main" id="{53585ACA-902C-4DEB-9F84-821D6E103C77}"/>
+              </a:ext>
+            </a:extLst>
+          </p:cNvPr>
+          <p:cNvSpPr>
+            <a:spLocks noGrp="1"/>
+          </p:cNvSpPr>
+          <p:nvPr>
+            <p:ph type="body" idx="1"/>
+          </p:nvPr>
+        </p:nvSpPr>
+        <p:spPr/>
+        <p:txBody>
+          <a:bodyPr/>
+          <a:lstStyle/>
+          <a:p>
+            <a:endParaRPr lang="zh-CN" altLang="en-US"/>
+          </a:p>
+        </p:txBody>
+      </p:sp>
+    </p:spTree>
+    <p:extLst>
+      <p:ext uri="{BB962C8B-B14F-4D97-AF65-F5344CB8AC3E}">
+        <p14:creationId xmlns:p14="http://schemas.microsoft.com/office/powerpoint/2010/main" val="2192216490"/>
+      </p:ext>
+    </p:extLst>
+  </p:cSld>
+  <p:clrMapOvr>
+    <a:masterClrMapping/>
+  </p:clrMapOvr>
+</p:sld>
+</file>
+
+<file path=ppt/slides/slide35.xml><?xml version="1.0" encoding="utf-8"?>
+<p:sld xmlns:a="http://schemas.openxmlformats.org/drawingml/2006/main" xmlns:r="http://schemas.openxmlformats.org/officeDocument/2006/relationships" xmlns:p="http://schemas.openxmlformats.org/presentationml/2006/main">
+  <p:cSld>
+    <p:spTree>
+      <p:nvGrpSpPr>
+        <p:cNvPr id="1" name=""/>
+        <p:cNvGrpSpPr/>
+        <p:nvPr/>
+      </p:nvGrpSpPr>
+      <p:grpSpPr>
+        <a:xfrm>
+          <a:off x="0" y="0"/>
+          <a:ext cx="0" cy="0"/>
+          <a:chOff x="0" y="0"/>
+          <a:chExt cx="0" cy="0"/>
+        </a:xfrm>
+      </p:grpSpPr>
+      <p:sp>
+        <p:nvSpPr>
+          <p:cNvPr id="4" name="标题 3">
+            <a:extLst>
+              <a:ext uri="{FF2B5EF4-FFF2-40B4-BE49-F238E27FC236}">
+                <a16:creationId xmlns:a16="http://schemas.microsoft.com/office/drawing/2014/main" id="{EC2D7D00-8E94-4D13-B56C-C3962D62248E}"/>
+              </a:ext>
+            </a:extLst>
+          </p:cNvPr>
+          <p:cNvSpPr>
+            <a:spLocks noGrp="1"/>
+          </p:cNvSpPr>
+          <p:nvPr>
+            <p:ph type="title"/>
+          </p:nvPr>
+        </p:nvSpPr>
+        <p:spPr/>
+        <p:txBody>
+          <a:bodyPr/>
+          <a:lstStyle/>
+          <a:p>
+            <a:r>
+              <a:rPr lang="en-US" altLang="zh-CN" dirty="0"/>
+              <a:t>Knowledge Point</a:t>
+            </a:r>
+            <a:endParaRPr lang="zh-CN" altLang="en-US" dirty="0"/>
+          </a:p>
+        </p:txBody>
+      </p:sp>
+      <p:sp>
+        <p:nvSpPr>
+          <p:cNvPr id="5" name="内容占位符 4">
+            <a:extLst>
+              <a:ext uri="{FF2B5EF4-FFF2-40B4-BE49-F238E27FC236}">
+                <a16:creationId xmlns:a16="http://schemas.microsoft.com/office/drawing/2014/main" id="{48A18781-11AB-48AA-BE13-604207C2F47E}"/>
+              </a:ext>
+            </a:extLst>
+          </p:cNvPr>
+          <p:cNvSpPr>
+            <a:spLocks noGrp="1"/>
+          </p:cNvSpPr>
+          <p:nvPr>
+            <p:ph idx="1"/>
+          </p:nvPr>
+        </p:nvSpPr>
+        <p:spPr/>
+        <p:txBody>
+          <a:bodyPr/>
+          <a:lstStyle/>
+          <a:p>
+            <a:r>
+              <a:rPr lang="en-US" altLang="zh-CN" dirty="0"/>
+              <a:t>Defining registers and register sets</a:t>
+            </a:r>
+          </a:p>
+          <a:p>
+            <a:r>
+              <a:rPr lang="en-US" altLang="zh-CN" dirty="0"/>
+              <a:t>Defining the calling convention</a:t>
+            </a:r>
+          </a:p>
+          <a:p>
+            <a:r>
+              <a:rPr lang="en-US" altLang="zh-CN" dirty="0"/>
+              <a:t>Defining the instruction set</a:t>
+            </a:r>
+          </a:p>
+          <a:p>
+            <a:r>
+              <a:rPr lang="en-US" altLang="zh-CN" dirty="0"/>
+              <a:t>Implementing frame lowering</a:t>
+            </a:r>
+          </a:p>
+          <a:p>
+            <a:r>
+              <a:rPr lang="en-US" altLang="zh-CN" dirty="0"/>
+              <a:t>Selecting an instruction</a:t>
+            </a:r>
+          </a:p>
+          <a:p>
+            <a:r>
+              <a:rPr lang="en-US" altLang="zh-CN" dirty="0"/>
+              <a:t>Printing an instruction</a:t>
+            </a:r>
+          </a:p>
+          <a:p>
+            <a:r>
+              <a:rPr lang="en-US" altLang="zh-CN" dirty="0"/>
+              <a:t>Registering a target</a:t>
+            </a:r>
+            <a:endParaRPr lang="zh-CN" altLang="en-US" dirty="0"/>
+          </a:p>
+        </p:txBody>
+      </p:sp>
+    </p:spTree>
+    <p:extLst>
+      <p:ext uri="{BB962C8B-B14F-4D97-AF65-F5344CB8AC3E}">
+        <p14:creationId xmlns:p14="http://schemas.microsoft.com/office/powerpoint/2010/main" val="1905467813"/>
+      </p:ext>
+    </p:extLst>
+  </p:cSld>
+  <p:clrMapOvr>
+    <a:masterClrMapping/>
+  </p:clrMapOvr>
+</p:sld>
+</file>
+
+<file path=ppt/slides/slide36.xml><?xml version="1.0" encoding="utf-8"?>
+<p:sld xmlns:a="http://schemas.openxmlformats.org/drawingml/2006/main" xmlns:r="http://schemas.openxmlformats.org/officeDocument/2006/relationships" xmlns:p="http://schemas.openxmlformats.org/presentationml/2006/main">
+  <p:cSld>
+    <p:spTree>
+      <p:nvGrpSpPr>
+        <p:cNvPr id="1" name=""/>
+        <p:cNvGrpSpPr/>
+        <p:nvPr/>
+      </p:nvGrpSpPr>
+      <p:grpSpPr>
+        <a:xfrm>
+          <a:off x="0" y="0"/>
+          <a:ext cx="0" cy="0"/>
+          <a:chOff x="0" y="0"/>
+          <a:chExt cx="0" cy="0"/>
+        </a:xfrm>
+      </p:grpSpPr>
+      <p:sp>
+        <p:nvSpPr>
+          <p:cNvPr id="2" name="标题 1">
+            <a:extLst>
+              <a:ext uri="{FF2B5EF4-FFF2-40B4-BE49-F238E27FC236}">
+                <a16:creationId xmlns:a16="http://schemas.microsoft.com/office/drawing/2014/main" id="{4E0ED276-0226-4DD9-AA9D-8978FBF417E7}"/>
+              </a:ext>
+            </a:extLst>
+          </p:cNvPr>
+          <p:cNvSpPr>
+            <a:spLocks noGrp="1"/>
+          </p:cNvSpPr>
+          <p:nvPr>
+            <p:ph type="title"/>
+          </p:nvPr>
+        </p:nvSpPr>
+        <p:spPr/>
+        <p:txBody>
+          <a:bodyPr/>
+          <a:lstStyle/>
+          <a:p>
+            <a:r>
+              <a:rPr lang="en-US" altLang="zh-CN" dirty="0"/>
+              <a:t>Defining registers and register sets</a:t>
+            </a:r>
+            <a:endParaRPr lang="zh-CN" altLang="en-US" dirty="0"/>
+          </a:p>
+        </p:txBody>
+      </p:sp>
+      <p:sp>
+        <p:nvSpPr>
+          <p:cNvPr id="3" name="内容占位符 2">
+            <a:extLst>
+              <a:ext uri="{FF2B5EF4-FFF2-40B4-BE49-F238E27FC236}">
+                <a16:creationId xmlns:a16="http://schemas.microsoft.com/office/drawing/2014/main" id="{D643A932-7AFA-42B9-8AEA-88CB3B92AEE4}"/>
+              </a:ext>
+            </a:extLst>
+          </p:cNvPr>
+          <p:cNvSpPr>
+            <a:spLocks noGrp="1"/>
+          </p:cNvSpPr>
+          <p:nvPr>
+            <p:ph idx="1"/>
+          </p:nvPr>
+        </p:nvSpPr>
+        <p:spPr/>
+        <p:txBody>
+          <a:bodyPr/>
+          <a:lstStyle/>
+          <a:p>
+            <a:pPr marL="0" indent="0">
+              <a:buNone/>
+            </a:pPr>
+            <a:endParaRPr lang="en-US" altLang="zh-CN" dirty="0"/>
+          </a:p>
+          <a:p>
+            <a:pPr marL="0" indent="0">
+              <a:buNone/>
+            </a:pPr>
+            <a:r>
+              <a:rPr lang="en-US" altLang="zh-CN" dirty="0" err="1"/>
+              <a:t>llvm-tblgen</a:t>
+            </a:r>
+            <a:r>
+              <a:rPr lang="en-US" altLang="zh-CN" dirty="0"/>
+              <a:t>  : .td file to generate the .</a:t>
+            </a:r>
+            <a:r>
+              <a:rPr lang="en-US" altLang="zh-CN" dirty="0" err="1"/>
+              <a:t>inc</a:t>
+            </a:r>
+            <a:r>
+              <a:rPr lang="en-US" altLang="zh-CN" dirty="0"/>
+              <a:t> file</a:t>
+            </a:r>
+          </a:p>
+          <a:p>
+            <a:pPr marL="0" indent="0">
+              <a:buNone/>
+            </a:pPr>
+            <a:endParaRPr lang="en-US" altLang="zh-CN" dirty="0"/>
+          </a:p>
+          <a:p>
+            <a:pPr marL="0" indent="0">
+              <a:buNone/>
+            </a:pPr>
+            <a:endParaRPr lang="en-US" altLang="zh-CN" dirty="0"/>
+          </a:p>
+          <a:p>
+            <a:pPr marL="0" indent="0">
+              <a:buNone/>
+            </a:pPr>
+            <a:r>
+              <a:rPr lang="en-US" altLang="zh-CN" dirty="0"/>
+              <a:t>http://llvm.org/docs/TableGen/</a:t>
+            </a:r>
+          </a:p>
+          <a:p>
+            <a:pPr marL="0" indent="0">
+              <a:buNone/>
+            </a:pPr>
+            <a:endParaRPr lang="zh-CN" altLang="en-US" dirty="0"/>
+          </a:p>
+        </p:txBody>
+      </p:sp>
+    </p:spTree>
+    <p:extLst>
+      <p:ext uri="{BB962C8B-B14F-4D97-AF65-F5344CB8AC3E}">
+        <p14:creationId xmlns:p14="http://schemas.microsoft.com/office/powerpoint/2010/main" val="415270589"/>
+      </p:ext>
+    </p:extLst>
+  </p:cSld>
+  <p:clrMapOvr>
+    <a:masterClrMapping/>
+  </p:clrMapOvr>
+</p:sld>
+</file>
+
+<file path=ppt/slides/slide37.xml><?xml version="1.0" encoding="utf-8"?>
+<p:sld xmlns:a="http://schemas.openxmlformats.org/drawingml/2006/main" xmlns:r="http://schemas.openxmlformats.org/officeDocument/2006/relationships" xmlns:p="http://schemas.openxmlformats.org/presentationml/2006/main">
+  <p:cSld>
+    <p:spTree>
+      <p:nvGrpSpPr>
+        <p:cNvPr id="1" name=""/>
+        <p:cNvGrpSpPr/>
+        <p:nvPr/>
+      </p:nvGrpSpPr>
+      <p:grpSpPr>
+        <a:xfrm>
+          <a:off x="0" y="0"/>
+          <a:ext cx="0" cy="0"/>
+          <a:chOff x="0" y="0"/>
+          <a:chExt cx="0" cy="0"/>
+        </a:xfrm>
+      </p:grpSpPr>
+      <p:sp>
+        <p:nvSpPr>
+          <p:cNvPr id="2" name="标题 1">
+            <a:extLst>
+              <a:ext uri="{FF2B5EF4-FFF2-40B4-BE49-F238E27FC236}">
+                <a16:creationId xmlns:a16="http://schemas.microsoft.com/office/drawing/2014/main" id="{7DFBBB7E-C47A-4379-B6A6-40D9EF39803A}"/>
+              </a:ext>
+            </a:extLst>
+          </p:cNvPr>
+          <p:cNvSpPr>
+            <a:spLocks noGrp="1"/>
+          </p:cNvSpPr>
+          <p:nvPr>
+            <p:ph type="title"/>
+          </p:nvPr>
+        </p:nvSpPr>
+        <p:spPr/>
+        <p:txBody>
+          <a:bodyPr/>
+          <a:lstStyle/>
+          <a:p>
+            <a:r>
+              <a:rPr lang="en-US" altLang="zh-CN" dirty="0"/>
+              <a:t>Defining the calling convention</a:t>
+            </a:r>
+            <a:endParaRPr lang="zh-CN" altLang="en-US" dirty="0"/>
+          </a:p>
+        </p:txBody>
+      </p:sp>
+      <p:sp>
+        <p:nvSpPr>
+          <p:cNvPr id="3" name="内容占位符 2">
+            <a:extLst>
+              <a:ext uri="{FF2B5EF4-FFF2-40B4-BE49-F238E27FC236}">
+                <a16:creationId xmlns:a16="http://schemas.microsoft.com/office/drawing/2014/main" id="{7BDBAE1D-2A3E-484A-B6BC-A3410A5A827F}"/>
+              </a:ext>
+            </a:extLst>
+          </p:cNvPr>
+          <p:cNvSpPr>
+            <a:spLocks noGrp="1"/>
+          </p:cNvSpPr>
+          <p:nvPr>
+            <p:ph idx="1"/>
+          </p:nvPr>
+        </p:nvSpPr>
+        <p:spPr/>
+        <p:txBody>
+          <a:bodyPr/>
+          <a:lstStyle/>
+          <a:p>
+            <a:r>
+              <a:rPr lang="en-US" altLang="zh-CN" dirty="0"/>
+              <a:t>The calling convention specifies how values are passed to and returned from a function call.</a:t>
+            </a:r>
+          </a:p>
+          <a:p>
+            <a:endParaRPr lang="en-US" altLang="zh-CN" dirty="0"/>
+          </a:p>
+          <a:p>
+            <a:r>
+              <a:rPr lang="en-US" altLang="zh-CN" dirty="0" err="1"/>
+              <a:t>CallingConv</a:t>
+            </a:r>
+            <a:r>
+              <a:rPr lang="en-US" altLang="zh-CN" dirty="0"/>
+              <a:t> class</a:t>
+            </a:r>
+          </a:p>
+          <a:p>
+            <a:r>
+              <a:rPr lang="en-US" altLang="zh-CN" dirty="0" err="1"/>
+              <a:t>llvm-tablegen</a:t>
+            </a:r>
+            <a:r>
+              <a:rPr lang="en-US" altLang="zh-CN" dirty="0"/>
+              <a:t> generates a TOYCallingConv.inc </a:t>
+            </a:r>
+            <a:endParaRPr lang="zh-CN" altLang="en-US" dirty="0"/>
+          </a:p>
+        </p:txBody>
+      </p:sp>
+    </p:spTree>
+    <p:extLst>
+      <p:ext uri="{BB962C8B-B14F-4D97-AF65-F5344CB8AC3E}">
+        <p14:creationId xmlns:p14="http://schemas.microsoft.com/office/powerpoint/2010/main" val="2613762318"/>
+      </p:ext>
+    </p:extLst>
+  </p:cSld>
+  <p:clrMapOvr>
+    <a:masterClrMapping/>
+  </p:clrMapOvr>
+</p:sld>
+</file>
+
+<file path=ppt/slides/slide38.xml><?xml version="1.0" encoding="utf-8"?>
+<p:sld xmlns:a="http://schemas.openxmlformats.org/drawingml/2006/main" xmlns:r="http://schemas.openxmlformats.org/officeDocument/2006/relationships" xmlns:p="http://schemas.openxmlformats.org/presentationml/2006/main">
+  <p:cSld>
+    <p:spTree>
+      <p:nvGrpSpPr>
+        <p:cNvPr id="1" name=""/>
+        <p:cNvGrpSpPr/>
+        <p:nvPr/>
+      </p:nvGrpSpPr>
+      <p:grpSpPr>
+        <a:xfrm>
+          <a:off x="0" y="0"/>
+          <a:ext cx="0" cy="0"/>
+          <a:chOff x="0" y="0"/>
+          <a:chExt cx="0" cy="0"/>
+        </a:xfrm>
+      </p:grpSpPr>
+      <p:sp>
+        <p:nvSpPr>
+          <p:cNvPr id="2" name="标题 1">
+            <a:extLst>
+              <a:ext uri="{FF2B5EF4-FFF2-40B4-BE49-F238E27FC236}">
+                <a16:creationId xmlns:a16="http://schemas.microsoft.com/office/drawing/2014/main" id="{125E1450-7949-49B6-A8EE-CF4C17D9ADBB}"/>
+              </a:ext>
+            </a:extLst>
+          </p:cNvPr>
+          <p:cNvSpPr>
+            <a:spLocks noGrp="1"/>
+          </p:cNvSpPr>
+          <p:nvPr>
+            <p:ph type="title"/>
+          </p:nvPr>
+        </p:nvSpPr>
+        <p:spPr/>
+        <p:txBody>
+          <a:bodyPr/>
+          <a:lstStyle/>
+          <a:p>
+            <a:r>
+              <a:rPr lang="en-US" altLang="zh-CN" dirty="0"/>
+              <a:t>Defining the instruction set</a:t>
+            </a:r>
+            <a:endParaRPr lang="zh-CN" altLang="en-US" dirty="0"/>
+          </a:p>
+        </p:txBody>
+      </p:sp>
+      <p:sp>
+        <p:nvSpPr>
+          <p:cNvPr id="3" name="内容占位符 2">
+            <a:extLst>
+              <a:ext uri="{FF2B5EF4-FFF2-40B4-BE49-F238E27FC236}">
+                <a16:creationId xmlns:a16="http://schemas.microsoft.com/office/drawing/2014/main" id="{4C28D3D4-3C0B-4F9A-87AC-9156F029A3B7}"/>
+              </a:ext>
+            </a:extLst>
+          </p:cNvPr>
+          <p:cNvSpPr>
+            <a:spLocks noGrp="1"/>
+          </p:cNvSpPr>
+          <p:nvPr>
+            <p:ph idx="1"/>
+          </p:nvPr>
+        </p:nvSpPr>
+        <p:spPr/>
+        <p:txBody>
+          <a:bodyPr/>
+          <a:lstStyle/>
+          <a:p>
+            <a:endParaRPr lang="zh-CN" altLang="en-US"/>
+          </a:p>
+        </p:txBody>
+      </p:sp>
+    </p:spTree>
+    <p:extLst>
+      <p:ext uri="{BB962C8B-B14F-4D97-AF65-F5344CB8AC3E}">
+        <p14:creationId xmlns:p14="http://schemas.microsoft.com/office/powerpoint/2010/main" val="900981170"/>
+      </p:ext>
+    </p:extLst>
+  </p:cSld>
+  <p:clrMapOvr>
+    <a:masterClrMapping/>
+  </p:clrMapOvr>
+</p:sld>
+</file>
+
+<file path=ppt/slides/slide39.xml><?xml version="1.0" encoding="utf-8"?>
+<p:sld xmlns:a="http://schemas.openxmlformats.org/drawingml/2006/main" xmlns:r="http://schemas.openxmlformats.org/officeDocument/2006/relationships" xmlns:p="http://schemas.openxmlformats.org/presentationml/2006/main">
+  <p:cSld>
+    <p:spTree>
+      <p:nvGrpSpPr>
+        <p:cNvPr id="1" name=""/>
+        <p:cNvGrpSpPr/>
+        <p:nvPr/>
+      </p:nvGrpSpPr>
+      <p:grpSpPr>
+        <a:xfrm>
+          <a:off x="0" y="0"/>
+          <a:ext cx="0" cy="0"/>
+          <a:chOff x="0" y="0"/>
+          <a:chExt cx="0" cy="0"/>
+        </a:xfrm>
+      </p:grpSpPr>
+      <p:sp>
+        <p:nvSpPr>
+          <p:cNvPr id="2" name="标题 1">
+            <a:extLst>
+              <a:ext uri="{FF2B5EF4-FFF2-40B4-BE49-F238E27FC236}">
+                <a16:creationId xmlns:a16="http://schemas.microsoft.com/office/drawing/2014/main" id="{0EBB435D-F6ED-4DCC-A563-EDB1DD85BE53}"/>
+              </a:ext>
+            </a:extLst>
+          </p:cNvPr>
+          <p:cNvSpPr>
+            <a:spLocks noGrp="1"/>
+          </p:cNvSpPr>
+          <p:nvPr>
+            <p:ph type="title"/>
+          </p:nvPr>
+        </p:nvSpPr>
+        <p:spPr/>
+        <p:txBody>
+          <a:bodyPr/>
+          <a:lstStyle/>
+          <a:p>
+            <a:r>
+              <a:rPr lang="en-US" altLang="zh-CN" dirty="0"/>
+              <a:t>Implementing frame lowering</a:t>
+            </a:r>
+            <a:endParaRPr lang="zh-CN" altLang="en-US" dirty="0"/>
+          </a:p>
+        </p:txBody>
+      </p:sp>
+      <p:sp>
+        <p:nvSpPr>
+          <p:cNvPr id="3" name="内容占位符 2">
+            <a:extLst>
+              <a:ext uri="{FF2B5EF4-FFF2-40B4-BE49-F238E27FC236}">
+                <a16:creationId xmlns:a16="http://schemas.microsoft.com/office/drawing/2014/main" id="{51F0B8AC-9465-4180-BD9D-980BDD878418}"/>
+              </a:ext>
+            </a:extLst>
+          </p:cNvPr>
+          <p:cNvSpPr>
+            <a:spLocks noGrp="1"/>
+          </p:cNvSpPr>
+          <p:nvPr>
+            <p:ph idx="1"/>
+          </p:nvPr>
+        </p:nvSpPr>
+        <p:spPr/>
+        <p:txBody>
+          <a:bodyPr/>
+          <a:lstStyle/>
+          <a:p>
+            <a:endParaRPr lang="zh-CN" altLang="en-US"/>
+          </a:p>
+        </p:txBody>
+      </p:sp>
+    </p:spTree>
+    <p:extLst>
+      <p:ext uri="{BB962C8B-B14F-4D97-AF65-F5344CB8AC3E}">
+        <p14:creationId xmlns:p14="http://schemas.microsoft.com/office/powerpoint/2010/main" val="3440764456"/>
+      </p:ext>
+    </p:extLst>
+  </p:cSld>
+  <p:clrMapOvr>
+    <a:masterClrMapping/>
+  </p:clrMapOvr>
+</p:sld>
+</file>
+
 <file path=ppt/slides/slide4.xml><?xml version="1.0" encoding="utf-8"?>
 <p:sld xmlns:a="http://schemas.openxmlformats.org/drawingml/2006/main" xmlns:r="http://schemas.openxmlformats.org/officeDocument/2006/relationships" xmlns:p="http://schemas.openxmlformats.org/presentationml/2006/main">
   <p:cSld>
@@ -8317,6 +12273,323 @@
     <p:extLst>
       <p:ext uri="{BB962C8B-B14F-4D97-AF65-F5344CB8AC3E}">
         <p14:creationId xmlns:p14="http://schemas.microsoft.com/office/powerpoint/2010/main" val="1607072884"/>
+      </p:ext>
+    </p:extLst>
+  </p:cSld>
+  <p:clrMapOvr>
+    <a:masterClrMapping/>
+  </p:clrMapOvr>
+</p:sld>
+</file>
+
+<file path=ppt/slides/slide40.xml><?xml version="1.0" encoding="utf-8"?>
+<p:sld xmlns:a="http://schemas.openxmlformats.org/drawingml/2006/main" xmlns:r="http://schemas.openxmlformats.org/officeDocument/2006/relationships" xmlns:p="http://schemas.openxmlformats.org/presentationml/2006/main">
+  <p:cSld>
+    <p:spTree>
+      <p:nvGrpSpPr>
+        <p:cNvPr id="1" name=""/>
+        <p:cNvGrpSpPr/>
+        <p:nvPr/>
+      </p:nvGrpSpPr>
+      <p:grpSpPr>
+        <a:xfrm>
+          <a:off x="0" y="0"/>
+          <a:ext cx="0" cy="0"/>
+          <a:chOff x="0" y="0"/>
+          <a:chExt cx="0" cy="0"/>
+        </a:xfrm>
+      </p:grpSpPr>
+      <p:sp>
+        <p:nvSpPr>
+          <p:cNvPr id="2" name="标题 1">
+            <a:extLst>
+              <a:ext uri="{FF2B5EF4-FFF2-40B4-BE49-F238E27FC236}">
+                <a16:creationId xmlns:a16="http://schemas.microsoft.com/office/drawing/2014/main" id="{09A3EC03-569A-4029-A469-9D0C00122E94}"/>
+              </a:ext>
+            </a:extLst>
+          </p:cNvPr>
+          <p:cNvSpPr>
+            <a:spLocks noGrp="1"/>
+          </p:cNvSpPr>
+          <p:nvPr>
+            <p:ph type="title"/>
+          </p:nvPr>
+        </p:nvSpPr>
+        <p:spPr/>
+        <p:txBody>
+          <a:bodyPr/>
+          <a:lstStyle/>
+          <a:p>
+            <a:r>
+              <a:rPr lang="en-US" altLang="zh-CN" dirty="0"/>
+              <a:t>Lowering instructions</a:t>
+            </a:r>
+            <a:endParaRPr lang="zh-CN" altLang="en-US" dirty="0"/>
+          </a:p>
+        </p:txBody>
+      </p:sp>
+      <p:sp>
+        <p:nvSpPr>
+          <p:cNvPr id="3" name="内容占位符 2">
+            <a:extLst>
+              <a:ext uri="{FF2B5EF4-FFF2-40B4-BE49-F238E27FC236}">
+                <a16:creationId xmlns:a16="http://schemas.microsoft.com/office/drawing/2014/main" id="{2597A9E6-269D-42FB-BADC-047FE994DEDD}"/>
+              </a:ext>
+            </a:extLst>
+          </p:cNvPr>
+          <p:cNvSpPr>
+            <a:spLocks noGrp="1"/>
+          </p:cNvSpPr>
+          <p:nvPr>
+            <p:ph idx="1"/>
+          </p:nvPr>
+        </p:nvSpPr>
+        <p:spPr/>
+        <p:txBody>
+          <a:bodyPr/>
+          <a:lstStyle/>
+          <a:p>
+            <a:r>
+              <a:rPr lang="en-US" altLang="zh-CN" dirty="0"/>
+              <a:t>Function call calling convention, </a:t>
+            </a:r>
+          </a:p>
+          <a:p>
+            <a:r>
+              <a:rPr lang="en-US" altLang="zh-CN" dirty="0"/>
+              <a:t>Formal argument calling convention</a:t>
+            </a:r>
+          </a:p>
+          <a:p>
+            <a:r>
+              <a:rPr lang="en-US" altLang="zh-CN" dirty="0"/>
+              <a:t>Return value calling convention.</a:t>
+            </a:r>
+            <a:endParaRPr lang="zh-CN" altLang="en-US" dirty="0"/>
+          </a:p>
+        </p:txBody>
+      </p:sp>
+    </p:spTree>
+    <p:extLst>
+      <p:ext uri="{BB962C8B-B14F-4D97-AF65-F5344CB8AC3E}">
+        <p14:creationId xmlns:p14="http://schemas.microsoft.com/office/powerpoint/2010/main" val="510235818"/>
+      </p:ext>
+    </p:extLst>
+  </p:cSld>
+  <p:clrMapOvr>
+    <a:masterClrMapping/>
+  </p:clrMapOvr>
+</p:sld>
+</file>
+
+<file path=ppt/slides/slide41.xml><?xml version="1.0" encoding="utf-8"?>
+<p:sld xmlns:a="http://schemas.openxmlformats.org/drawingml/2006/main" xmlns:r="http://schemas.openxmlformats.org/officeDocument/2006/relationships" xmlns:p="http://schemas.openxmlformats.org/presentationml/2006/main">
+  <p:cSld>
+    <p:spTree>
+      <p:nvGrpSpPr>
+        <p:cNvPr id="1" name=""/>
+        <p:cNvGrpSpPr/>
+        <p:nvPr/>
+      </p:nvGrpSpPr>
+      <p:grpSpPr>
+        <a:xfrm>
+          <a:off x="0" y="0"/>
+          <a:ext cx="0" cy="0"/>
+          <a:chOff x="0" y="0"/>
+          <a:chExt cx="0" cy="0"/>
+        </a:xfrm>
+      </p:grpSpPr>
+      <p:sp>
+        <p:nvSpPr>
+          <p:cNvPr id="2" name="标题 1">
+            <a:extLst>
+              <a:ext uri="{FF2B5EF4-FFF2-40B4-BE49-F238E27FC236}">
+                <a16:creationId xmlns:a16="http://schemas.microsoft.com/office/drawing/2014/main" id="{2ADD3CD4-3C79-49A7-A0D4-825CB11B40C9}"/>
+              </a:ext>
+            </a:extLst>
+          </p:cNvPr>
+          <p:cNvSpPr>
+            <a:spLocks noGrp="1"/>
+          </p:cNvSpPr>
+          <p:nvPr>
+            <p:ph type="title"/>
+          </p:nvPr>
+        </p:nvSpPr>
+        <p:spPr/>
+        <p:txBody>
+          <a:bodyPr/>
+          <a:lstStyle/>
+          <a:p>
+            <a:r>
+              <a:rPr lang="en-US" altLang="zh-CN" dirty="0"/>
+              <a:t>Printing an instruction</a:t>
+            </a:r>
+            <a:endParaRPr lang="zh-CN" altLang="en-US" dirty="0"/>
+          </a:p>
+        </p:txBody>
+      </p:sp>
+      <p:sp>
+        <p:nvSpPr>
+          <p:cNvPr id="3" name="内容占位符 2">
+            <a:extLst>
+              <a:ext uri="{FF2B5EF4-FFF2-40B4-BE49-F238E27FC236}">
+                <a16:creationId xmlns:a16="http://schemas.microsoft.com/office/drawing/2014/main" id="{E09DA929-7AA1-47CC-BD48-800804F93C55}"/>
+              </a:ext>
+            </a:extLst>
+          </p:cNvPr>
+          <p:cNvSpPr>
+            <a:spLocks noGrp="1"/>
+          </p:cNvSpPr>
+          <p:nvPr>
+            <p:ph idx="1"/>
+          </p:nvPr>
+        </p:nvSpPr>
+        <p:spPr/>
+        <p:txBody>
+          <a:bodyPr/>
+          <a:lstStyle/>
+          <a:p>
+            <a:endParaRPr lang="en-US" altLang="zh-CN" dirty="0"/>
+          </a:p>
+          <a:p>
+            <a:endParaRPr lang="en-US" altLang="zh-CN" dirty="0"/>
+          </a:p>
+          <a:p>
+            <a:endParaRPr lang="en-US" altLang="zh-CN" dirty="0"/>
+          </a:p>
+          <a:p>
+            <a:r>
+              <a:rPr lang="en-US" altLang="zh-CN" sz="2400" dirty="0"/>
+              <a:t>http://llvm.org/docs/WritingAnLLVMBackend.html#target-registration </a:t>
+            </a:r>
+          </a:p>
+          <a:p>
+            <a:r>
+              <a:rPr lang="en-US" altLang="zh-CN" sz="2400" dirty="0"/>
+              <a:t>http://jonathan2251.github.io/lbd/llvmstructure.html#target-registration</a:t>
+            </a:r>
+            <a:endParaRPr lang="zh-CN" altLang="en-US" sz="2400" dirty="0"/>
+          </a:p>
+        </p:txBody>
+      </p:sp>
+    </p:spTree>
+    <p:extLst>
+      <p:ext uri="{BB962C8B-B14F-4D97-AF65-F5344CB8AC3E}">
+        <p14:creationId xmlns:p14="http://schemas.microsoft.com/office/powerpoint/2010/main" val="4213281322"/>
+      </p:ext>
+    </p:extLst>
+  </p:cSld>
+  <p:clrMapOvr>
+    <a:masterClrMapping/>
+  </p:clrMapOvr>
+</p:sld>
+</file>
+
+<file path=ppt/slides/slide42.xml><?xml version="1.0" encoding="utf-8"?>
+<p:sld xmlns:a="http://schemas.openxmlformats.org/drawingml/2006/main" xmlns:r="http://schemas.openxmlformats.org/officeDocument/2006/relationships" xmlns:p="http://schemas.openxmlformats.org/presentationml/2006/main">
+  <p:cSld>
+    <p:spTree>
+      <p:nvGrpSpPr>
+        <p:cNvPr id="1" name=""/>
+        <p:cNvGrpSpPr/>
+        <p:nvPr/>
+      </p:nvGrpSpPr>
+      <p:grpSpPr>
+        <a:xfrm>
+          <a:off x="0" y="0"/>
+          <a:ext cx="0" cy="0"/>
+          <a:chOff x="0" y="0"/>
+          <a:chExt cx="0" cy="0"/>
+        </a:xfrm>
+      </p:grpSpPr>
+      <p:sp>
+        <p:nvSpPr>
+          <p:cNvPr id="2" name="标题 1">
+            <a:extLst>
+              <a:ext uri="{FF2B5EF4-FFF2-40B4-BE49-F238E27FC236}">
+                <a16:creationId xmlns:a16="http://schemas.microsoft.com/office/drawing/2014/main" id="{336A0987-0141-4494-A862-CE1F2E12077B}"/>
+              </a:ext>
+            </a:extLst>
+          </p:cNvPr>
+          <p:cNvSpPr>
+            <a:spLocks noGrp="1"/>
+          </p:cNvSpPr>
+          <p:nvPr>
+            <p:ph type="title"/>
+          </p:nvPr>
+        </p:nvSpPr>
+        <p:spPr/>
+        <p:txBody>
+          <a:bodyPr/>
+          <a:lstStyle/>
+          <a:p>
+            <a:r>
+              <a:rPr lang="en-US" altLang="zh-CN" dirty="0"/>
+              <a:t>Flag</a:t>
+            </a:r>
+            <a:endParaRPr lang="zh-CN" altLang="en-US" dirty="0"/>
+          </a:p>
+        </p:txBody>
+      </p:sp>
+      <p:sp>
+        <p:nvSpPr>
+          <p:cNvPr id="3" name="内容占位符 2">
+            <a:extLst>
+              <a:ext uri="{FF2B5EF4-FFF2-40B4-BE49-F238E27FC236}">
+                <a16:creationId xmlns:a16="http://schemas.microsoft.com/office/drawing/2014/main" id="{123995BE-3ACB-4339-AE09-C7106C4CB0B6}"/>
+              </a:ext>
+            </a:extLst>
+          </p:cNvPr>
+          <p:cNvSpPr>
+            <a:spLocks noGrp="1"/>
+          </p:cNvSpPr>
+          <p:nvPr>
+            <p:ph idx="1"/>
+          </p:nvPr>
+        </p:nvSpPr>
+        <p:spPr/>
+        <p:txBody>
+          <a:bodyPr/>
+          <a:lstStyle/>
+          <a:p>
+            <a:r>
+              <a:rPr lang="en-US" altLang="zh-CN" dirty="0"/>
+              <a:t>familiar with all the </a:t>
+            </a:r>
+            <a:r>
+              <a:rPr lang="en-US" altLang="zh-CN" dirty="0" err="1"/>
+              <a:t>llvm</a:t>
+            </a:r>
+            <a:r>
+              <a:rPr lang="en-US" altLang="zh-CN" dirty="0"/>
+              <a:t> opt pass</a:t>
+            </a:r>
+          </a:p>
+          <a:p>
+            <a:r>
+              <a:rPr lang="en-US" altLang="zh-CN" dirty="0"/>
+              <a:t>Transplant the </a:t>
+            </a:r>
+            <a:r>
+              <a:rPr lang="en-US" altLang="zh-CN" dirty="0" err="1"/>
+              <a:t>llvm</a:t>
+            </a:r>
+            <a:r>
+              <a:rPr lang="en-US" altLang="zh-CN" dirty="0"/>
+              <a:t> pass to </a:t>
+            </a:r>
+            <a:r>
+              <a:rPr lang="en-US" altLang="zh-CN" dirty="0" err="1"/>
+              <a:t>scm</a:t>
+            </a:r>
+            <a:endParaRPr lang="zh-CN" altLang="en-US" dirty="0"/>
+          </a:p>
+        </p:txBody>
+      </p:sp>
+    </p:spTree>
+    <p:extLst>
+      <p:ext uri="{BB962C8B-B14F-4D97-AF65-F5344CB8AC3E}">
+        <p14:creationId xmlns:p14="http://schemas.microsoft.com/office/powerpoint/2010/main" val="714049575"/>
       </p:ext>
     </p:extLst>
   </p:cSld>
